--- a/Segundo_Semestre/Estrutura_de_Dados/projeto_estrutura_de_ordenacao/apresentacao_insertion_sort.pptx
+++ b/Segundo_Semestre/Estrutura_de_Dados/projeto_estrutura_de_ordenacao/apresentacao_insertion_sort.pptx
@@ -4,6 +4,9 @@
   <p:sldMasterIdLst>
     <p:sldMasterId id="2147483648" r:id="rId1"/>
   </p:sldMasterIdLst>
+  <p:notesMasterIdLst>
+    <p:notesMasterId r:id="rId14"/>
+  </p:notesMasterIdLst>
   <p:sldIdLst>
     <p:sldId id="256" r:id="rId2"/>
     <p:sldId id="258" r:id="rId3"/>
@@ -11,8 +14,12 @@
     <p:sldId id="263" r:id="rId5"/>
     <p:sldId id="259" r:id="rId6"/>
     <p:sldId id="261" r:id="rId7"/>
-    <p:sldId id="260" r:id="rId8"/>
-    <p:sldId id="262" r:id="rId9"/>
+    <p:sldId id="264" r:id="rId8"/>
+    <p:sldId id="266" r:id="rId9"/>
+    <p:sldId id="267" r:id="rId10"/>
+    <p:sldId id="260" r:id="rId11"/>
+    <p:sldId id="265" r:id="rId12"/>
+    <p:sldId id="262" r:id="rId13"/>
   </p:sldIdLst>
   <p:sldSz cx="12192000" cy="6858000"/>
   <p:notesSz cx="6858000" cy="9144000"/>
@@ -119,6 +126,355 @@
 </p:presentation>
 </file>
 
+<file path=ppt/notesMasters/notesMaster1.xml><?xml version="1.0" encoding="utf-8"?>
+<p:notesMaster xmlns:a="http://schemas.openxmlformats.org/drawingml/2006/main" xmlns:r="http://schemas.openxmlformats.org/officeDocument/2006/relationships" xmlns:p="http://schemas.openxmlformats.org/presentationml/2006/main">
+  <p:cSld>
+    <p:bg>
+      <p:bgRef idx="1001">
+        <a:schemeClr val="bg1"/>
+      </p:bgRef>
+    </p:bg>
+    <p:spTree>
+      <p:nvGrpSpPr>
+        <p:cNvPr id="1" name=""/>
+        <p:cNvGrpSpPr/>
+        <p:nvPr/>
+      </p:nvGrpSpPr>
+      <p:grpSpPr>
+        <a:xfrm>
+          <a:off x="0" y="0"/>
+          <a:ext cx="0" cy="0"/>
+          <a:chOff x="0" y="0"/>
+          <a:chExt cx="0" cy="0"/>
+        </a:xfrm>
+      </p:grpSpPr>
+      <p:sp>
+        <p:nvSpPr>
+          <p:cNvPr id="2" name="Espaço Reservado para Cabeçalho 1"/>
+          <p:cNvSpPr>
+            <a:spLocks noGrp="1"/>
+          </p:cNvSpPr>
+          <p:nvPr>
+            <p:ph type="hdr" sz="quarter"/>
+          </p:nvPr>
+        </p:nvSpPr>
+        <p:spPr>
+          <a:xfrm>
+            <a:off x="0" y="0"/>
+            <a:ext cx="2971800" cy="458788"/>
+          </a:xfrm>
+          <a:prstGeom prst="rect">
+            <a:avLst/>
+          </a:prstGeom>
+        </p:spPr>
+        <p:txBody>
+          <a:bodyPr vert="horz" lIns="91440" tIns="45720" rIns="91440" bIns="45720" rtlCol="0"/>
+          <a:lstStyle>
+            <a:lvl1pPr algn="l">
+              <a:defRPr sz="1200"/>
+            </a:lvl1pPr>
+          </a:lstStyle>
+          <a:p>
+            <a:endParaRPr lang="pt-BR"/>
+          </a:p>
+        </p:txBody>
+      </p:sp>
+      <p:sp>
+        <p:nvSpPr>
+          <p:cNvPr id="3" name="Espaço Reservado para Data 2"/>
+          <p:cNvSpPr>
+            <a:spLocks noGrp="1"/>
+          </p:cNvSpPr>
+          <p:nvPr>
+            <p:ph type="dt" idx="1"/>
+          </p:nvPr>
+        </p:nvSpPr>
+        <p:spPr>
+          <a:xfrm>
+            <a:off x="3884613" y="0"/>
+            <a:ext cx="2971800" cy="458788"/>
+          </a:xfrm>
+          <a:prstGeom prst="rect">
+            <a:avLst/>
+          </a:prstGeom>
+        </p:spPr>
+        <p:txBody>
+          <a:bodyPr vert="horz" lIns="91440" tIns="45720" rIns="91440" bIns="45720" rtlCol="0"/>
+          <a:lstStyle>
+            <a:lvl1pPr algn="r">
+              <a:defRPr sz="1200"/>
+            </a:lvl1pPr>
+          </a:lstStyle>
+          <a:p>
+            <a:fld id="{4562DA65-855E-46FC-83D3-551413996690}" type="datetimeFigureOut">
+              <a:rPr lang="pt-BR" smtClean="0"/>
+              <a:t>28/10/2025</a:t>
+            </a:fld>
+            <a:endParaRPr lang="pt-BR"/>
+          </a:p>
+        </p:txBody>
+      </p:sp>
+      <p:sp>
+        <p:nvSpPr>
+          <p:cNvPr id="4" name="Espaço Reservado para Imagem de Slide 3"/>
+          <p:cNvSpPr>
+            <a:spLocks noGrp="1" noRot="1" noChangeAspect="1"/>
+          </p:cNvSpPr>
+          <p:nvPr>
+            <p:ph type="sldImg" idx="2"/>
+          </p:nvPr>
+        </p:nvSpPr>
+        <p:spPr>
+          <a:xfrm>
+            <a:off x="685800" y="1143000"/>
+            <a:ext cx="5486400" cy="3086100"/>
+          </a:xfrm>
+          <a:prstGeom prst="rect">
+            <a:avLst/>
+          </a:prstGeom>
+          <a:noFill/>
+          <a:ln w="12700">
+            <a:solidFill>
+              <a:prstClr val="black"/>
+            </a:solidFill>
+          </a:ln>
+        </p:spPr>
+        <p:txBody>
+          <a:bodyPr vert="horz" lIns="91440" tIns="45720" rIns="91440" bIns="45720" rtlCol="0" anchor="ctr"/>
+          <a:lstStyle/>
+          <a:p>
+            <a:endParaRPr lang="pt-BR"/>
+          </a:p>
+        </p:txBody>
+      </p:sp>
+      <p:sp>
+        <p:nvSpPr>
+          <p:cNvPr id="5" name="Espaço Reservado para Anotações 4"/>
+          <p:cNvSpPr>
+            <a:spLocks noGrp="1"/>
+          </p:cNvSpPr>
+          <p:nvPr>
+            <p:ph type="body" sz="quarter" idx="3"/>
+          </p:nvPr>
+        </p:nvSpPr>
+        <p:spPr>
+          <a:xfrm>
+            <a:off x="685800" y="4400550"/>
+            <a:ext cx="5486400" cy="3600450"/>
+          </a:xfrm>
+          <a:prstGeom prst="rect">
+            <a:avLst/>
+          </a:prstGeom>
+        </p:spPr>
+        <p:txBody>
+          <a:bodyPr vert="horz" lIns="91440" tIns="45720" rIns="91440" bIns="45720" rtlCol="0"/>
+          <a:lstStyle/>
+          <a:p>
+            <a:pPr lvl="0"/>
+            <a:r>
+              <a:rPr lang="pt-BR"/>
+              <a:t>Clique para editar os estilos de texto Mestres</a:t>
+            </a:r>
+          </a:p>
+          <a:p>
+            <a:pPr lvl="1"/>
+            <a:r>
+              <a:rPr lang="pt-BR"/>
+              <a:t>Segundo nível</a:t>
+            </a:r>
+          </a:p>
+          <a:p>
+            <a:pPr lvl="2"/>
+            <a:r>
+              <a:rPr lang="pt-BR"/>
+              <a:t>Terceiro nível</a:t>
+            </a:r>
+          </a:p>
+          <a:p>
+            <a:pPr lvl="3"/>
+            <a:r>
+              <a:rPr lang="pt-BR"/>
+              <a:t>Quarto nível</a:t>
+            </a:r>
+          </a:p>
+          <a:p>
+            <a:pPr lvl="4"/>
+            <a:r>
+              <a:rPr lang="pt-BR"/>
+              <a:t>Quinto nível</a:t>
+            </a:r>
+          </a:p>
+        </p:txBody>
+      </p:sp>
+      <p:sp>
+        <p:nvSpPr>
+          <p:cNvPr id="6" name="Espaço Reservado para Rodapé 5"/>
+          <p:cNvSpPr>
+            <a:spLocks noGrp="1"/>
+          </p:cNvSpPr>
+          <p:nvPr>
+            <p:ph type="ftr" sz="quarter" idx="4"/>
+          </p:nvPr>
+        </p:nvSpPr>
+        <p:spPr>
+          <a:xfrm>
+            <a:off x="0" y="8685213"/>
+            <a:ext cx="2971800" cy="458787"/>
+          </a:xfrm>
+          <a:prstGeom prst="rect">
+            <a:avLst/>
+          </a:prstGeom>
+        </p:spPr>
+        <p:txBody>
+          <a:bodyPr vert="horz" lIns="91440" tIns="45720" rIns="91440" bIns="45720" rtlCol="0" anchor="b"/>
+          <a:lstStyle>
+            <a:lvl1pPr algn="l">
+              <a:defRPr sz="1200"/>
+            </a:lvl1pPr>
+          </a:lstStyle>
+          <a:p>
+            <a:endParaRPr lang="pt-BR"/>
+          </a:p>
+        </p:txBody>
+      </p:sp>
+      <p:sp>
+        <p:nvSpPr>
+          <p:cNvPr id="7" name="Espaço Reservado para Número de Slide 6"/>
+          <p:cNvSpPr>
+            <a:spLocks noGrp="1"/>
+          </p:cNvSpPr>
+          <p:nvPr>
+            <p:ph type="sldNum" sz="quarter" idx="5"/>
+          </p:nvPr>
+        </p:nvSpPr>
+        <p:spPr>
+          <a:xfrm>
+            <a:off x="3884613" y="8685213"/>
+            <a:ext cx="2971800" cy="458787"/>
+          </a:xfrm>
+          <a:prstGeom prst="rect">
+            <a:avLst/>
+          </a:prstGeom>
+        </p:spPr>
+        <p:txBody>
+          <a:bodyPr vert="horz" lIns="91440" tIns="45720" rIns="91440" bIns="45720" rtlCol="0" anchor="b"/>
+          <a:lstStyle>
+            <a:lvl1pPr algn="r">
+              <a:defRPr sz="1200"/>
+            </a:lvl1pPr>
+          </a:lstStyle>
+          <a:p>
+            <a:fld id="{C0CD8B06-1973-43FA-8787-C342946DA19F}" type="slidenum">
+              <a:rPr lang="pt-BR" smtClean="0"/>
+              <a:t>‹nº›</a:t>
+            </a:fld>
+            <a:endParaRPr lang="pt-BR"/>
+          </a:p>
+        </p:txBody>
+      </p:sp>
+    </p:spTree>
+    <p:extLst>
+      <p:ext uri="{BB962C8B-B14F-4D97-AF65-F5344CB8AC3E}">
+        <p14:creationId xmlns:p14="http://schemas.microsoft.com/office/powerpoint/2010/main" val="2323638237"/>
+      </p:ext>
+    </p:extLst>
+  </p:cSld>
+  <p:clrMap bg1="lt1" tx1="dk1" bg2="lt2" tx2="dk2" accent1="accent1" accent2="accent2" accent3="accent3" accent4="accent4" accent5="accent5" accent6="accent6" hlink="hlink" folHlink="folHlink"/>
+  <p:notesStyle>
+    <a:lvl1pPr marL="0" algn="l" defTabSz="914400" rtl="0" eaLnBrk="1" latinLnBrk="0" hangingPunct="1">
+      <a:defRPr sz="1200" kern="1200">
+        <a:solidFill>
+          <a:schemeClr val="tx1"/>
+        </a:solidFill>
+        <a:latin typeface="+mn-lt"/>
+        <a:ea typeface="+mn-ea"/>
+        <a:cs typeface="+mn-cs"/>
+      </a:defRPr>
+    </a:lvl1pPr>
+    <a:lvl2pPr marL="457200" algn="l" defTabSz="914400" rtl="0" eaLnBrk="1" latinLnBrk="0" hangingPunct="1">
+      <a:defRPr sz="1200" kern="1200">
+        <a:solidFill>
+          <a:schemeClr val="tx1"/>
+        </a:solidFill>
+        <a:latin typeface="+mn-lt"/>
+        <a:ea typeface="+mn-ea"/>
+        <a:cs typeface="+mn-cs"/>
+      </a:defRPr>
+    </a:lvl2pPr>
+    <a:lvl3pPr marL="914400" algn="l" defTabSz="914400" rtl="0" eaLnBrk="1" latinLnBrk="0" hangingPunct="1">
+      <a:defRPr sz="1200" kern="1200">
+        <a:solidFill>
+          <a:schemeClr val="tx1"/>
+        </a:solidFill>
+        <a:latin typeface="+mn-lt"/>
+        <a:ea typeface="+mn-ea"/>
+        <a:cs typeface="+mn-cs"/>
+      </a:defRPr>
+    </a:lvl3pPr>
+    <a:lvl4pPr marL="1371600" algn="l" defTabSz="914400" rtl="0" eaLnBrk="1" latinLnBrk="0" hangingPunct="1">
+      <a:defRPr sz="1200" kern="1200">
+        <a:solidFill>
+          <a:schemeClr val="tx1"/>
+        </a:solidFill>
+        <a:latin typeface="+mn-lt"/>
+        <a:ea typeface="+mn-ea"/>
+        <a:cs typeface="+mn-cs"/>
+      </a:defRPr>
+    </a:lvl4pPr>
+    <a:lvl5pPr marL="1828800" algn="l" defTabSz="914400" rtl="0" eaLnBrk="1" latinLnBrk="0" hangingPunct="1">
+      <a:defRPr sz="1200" kern="1200">
+        <a:solidFill>
+          <a:schemeClr val="tx1"/>
+        </a:solidFill>
+        <a:latin typeface="+mn-lt"/>
+        <a:ea typeface="+mn-ea"/>
+        <a:cs typeface="+mn-cs"/>
+      </a:defRPr>
+    </a:lvl5pPr>
+    <a:lvl6pPr marL="2286000" algn="l" defTabSz="914400" rtl="0" eaLnBrk="1" latinLnBrk="0" hangingPunct="1">
+      <a:defRPr sz="1200" kern="1200">
+        <a:solidFill>
+          <a:schemeClr val="tx1"/>
+        </a:solidFill>
+        <a:latin typeface="+mn-lt"/>
+        <a:ea typeface="+mn-ea"/>
+        <a:cs typeface="+mn-cs"/>
+      </a:defRPr>
+    </a:lvl6pPr>
+    <a:lvl7pPr marL="2743200" algn="l" defTabSz="914400" rtl="0" eaLnBrk="1" latinLnBrk="0" hangingPunct="1">
+      <a:defRPr sz="1200" kern="1200">
+        <a:solidFill>
+          <a:schemeClr val="tx1"/>
+        </a:solidFill>
+        <a:latin typeface="+mn-lt"/>
+        <a:ea typeface="+mn-ea"/>
+        <a:cs typeface="+mn-cs"/>
+      </a:defRPr>
+    </a:lvl7pPr>
+    <a:lvl8pPr marL="3200400" algn="l" defTabSz="914400" rtl="0" eaLnBrk="1" latinLnBrk="0" hangingPunct="1">
+      <a:defRPr sz="1200" kern="1200">
+        <a:solidFill>
+          <a:schemeClr val="tx1"/>
+        </a:solidFill>
+        <a:latin typeface="+mn-lt"/>
+        <a:ea typeface="+mn-ea"/>
+        <a:cs typeface="+mn-cs"/>
+      </a:defRPr>
+    </a:lvl8pPr>
+    <a:lvl9pPr marL="3657600" algn="l" defTabSz="914400" rtl="0" eaLnBrk="1" latinLnBrk="0" hangingPunct="1">
+      <a:defRPr sz="1200" kern="1200">
+        <a:solidFill>
+          <a:schemeClr val="tx1"/>
+        </a:solidFill>
+        <a:latin typeface="+mn-lt"/>
+        <a:ea typeface="+mn-ea"/>
+        <a:cs typeface="+mn-cs"/>
+      </a:defRPr>
+    </a:lvl9pPr>
+  </p:notesStyle>
+</p:notesMaster>
+</file>
+
 <file path=ppt/slideLayouts/slideLayout1.xml><?xml version="1.0" encoding="utf-8"?>
 <p:sldLayout xmlns:a="http://schemas.openxmlformats.org/drawingml/2006/main" xmlns:r="http://schemas.openxmlformats.org/officeDocument/2006/relationships" xmlns:p="http://schemas.openxmlformats.org/presentationml/2006/main" type="title" preserve="1">
   <p:cSld name="Slide de Título">
@@ -264,9 +620,9 @@
           <a:bodyPr/>
           <a:lstStyle/>
           <a:p>
-            <a:fld id="{1FCF43F0-E80B-4142-999F-4A4610C354EC}" type="datetimeFigureOut">
+            <a:fld id="{E8C344CE-DD1C-4C49-8A14-C093A7370A22}" type="datetime1">
               <a:rPr lang="pt-BR" smtClean="0"/>
-              <a:t>27/10/2025</a:t>
+              <a:t>28/10/2025</a:t>
             </a:fld>
             <a:endParaRPr lang="pt-BR"/>
           </a:p>
@@ -462,9 +818,9 @@
           <a:bodyPr/>
           <a:lstStyle/>
           <a:p>
-            <a:fld id="{1FCF43F0-E80B-4142-999F-4A4610C354EC}" type="datetimeFigureOut">
+            <a:fld id="{6FABB9AF-3967-4B8E-A3FB-778153161B03}" type="datetime1">
               <a:rPr lang="pt-BR" smtClean="0"/>
-              <a:t>27/10/2025</a:t>
+              <a:t>28/10/2025</a:t>
             </a:fld>
             <a:endParaRPr lang="pt-BR"/>
           </a:p>
@@ -670,9 +1026,9 @@
           <a:bodyPr/>
           <a:lstStyle/>
           <a:p>
-            <a:fld id="{1FCF43F0-E80B-4142-999F-4A4610C354EC}" type="datetimeFigureOut">
+            <a:fld id="{543959D8-8555-43BC-A0E0-8847B1A2C139}" type="datetime1">
               <a:rPr lang="pt-BR" smtClean="0"/>
-              <a:t>27/10/2025</a:t>
+              <a:t>28/10/2025</a:t>
             </a:fld>
             <a:endParaRPr lang="pt-BR"/>
           </a:p>
@@ -868,9 +1224,9 @@
           <a:bodyPr/>
           <a:lstStyle/>
           <a:p>
-            <a:fld id="{1FCF43F0-E80B-4142-999F-4A4610C354EC}" type="datetimeFigureOut">
+            <a:fld id="{A018C0C9-CBBD-4D40-83C7-069EEA64091D}" type="datetime1">
               <a:rPr lang="pt-BR" smtClean="0"/>
-              <a:t>27/10/2025</a:t>
+              <a:t>28/10/2025</a:t>
             </a:fld>
             <a:endParaRPr lang="pt-BR"/>
           </a:p>
@@ -1143,9 +1499,9 @@
           <a:bodyPr/>
           <a:lstStyle/>
           <a:p>
-            <a:fld id="{1FCF43F0-E80B-4142-999F-4A4610C354EC}" type="datetimeFigureOut">
+            <a:fld id="{169C40BA-3FDD-41A3-92D2-F68D06285214}" type="datetime1">
               <a:rPr lang="pt-BR" smtClean="0"/>
-              <a:t>27/10/2025</a:t>
+              <a:t>28/10/2025</a:t>
             </a:fld>
             <a:endParaRPr lang="pt-BR"/>
           </a:p>
@@ -1408,9 +1764,9 @@
           <a:bodyPr/>
           <a:lstStyle/>
           <a:p>
-            <a:fld id="{1FCF43F0-E80B-4142-999F-4A4610C354EC}" type="datetimeFigureOut">
+            <a:fld id="{853B09CF-7AD8-4C08-854F-E90C59306E6A}" type="datetime1">
               <a:rPr lang="pt-BR" smtClean="0"/>
-              <a:t>27/10/2025</a:t>
+              <a:t>28/10/2025</a:t>
             </a:fld>
             <a:endParaRPr lang="pt-BR"/>
           </a:p>
@@ -1820,9 +2176,9 @@
           <a:bodyPr/>
           <a:lstStyle/>
           <a:p>
-            <a:fld id="{1FCF43F0-E80B-4142-999F-4A4610C354EC}" type="datetimeFigureOut">
+            <a:fld id="{4855D67E-FD81-4DFB-9A70-55B288691E5C}" type="datetime1">
               <a:rPr lang="pt-BR" smtClean="0"/>
-              <a:t>27/10/2025</a:t>
+              <a:t>28/10/2025</a:t>
             </a:fld>
             <a:endParaRPr lang="pt-BR"/>
           </a:p>
@@ -1961,9 +2317,9 @@
           <a:bodyPr/>
           <a:lstStyle/>
           <a:p>
-            <a:fld id="{1FCF43F0-E80B-4142-999F-4A4610C354EC}" type="datetimeFigureOut">
+            <a:fld id="{9E9CF806-FD18-4012-B23E-581145B83F05}" type="datetime1">
               <a:rPr lang="pt-BR" smtClean="0"/>
-              <a:t>27/10/2025</a:t>
+              <a:t>28/10/2025</a:t>
             </a:fld>
             <a:endParaRPr lang="pt-BR"/>
           </a:p>
@@ -2074,9 +2430,9 @@
           <a:bodyPr/>
           <a:lstStyle/>
           <a:p>
-            <a:fld id="{1FCF43F0-E80B-4142-999F-4A4610C354EC}" type="datetimeFigureOut">
+            <a:fld id="{37CF2EE8-CFE3-4DA6-B4F9-43B03B765A73}" type="datetime1">
               <a:rPr lang="pt-BR" smtClean="0"/>
-              <a:t>27/10/2025</a:t>
+              <a:t>28/10/2025</a:t>
             </a:fld>
             <a:endParaRPr lang="pt-BR"/>
           </a:p>
@@ -2385,9 +2741,9 @@
           <a:bodyPr/>
           <a:lstStyle/>
           <a:p>
-            <a:fld id="{1FCF43F0-E80B-4142-999F-4A4610C354EC}" type="datetimeFigureOut">
+            <a:fld id="{FBE59217-E685-4738-9F78-5D20552DF19D}" type="datetime1">
               <a:rPr lang="pt-BR" smtClean="0"/>
-              <a:t>27/10/2025</a:t>
+              <a:t>28/10/2025</a:t>
             </a:fld>
             <a:endParaRPr lang="pt-BR"/>
           </a:p>
@@ -2673,9 +3029,9 @@
           <a:bodyPr/>
           <a:lstStyle/>
           <a:p>
-            <a:fld id="{1FCF43F0-E80B-4142-999F-4A4610C354EC}" type="datetimeFigureOut">
+            <a:fld id="{5CF0F633-907A-4C6F-B284-CBF6E068056C}" type="datetime1">
               <a:rPr lang="pt-BR" smtClean="0"/>
-              <a:t>27/10/2025</a:t>
+              <a:t>28/10/2025</a:t>
             </a:fld>
             <a:endParaRPr lang="pt-BR"/>
           </a:p>
@@ -2914,9 +3270,9 @@
             </a:lvl1pPr>
           </a:lstStyle>
           <a:p>
-            <a:fld id="{1FCF43F0-E80B-4142-999F-4A4610C354EC}" type="datetimeFigureOut">
+            <a:fld id="{F58FA6DB-6E73-4E1B-9617-C139D10E58AD}" type="datetime1">
               <a:rPr lang="pt-BR" smtClean="0"/>
-              <a:t>27/10/2025</a:t>
+              <a:t>28/10/2025</a:t>
             </a:fld>
             <a:endParaRPr lang="pt-BR"/>
           </a:p>
@@ -3033,6 +3389,7 @@
     <p:sldLayoutId id="2147483658" r:id="rId10"/>
     <p:sldLayoutId id="2147483659" r:id="rId11"/>
   </p:sldLayoutIdLst>
+  <p:hf hdr="0" ftr="0" dt="0"/>
   <p:txStyles>
     <p:titleStyle>
       <a:lvl1pPr algn="l" defTabSz="914400" rtl="0" eaLnBrk="1" latinLnBrk="0" hangingPunct="1">
@@ -3597,8 +3954,8 @@
         </p:blipFill>
         <p:spPr>
           <a:xfrm>
-            <a:off x="3681846" y="1807183"/>
-            <a:ext cx="4828307" cy="4380218"/>
+            <a:off x="4218363" y="1725617"/>
+            <a:ext cx="3755273" cy="3406766"/>
           </a:xfrm>
           <a:prstGeom prst="rect">
             <a:avLst/>
@@ -3711,10 +4068,2343 @@
           </a:p>
         </p:txBody>
       </p:sp>
+      <p:sp>
+        <p:nvSpPr>
+          <p:cNvPr id="4" name="Título 1">
+            <a:extLst>
+              <a:ext uri="{FF2B5EF4-FFF2-40B4-BE49-F238E27FC236}">
+                <a16:creationId xmlns:a16="http://schemas.microsoft.com/office/drawing/2014/main" id="{86FB4804-F44C-FE1B-DB64-89F61D04EFCE}"/>
+              </a:ext>
+            </a:extLst>
+          </p:cNvPr>
+          <p:cNvSpPr txBox="1">
+            <a:spLocks/>
+          </p:cNvSpPr>
+          <p:nvPr/>
+        </p:nvSpPr>
+        <p:spPr>
+          <a:xfrm>
+            <a:off x="3262364" y="5271358"/>
+            <a:ext cx="5667270" cy="1312322"/>
+          </a:xfrm>
+          <a:prstGeom prst="rect">
+            <a:avLst/>
+          </a:prstGeom>
+        </p:spPr>
+        <p:txBody>
+          <a:bodyPr vert="horz" lIns="91440" tIns="45720" rIns="91440" bIns="45720" rtlCol="0" anchor="b">
+            <a:normAutofit/>
+          </a:bodyPr>
+          <a:lstStyle>
+            <a:lvl1pPr algn="ctr" defTabSz="914400" rtl="0" eaLnBrk="1" latinLnBrk="0" hangingPunct="1">
+              <a:lnSpc>
+                <a:spcPct val="90000"/>
+              </a:lnSpc>
+              <a:spcBef>
+                <a:spcPct val="0"/>
+              </a:spcBef>
+              <a:buNone/>
+              <a:defRPr sz="6000" kern="1200">
+                <a:solidFill>
+                  <a:schemeClr val="tx1"/>
+                </a:solidFill>
+                <a:latin typeface="+mj-lt"/>
+                <a:ea typeface="+mj-ea"/>
+                <a:cs typeface="+mj-cs"/>
+              </a:defRPr>
+            </a:lvl1pPr>
+          </a:lstStyle>
+          <a:p>
+            <a:r>
+              <a:rPr lang="pt-BR" sz="1600" b="1" dirty="0">
+                <a:latin typeface="Book Antiqua" panose="02040602050305030304" pitchFamily="18" charset="0"/>
+              </a:rPr>
+              <a:t>Trabalho feito por:</a:t>
+            </a:r>
+            <a:br>
+              <a:rPr lang="pt-BR" sz="1600" dirty="0">
+                <a:latin typeface="Book Antiqua" panose="02040602050305030304" pitchFamily="18" charset="0"/>
+              </a:rPr>
+            </a:br>
+            <a:r>
+              <a:rPr lang="pt-BR" sz="1600" dirty="0">
+                <a:latin typeface="Book Antiqua" panose="02040602050305030304" pitchFamily="18" charset="0"/>
+              </a:rPr>
+              <a:t>Gustavo Henrique dos Santos</a:t>
+            </a:r>
+          </a:p>
+          <a:p>
+            <a:r>
+              <a:rPr lang="pt-BR" sz="1600" dirty="0">
+                <a:latin typeface="Book Antiqua" panose="02040602050305030304" pitchFamily="18" charset="0"/>
+              </a:rPr>
+              <a:t>Gabriel Henrique dos Santos</a:t>
+            </a:r>
+          </a:p>
+          <a:p>
+            <a:r>
+              <a:rPr lang="pt-BR" sz="1600" dirty="0">
+                <a:latin typeface="Book Antiqua" panose="02040602050305030304" pitchFamily="18" charset="0"/>
+              </a:rPr>
+              <a:t>Eduardo Silva Sinico</a:t>
+            </a:r>
+          </a:p>
+          <a:p>
+            <a:endParaRPr lang="pt-BR" sz="2000" dirty="0">
+              <a:latin typeface="Book Antiqua" panose="02040602050305030304" pitchFamily="18" charset="0"/>
+            </a:endParaRPr>
+          </a:p>
+        </p:txBody>
+      </p:sp>
+      <p:sp>
+        <p:nvSpPr>
+          <p:cNvPr id="5" name="Espaço Reservado para Número de Slide 4">
+            <a:extLst>
+              <a:ext uri="{FF2B5EF4-FFF2-40B4-BE49-F238E27FC236}">
+                <a16:creationId xmlns:a16="http://schemas.microsoft.com/office/drawing/2014/main" id="{4DC1899E-CF83-6B19-BC0E-4B99E422BAB7}"/>
+              </a:ext>
+            </a:extLst>
+          </p:cNvPr>
+          <p:cNvSpPr>
+            <a:spLocks noGrp="1"/>
+          </p:cNvSpPr>
+          <p:nvPr>
+            <p:ph type="sldNum" sz="quarter" idx="12"/>
+          </p:nvPr>
+        </p:nvSpPr>
+        <p:spPr/>
+        <p:txBody>
+          <a:bodyPr/>
+          <a:lstStyle/>
+          <a:p>
+            <a:fld id="{2243CA19-97DB-4D2D-811E-0B8A28CCB4AF}" type="slidenum">
+              <a:rPr lang="pt-BR" smtClean="0"/>
+              <a:t>1</a:t>
+            </a:fld>
+            <a:endParaRPr lang="pt-BR"/>
+          </a:p>
+        </p:txBody>
+      </p:sp>
     </p:spTree>
     <p:extLst>
       <p:ext uri="{BB962C8B-B14F-4D97-AF65-F5344CB8AC3E}">
         <p14:creationId xmlns:p14="http://schemas.microsoft.com/office/powerpoint/2010/main" val="583781894"/>
+      </p:ext>
+    </p:extLst>
+  </p:cSld>
+  <p:clrMapOvr>
+    <a:masterClrMapping/>
+  </p:clrMapOvr>
+</p:sld>
+</file>
+
+<file path=ppt/slides/slide10.xml><?xml version="1.0" encoding="utf-8"?>
+<p:sld xmlns:a="http://schemas.openxmlformats.org/drawingml/2006/main" xmlns:r="http://schemas.openxmlformats.org/officeDocument/2006/relationships" xmlns:p="http://schemas.openxmlformats.org/presentationml/2006/main">
+  <p:cSld>
+    <p:spTree>
+      <p:nvGrpSpPr>
+        <p:cNvPr id="1" name=""/>
+        <p:cNvGrpSpPr/>
+        <p:nvPr/>
+      </p:nvGrpSpPr>
+      <p:grpSpPr>
+        <a:xfrm>
+          <a:off x="0" y="0"/>
+          <a:ext cx="0" cy="0"/>
+          <a:chOff x="0" y="0"/>
+          <a:chExt cx="0" cy="0"/>
+        </a:xfrm>
+      </p:grpSpPr>
+      <p:sp>
+        <p:nvSpPr>
+          <p:cNvPr id="4" name="Fluxograma: Preparação 3">
+            <a:extLst>
+              <a:ext uri="{FF2B5EF4-FFF2-40B4-BE49-F238E27FC236}">
+                <a16:creationId xmlns:a16="http://schemas.microsoft.com/office/drawing/2014/main" id="{7D618DB7-19F4-58B1-782E-4E0E07946C19}"/>
+              </a:ext>
+            </a:extLst>
+          </p:cNvPr>
+          <p:cNvSpPr/>
+          <p:nvPr/>
+        </p:nvSpPr>
+        <p:spPr>
+          <a:xfrm rot="737988">
+            <a:off x="10269416" y="253495"/>
+            <a:ext cx="4309662" cy="4009401"/>
+          </a:xfrm>
+          <a:prstGeom prst="flowChartPreparation">
+            <a:avLst/>
+          </a:prstGeom>
+          <a:noFill/>
+          <a:ln>
+            <a:solidFill>
+              <a:schemeClr val="tx2">
+                <a:lumMod val="25000"/>
+                <a:lumOff val="75000"/>
+              </a:schemeClr>
+            </a:solidFill>
+          </a:ln>
+          <a:effectLst>
+            <a:outerShdw blurRad="50800" dist="38100" dir="10800000" algn="r" rotWithShape="0">
+              <a:prstClr val="black">
+                <a:alpha val="40000"/>
+              </a:prstClr>
+            </a:outerShdw>
+          </a:effectLst>
+        </p:spPr>
+        <p:style>
+          <a:lnRef idx="2">
+            <a:schemeClr val="accent1">
+              <a:shade val="15000"/>
+            </a:schemeClr>
+          </a:lnRef>
+          <a:fillRef idx="1">
+            <a:schemeClr val="accent1"/>
+          </a:fillRef>
+          <a:effectRef idx="0">
+            <a:schemeClr val="accent1"/>
+          </a:effectRef>
+          <a:fontRef idx="minor">
+            <a:schemeClr val="lt1"/>
+          </a:fontRef>
+        </p:style>
+        <p:txBody>
+          <a:bodyPr rtlCol="0" anchor="ctr"/>
+          <a:lstStyle/>
+          <a:p>
+            <a:pPr algn="ctr"/>
+            <a:endParaRPr lang="pt-BR" dirty="0"/>
+          </a:p>
+        </p:txBody>
+      </p:sp>
+      <p:sp>
+        <p:nvSpPr>
+          <p:cNvPr id="5" name="Fluxograma: Preparação 4">
+            <a:extLst>
+              <a:ext uri="{FF2B5EF4-FFF2-40B4-BE49-F238E27FC236}">
+                <a16:creationId xmlns:a16="http://schemas.microsoft.com/office/drawing/2014/main" id="{71F94081-CE48-E10A-F83F-4A1B580AA3FB}"/>
+              </a:ext>
+            </a:extLst>
+          </p:cNvPr>
+          <p:cNvSpPr/>
+          <p:nvPr/>
+        </p:nvSpPr>
+        <p:spPr>
+          <a:xfrm rot="1399103">
+            <a:off x="9867481" y="2159375"/>
+            <a:ext cx="4309662" cy="4009401"/>
+          </a:xfrm>
+          <a:prstGeom prst="flowChartPreparation">
+            <a:avLst/>
+          </a:prstGeom>
+          <a:noFill/>
+          <a:ln>
+            <a:solidFill>
+              <a:schemeClr val="tx2">
+                <a:lumMod val="25000"/>
+                <a:lumOff val="75000"/>
+              </a:schemeClr>
+            </a:solidFill>
+          </a:ln>
+          <a:effectLst>
+            <a:outerShdw blurRad="50800" dist="38100" dir="10800000" algn="r" rotWithShape="0">
+              <a:prstClr val="black">
+                <a:alpha val="40000"/>
+              </a:prstClr>
+            </a:outerShdw>
+          </a:effectLst>
+        </p:spPr>
+        <p:style>
+          <a:lnRef idx="2">
+            <a:schemeClr val="accent1">
+              <a:shade val="15000"/>
+            </a:schemeClr>
+          </a:lnRef>
+          <a:fillRef idx="1">
+            <a:schemeClr val="accent1"/>
+          </a:fillRef>
+          <a:effectRef idx="0">
+            <a:schemeClr val="accent1"/>
+          </a:effectRef>
+          <a:fontRef idx="minor">
+            <a:schemeClr val="lt1"/>
+          </a:fontRef>
+        </p:style>
+        <p:txBody>
+          <a:bodyPr rtlCol="0" anchor="ctr"/>
+          <a:lstStyle/>
+          <a:p>
+            <a:pPr algn="ctr"/>
+            <a:endParaRPr lang="pt-BR" dirty="0"/>
+          </a:p>
+        </p:txBody>
+      </p:sp>
+      <p:pic>
+        <p:nvPicPr>
+          <p:cNvPr id="9" name="Imagem 8">
+            <a:extLst>
+              <a:ext uri="{FF2B5EF4-FFF2-40B4-BE49-F238E27FC236}">
+                <a16:creationId xmlns:a16="http://schemas.microsoft.com/office/drawing/2014/main" id="{8B0EC218-5B98-1FD9-5D51-B881F735AC87}"/>
+              </a:ext>
+            </a:extLst>
+          </p:cNvPr>
+          <p:cNvPicPr>
+            <a:picLocks noChangeAspect="1"/>
+          </p:cNvPicPr>
+          <p:nvPr/>
+        </p:nvPicPr>
+        <p:blipFill>
+          <a:blip r:embed="rId2"/>
+          <a:stretch>
+            <a:fillRect/>
+          </a:stretch>
+        </p:blipFill>
+        <p:spPr>
+          <a:xfrm>
+            <a:off x="6883662" y="3011078"/>
+            <a:ext cx="2898308" cy="2283898"/>
+          </a:xfrm>
+          <a:prstGeom prst="rect">
+            <a:avLst/>
+          </a:prstGeom>
+        </p:spPr>
+      </p:pic>
+      <p:sp>
+        <p:nvSpPr>
+          <p:cNvPr id="14" name="Rectangle 2">
+            <a:extLst>
+              <a:ext uri="{FF2B5EF4-FFF2-40B4-BE49-F238E27FC236}">
+                <a16:creationId xmlns:a16="http://schemas.microsoft.com/office/drawing/2014/main" id="{DC2671E7-2A0E-9F0B-0276-6E2AF1AC6250}"/>
+              </a:ext>
+            </a:extLst>
+          </p:cNvPr>
+          <p:cNvSpPr>
+            <a:spLocks noChangeArrowheads="1"/>
+          </p:cNvSpPr>
+          <p:nvPr/>
+        </p:nvSpPr>
+        <p:spPr bwMode="auto">
+          <a:xfrm>
+            <a:off x="0" y="3031218"/>
+            <a:ext cx="6754761" cy="2308324"/>
+          </a:xfrm>
+          <a:prstGeom prst="rect">
+            <a:avLst/>
+          </a:prstGeom>
+          <a:noFill/>
+          <a:ln>
+            <a:noFill/>
+          </a:ln>
+          <a:effectLst/>
+          <a:extLst>
+            <a:ext uri="{909E8E84-426E-40DD-AFC4-6F175D3DCCD1}">
+              <a14:hiddenFill xmlns:a14="http://schemas.microsoft.com/office/drawing/2010/main">
+                <a:solidFill>
+                  <a:schemeClr val="accent1"/>
+                </a:solidFill>
+              </a14:hiddenFill>
+            </a:ext>
+            <a:ext uri="{91240B29-F687-4F45-9708-019B960494DF}">
+              <a14:hiddenLine xmlns:a14="http://schemas.microsoft.com/office/drawing/2010/main" w="9525">
+                <a:solidFill>
+                  <a:schemeClr val="tx1"/>
+                </a:solidFill>
+                <a:miter lim="800000"/>
+                <a:headEnd/>
+                <a:tailEnd/>
+              </a14:hiddenLine>
+            </a:ext>
+            <a:ext uri="{AF507438-7753-43E0-B8FC-AC1667EBCBE1}">
+              <a14:hiddenEffects xmlns:a14="http://schemas.microsoft.com/office/drawing/2010/main">
+                <a:effectLst>
+                  <a:outerShdw dist="35921" dir="2700000" algn="ctr" rotWithShape="0">
+                    <a:schemeClr val="bg2"/>
+                  </a:outerShdw>
+                </a:effectLst>
+              </a14:hiddenEffects>
+            </a:ext>
+          </a:extLst>
+        </p:spPr>
+        <p:txBody>
+          <a:bodyPr vert="horz" wrap="square" lIns="91440" tIns="45720" rIns="91440" bIns="45720" numCol="1" anchor="ctr" anchorCtr="0" compatLnSpc="1">
+            <a:prstTxWarp prst="textNoShape">
+              <a:avLst/>
+            </a:prstTxWarp>
+            <a:spAutoFit/>
+          </a:bodyPr>
+          <a:lstStyle/>
+          <a:p>
+            <a:pPr marL="0" marR="0" lvl="0" indent="0" algn="l" defTabSz="914400" rtl="0" eaLnBrk="0" fontAlgn="base" latinLnBrk="0" hangingPunct="0">
+              <a:lnSpc>
+                <a:spcPct val="100000"/>
+              </a:lnSpc>
+              <a:spcBef>
+                <a:spcPct val="0"/>
+              </a:spcBef>
+              <a:spcAft>
+                <a:spcPct val="0"/>
+              </a:spcAft>
+              <a:buClrTx/>
+              <a:buSzTx/>
+              <a:buFontTx/>
+              <a:buChar char="•"/>
+              <a:tabLst/>
+            </a:pPr>
+            <a:r>
+              <a:rPr kumimoji="0" lang="pt-BR" altLang="pt-BR" sz="1800" b="0" i="0" u="none" strike="noStrike" cap="none" normalizeH="0" baseline="0" dirty="0">
+                <a:ln>
+                  <a:noFill/>
+                </a:ln>
+                <a:solidFill>
+                  <a:schemeClr val="tx1"/>
+                </a:solidFill>
+                <a:effectLst/>
+                <a:latin typeface="Arial" panose="020B0604020202020204" pitchFamily="34" charset="0"/>
+              </a:rPr>
+              <a:t> </a:t>
+            </a:r>
+            <a:r>
+              <a:rPr kumimoji="0" lang="pt-BR" altLang="pt-BR" sz="1800" b="1" i="0" u="none" strike="noStrike" cap="none" normalizeH="0" baseline="0" dirty="0" err="1">
+                <a:ln>
+                  <a:noFill/>
+                </a:ln>
+                <a:solidFill>
+                  <a:schemeClr val="tx1"/>
+                </a:solidFill>
+                <a:effectLst/>
+                <a:latin typeface="Arial" panose="020B0604020202020204" pitchFamily="34" charset="0"/>
+              </a:rPr>
+              <a:t>Insertion</a:t>
+            </a:r>
+            <a:r>
+              <a:rPr kumimoji="0" lang="pt-BR" altLang="pt-BR" sz="1800" b="1" i="0" u="none" strike="noStrike" cap="none" normalizeH="0" baseline="0" dirty="0">
+                <a:ln>
+                  <a:noFill/>
+                </a:ln>
+                <a:solidFill>
+                  <a:schemeClr val="tx1"/>
+                </a:solidFill>
+                <a:effectLst/>
+                <a:latin typeface="Arial" panose="020B0604020202020204" pitchFamily="34" charset="0"/>
+              </a:rPr>
+              <a:t> </a:t>
+            </a:r>
+            <a:r>
+              <a:rPr kumimoji="0" lang="pt-BR" altLang="pt-BR" sz="1800" b="1" i="0" u="none" strike="noStrike" cap="none" normalizeH="0" baseline="0" dirty="0" err="1">
+                <a:ln>
+                  <a:noFill/>
+                </a:ln>
+                <a:solidFill>
+                  <a:schemeClr val="tx1"/>
+                </a:solidFill>
+                <a:effectLst/>
+                <a:latin typeface="Arial" panose="020B0604020202020204" pitchFamily="34" charset="0"/>
+              </a:rPr>
+              <a:t>Sort</a:t>
+            </a:r>
+            <a:r>
+              <a:rPr kumimoji="0" lang="pt-BR" altLang="pt-BR" sz="1800" b="0" i="0" u="none" strike="noStrike" cap="none" normalizeH="0" baseline="0" dirty="0">
+                <a:ln>
+                  <a:noFill/>
+                </a:ln>
+                <a:solidFill>
+                  <a:schemeClr val="tx1"/>
+                </a:solidFill>
+                <a:effectLst/>
+                <a:latin typeface="Arial" panose="020B0604020202020204" pitchFamily="34" charset="0"/>
+              </a:rPr>
+              <a:t> é </a:t>
+            </a:r>
+            <a:r>
+              <a:rPr kumimoji="0" lang="pt-BR" altLang="pt-BR" sz="1800" b="1" i="0" u="none" strike="noStrike" cap="none" normalizeH="0" baseline="0" dirty="0">
+                <a:ln>
+                  <a:noFill/>
+                </a:ln>
+                <a:solidFill>
+                  <a:schemeClr val="tx1"/>
+                </a:solidFill>
+                <a:effectLst/>
+                <a:latin typeface="Arial" panose="020B0604020202020204" pitchFamily="34" charset="0"/>
+              </a:rPr>
+              <a:t>mais eficiente</a:t>
+            </a:r>
+            <a:r>
+              <a:rPr kumimoji="0" lang="pt-BR" altLang="pt-BR" sz="1800" b="0" i="0" u="none" strike="noStrike" cap="none" normalizeH="0" baseline="0" dirty="0">
+                <a:ln>
+                  <a:noFill/>
+                </a:ln>
+                <a:solidFill>
+                  <a:schemeClr val="tx1"/>
+                </a:solidFill>
+                <a:effectLst/>
+                <a:latin typeface="Arial" panose="020B0604020202020204" pitchFamily="34" charset="0"/>
+              </a:rPr>
+              <a:t> que o </a:t>
+            </a:r>
+            <a:r>
+              <a:rPr kumimoji="0" lang="pt-BR" altLang="pt-BR" sz="1800" b="1" i="0" u="none" strike="noStrike" cap="none" normalizeH="0" baseline="0" dirty="0">
+                <a:ln>
+                  <a:noFill/>
+                </a:ln>
+                <a:solidFill>
+                  <a:schemeClr val="tx1"/>
+                </a:solidFill>
+                <a:effectLst/>
+                <a:latin typeface="Arial" panose="020B0604020202020204" pitchFamily="34" charset="0"/>
+              </a:rPr>
+              <a:t>Bubble </a:t>
+            </a:r>
+            <a:r>
+              <a:rPr kumimoji="0" lang="pt-BR" altLang="pt-BR" sz="1800" b="1" i="0" u="none" strike="noStrike" cap="none" normalizeH="0" baseline="0" dirty="0" err="1">
+                <a:ln>
+                  <a:noFill/>
+                </a:ln>
+                <a:solidFill>
+                  <a:schemeClr val="tx1"/>
+                </a:solidFill>
+                <a:effectLst/>
+                <a:latin typeface="Arial" panose="020B0604020202020204" pitchFamily="34" charset="0"/>
+              </a:rPr>
+              <a:t>Sort</a:t>
+            </a:r>
+            <a:r>
+              <a:rPr kumimoji="0" lang="pt-BR" altLang="pt-BR" sz="1800" b="0" i="0" u="none" strike="noStrike" cap="none" normalizeH="0" baseline="0" dirty="0">
+                <a:ln>
+                  <a:noFill/>
+                </a:ln>
+                <a:solidFill>
+                  <a:schemeClr val="tx1"/>
+                </a:solidFill>
+                <a:effectLst/>
+                <a:latin typeface="Arial" panose="020B0604020202020204" pitchFamily="34" charset="0"/>
+              </a:rPr>
+              <a:t> na maioria dos casos, especialmente quando os dados estão </a:t>
+            </a:r>
+            <a:r>
+              <a:rPr kumimoji="0" lang="pt-BR" altLang="pt-BR" sz="1800" b="1" i="0" u="none" strike="noStrike" cap="none" normalizeH="0" baseline="0" dirty="0">
+                <a:ln>
+                  <a:noFill/>
+                </a:ln>
+                <a:solidFill>
+                  <a:schemeClr val="tx1"/>
+                </a:solidFill>
+                <a:effectLst/>
+                <a:latin typeface="Arial" panose="020B0604020202020204" pitchFamily="34" charset="0"/>
+              </a:rPr>
+              <a:t>quase ordenados</a:t>
+            </a:r>
+            <a:r>
+              <a:rPr kumimoji="0" lang="pt-BR" altLang="pt-BR" sz="1800" b="0" i="0" u="none" strike="noStrike" cap="none" normalizeH="0" baseline="0" dirty="0">
+                <a:ln>
+                  <a:noFill/>
+                </a:ln>
+                <a:solidFill>
+                  <a:schemeClr val="tx1"/>
+                </a:solidFill>
+                <a:effectLst/>
+                <a:latin typeface="Arial" panose="020B0604020202020204" pitchFamily="34" charset="0"/>
+              </a:rPr>
+              <a:t>.</a:t>
+            </a:r>
+          </a:p>
+          <a:p>
+            <a:pPr marL="0" marR="0" lvl="0" indent="0" algn="l" defTabSz="914400" rtl="0" eaLnBrk="0" fontAlgn="base" latinLnBrk="0" hangingPunct="0">
+              <a:lnSpc>
+                <a:spcPct val="100000"/>
+              </a:lnSpc>
+              <a:spcBef>
+                <a:spcPct val="0"/>
+              </a:spcBef>
+              <a:spcAft>
+                <a:spcPct val="0"/>
+              </a:spcAft>
+              <a:buClrTx/>
+              <a:buSzTx/>
+              <a:buFontTx/>
+              <a:buChar char="•"/>
+              <a:tabLst/>
+            </a:pPr>
+            <a:r>
+              <a:rPr kumimoji="0" lang="pt-BR" altLang="pt-BR" sz="1800" b="0" i="0" u="none" strike="noStrike" cap="none" normalizeH="0" baseline="0" dirty="0">
+                <a:ln>
+                  <a:noFill/>
+                </a:ln>
+                <a:solidFill>
+                  <a:schemeClr val="tx1"/>
+                </a:solidFill>
+                <a:effectLst/>
+                <a:latin typeface="Arial" panose="020B0604020202020204" pitchFamily="34" charset="0"/>
+              </a:rPr>
+              <a:t> Ambos têm </a:t>
+            </a:r>
+            <a:r>
+              <a:rPr kumimoji="0" lang="pt-BR" altLang="pt-BR" sz="1800" b="1" i="0" u="none" strike="noStrike" cap="none" normalizeH="0" baseline="0" dirty="0">
+                <a:ln>
+                  <a:noFill/>
+                </a:ln>
+                <a:solidFill>
+                  <a:schemeClr val="tx1"/>
+                </a:solidFill>
+                <a:effectLst/>
+                <a:latin typeface="Arial" panose="020B0604020202020204" pitchFamily="34" charset="0"/>
+              </a:rPr>
+              <a:t>complexidade quadrática (O(n²))</a:t>
+            </a:r>
+            <a:r>
+              <a:rPr kumimoji="0" lang="pt-BR" altLang="pt-BR" sz="1800" b="0" i="0" u="none" strike="noStrike" cap="none" normalizeH="0" baseline="0" dirty="0">
+                <a:ln>
+                  <a:noFill/>
+                </a:ln>
+                <a:solidFill>
+                  <a:schemeClr val="tx1"/>
+                </a:solidFill>
+                <a:effectLst/>
+                <a:latin typeface="Arial" panose="020B0604020202020204" pitchFamily="34" charset="0"/>
+              </a:rPr>
+              <a:t>, mas o </a:t>
+            </a:r>
+            <a:r>
+              <a:rPr kumimoji="0" lang="pt-BR" altLang="pt-BR" sz="1800" b="1" i="0" u="none" strike="noStrike" cap="none" normalizeH="0" baseline="0" dirty="0" err="1">
+                <a:ln>
+                  <a:noFill/>
+                </a:ln>
+                <a:solidFill>
+                  <a:schemeClr val="tx1"/>
+                </a:solidFill>
+                <a:effectLst/>
+                <a:latin typeface="Arial" panose="020B0604020202020204" pitchFamily="34" charset="0"/>
+              </a:rPr>
+              <a:t>Insertion</a:t>
+            </a:r>
+            <a:r>
+              <a:rPr kumimoji="0" lang="pt-BR" altLang="pt-BR" sz="1800" b="1" i="0" u="none" strike="noStrike" cap="none" normalizeH="0" baseline="0" dirty="0">
+                <a:ln>
+                  <a:noFill/>
+                </a:ln>
+                <a:solidFill>
+                  <a:schemeClr val="tx1"/>
+                </a:solidFill>
+                <a:effectLst/>
+                <a:latin typeface="Arial" panose="020B0604020202020204" pitchFamily="34" charset="0"/>
+              </a:rPr>
+              <a:t> </a:t>
+            </a:r>
+            <a:r>
+              <a:rPr kumimoji="0" lang="pt-BR" altLang="pt-BR" sz="1800" b="1" i="0" u="none" strike="noStrike" cap="none" normalizeH="0" baseline="0" dirty="0" err="1">
+                <a:ln>
+                  <a:noFill/>
+                </a:ln>
+                <a:solidFill>
+                  <a:schemeClr val="tx1"/>
+                </a:solidFill>
+                <a:effectLst/>
+                <a:latin typeface="Arial" panose="020B0604020202020204" pitchFamily="34" charset="0"/>
+              </a:rPr>
+              <a:t>Sort</a:t>
+            </a:r>
+            <a:r>
+              <a:rPr kumimoji="0" lang="pt-BR" altLang="pt-BR" sz="1800" b="1" i="0" u="none" strike="noStrike" cap="none" normalizeH="0" baseline="0" dirty="0">
+                <a:ln>
+                  <a:noFill/>
+                </a:ln>
+                <a:solidFill>
+                  <a:schemeClr val="tx1"/>
+                </a:solidFill>
+                <a:effectLst/>
+                <a:latin typeface="Arial" panose="020B0604020202020204" pitchFamily="34" charset="0"/>
+              </a:rPr>
+              <a:t> faz menos trocas</a:t>
+            </a:r>
+            <a:r>
+              <a:rPr kumimoji="0" lang="pt-BR" altLang="pt-BR" sz="1800" b="0" i="0" u="none" strike="noStrike" cap="none" normalizeH="0" baseline="0" dirty="0">
+                <a:ln>
+                  <a:noFill/>
+                </a:ln>
+                <a:solidFill>
+                  <a:schemeClr val="tx1"/>
+                </a:solidFill>
+                <a:effectLst/>
+                <a:latin typeface="Arial" panose="020B0604020202020204" pitchFamily="34" charset="0"/>
+              </a:rPr>
+              <a:t>, o que o torna geralmente mais rápido.</a:t>
+            </a:r>
+          </a:p>
+          <a:p>
+            <a:pPr marL="0" marR="0" lvl="0" indent="0" algn="l" defTabSz="914400" rtl="0" eaLnBrk="0" fontAlgn="base" latinLnBrk="0" hangingPunct="0">
+              <a:lnSpc>
+                <a:spcPct val="100000"/>
+              </a:lnSpc>
+              <a:spcBef>
+                <a:spcPct val="0"/>
+              </a:spcBef>
+              <a:spcAft>
+                <a:spcPct val="0"/>
+              </a:spcAft>
+              <a:buClrTx/>
+              <a:buSzTx/>
+              <a:buFontTx/>
+              <a:buChar char="•"/>
+              <a:tabLst/>
+            </a:pPr>
+            <a:r>
+              <a:rPr kumimoji="0" lang="pt-BR" altLang="pt-BR" sz="1800" b="0" i="0" u="none" strike="noStrike" cap="none" normalizeH="0" baseline="0" dirty="0">
+                <a:ln>
+                  <a:noFill/>
+                </a:ln>
+                <a:solidFill>
+                  <a:schemeClr val="tx1"/>
+                </a:solidFill>
+                <a:effectLst/>
+                <a:latin typeface="Arial" panose="020B0604020202020204" pitchFamily="34" charset="0"/>
+              </a:rPr>
+              <a:t> Ambos são </a:t>
+            </a:r>
+            <a:r>
+              <a:rPr kumimoji="0" lang="pt-BR" altLang="pt-BR" sz="1800" b="1" i="0" u="none" strike="noStrike" cap="none" normalizeH="0" baseline="0" dirty="0">
+                <a:ln>
+                  <a:noFill/>
+                </a:ln>
+                <a:solidFill>
+                  <a:schemeClr val="tx1"/>
+                </a:solidFill>
+                <a:effectLst/>
+                <a:latin typeface="Arial" panose="020B0604020202020204" pitchFamily="34" charset="0"/>
+              </a:rPr>
+              <a:t>estáveis</a:t>
+            </a:r>
+            <a:r>
+              <a:rPr kumimoji="0" lang="pt-BR" altLang="pt-BR" sz="1800" b="0" i="0" u="none" strike="noStrike" cap="none" normalizeH="0" baseline="0" dirty="0">
+                <a:ln>
+                  <a:noFill/>
+                </a:ln>
+                <a:solidFill>
+                  <a:schemeClr val="tx1"/>
+                </a:solidFill>
+                <a:effectLst/>
+                <a:latin typeface="Arial" panose="020B0604020202020204" pitchFamily="34" charset="0"/>
+              </a:rPr>
+              <a:t> e </a:t>
+            </a:r>
+            <a:r>
+              <a:rPr kumimoji="0" lang="pt-BR" altLang="pt-BR" sz="1800" b="1" i="0" u="none" strike="noStrike" cap="none" normalizeH="0" baseline="0" dirty="0" err="1">
+                <a:ln>
+                  <a:noFill/>
+                </a:ln>
+                <a:solidFill>
+                  <a:schemeClr val="tx1"/>
+                </a:solidFill>
+                <a:effectLst/>
+                <a:latin typeface="Arial" panose="020B0604020202020204" pitchFamily="34" charset="0"/>
+              </a:rPr>
+              <a:t>in-place</a:t>
+            </a:r>
+            <a:r>
+              <a:rPr kumimoji="0" lang="pt-BR" altLang="pt-BR" sz="1800" b="0" i="0" u="none" strike="noStrike" cap="none" normalizeH="0" baseline="0" dirty="0">
+                <a:ln>
+                  <a:noFill/>
+                </a:ln>
+                <a:solidFill>
+                  <a:schemeClr val="tx1"/>
+                </a:solidFill>
+                <a:effectLst/>
+                <a:latin typeface="Arial" panose="020B0604020202020204" pitchFamily="34" charset="0"/>
+              </a:rPr>
+              <a:t>, ou seja, não precisam de memória extra significativa.</a:t>
+            </a:r>
+          </a:p>
+        </p:txBody>
+      </p:sp>
+      <p:sp>
+        <p:nvSpPr>
+          <p:cNvPr id="8" name="Título 1">
+            <a:extLst>
+              <a:ext uri="{FF2B5EF4-FFF2-40B4-BE49-F238E27FC236}">
+                <a16:creationId xmlns:a16="http://schemas.microsoft.com/office/drawing/2014/main" id="{B650AEC0-DFD2-06AA-4FD0-35AC0CD731FD}"/>
+              </a:ext>
+            </a:extLst>
+          </p:cNvPr>
+          <p:cNvSpPr txBox="1">
+            <a:spLocks/>
+          </p:cNvSpPr>
+          <p:nvPr/>
+        </p:nvSpPr>
+        <p:spPr>
+          <a:xfrm>
+            <a:off x="3313471" y="6435352"/>
+            <a:ext cx="5667270" cy="676648"/>
+          </a:xfrm>
+          <a:prstGeom prst="rect">
+            <a:avLst/>
+          </a:prstGeom>
+        </p:spPr>
+        <p:txBody>
+          <a:bodyPr vert="horz" lIns="91440" tIns="45720" rIns="91440" bIns="45720" rtlCol="0" anchor="b">
+            <a:normAutofit/>
+          </a:bodyPr>
+          <a:lstStyle>
+            <a:lvl1pPr algn="ctr" defTabSz="914400" rtl="0" eaLnBrk="1" latinLnBrk="0" hangingPunct="1">
+              <a:lnSpc>
+                <a:spcPct val="90000"/>
+              </a:lnSpc>
+              <a:spcBef>
+                <a:spcPct val="0"/>
+              </a:spcBef>
+              <a:buNone/>
+              <a:defRPr sz="6000" kern="1200">
+                <a:solidFill>
+                  <a:schemeClr val="tx1"/>
+                </a:solidFill>
+                <a:latin typeface="+mj-lt"/>
+                <a:ea typeface="+mj-ea"/>
+                <a:cs typeface="+mj-cs"/>
+              </a:defRPr>
+            </a:lvl1pPr>
+          </a:lstStyle>
+          <a:p>
+            <a:r>
+              <a:rPr lang="pt-BR" sz="1600" dirty="0">
+                <a:latin typeface="Book Antiqua" panose="02040602050305030304" pitchFamily="18" charset="0"/>
+              </a:rPr>
+              <a:t>Uni Einstein ∙ Estrutura de Dados ∙ 2ª Avaliação Formativa</a:t>
+            </a:r>
+          </a:p>
+          <a:p>
+            <a:endParaRPr lang="pt-BR" sz="2000" dirty="0">
+              <a:latin typeface="Book Antiqua" panose="02040602050305030304" pitchFamily="18" charset="0"/>
+            </a:endParaRPr>
+          </a:p>
+        </p:txBody>
+      </p:sp>
+      <p:sp>
+        <p:nvSpPr>
+          <p:cNvPr id="10" name="Retângulo 9">
+            <a:extLst>
+              <a:ext uri="{FF2B5EF4-FFF2-40B4-BE49-F238E27FC236}">
+                <a16:creationId xmlns:a16="http://schemas.microsoft.com/office/drawing/2014/main" id="{DB33E9FB-3B50-C231-0594-3A165C08514D}"/>
+              </a:ext>
+            </a:extLst>
+          </p:cNvPr>
+          <p:cNvSpPr/>
+          <p:nvPr/>
+        </p:nvSpPr>
+        <p:spPr>
+          <a:xfrm>
+            <a:off x="3313471" y="6435352"/>
+            <a:ext cx="5667270" cy="914400"/>
+          </a:xfrm>
+          <a:prstGeom prst="rect">
+            <a:avLst/>
+          </a:prstGeom>
+          <a:noFill/>
+          <a:ln>
+            <a:solidFill>
+              <a:schemeClr val="tx2">
+                <a:lumMod val="25000"/>
+                <a:lumOff val="75000"/>
+              </a:schemeClr>
+            </a:solidFill>
+          </a:ln>
+        </p:spPr>
+        <p:style>
+          <a:lnRef idx="2">
+            <a:schemeClr val="accent1">
+              <a:shade val="15000"/>
+            </a:schemeClr>
+          </a:lnRef>
+          <a:fillRef idx="1">
+            <a:schemeClr val="accent1"/>
+          </a:fillRef>
+          <a:effectRef idx="0">
+            <a:schemeClr val="accent1"/>
+          </a:effectRef>
+          <a:fontRef idx="minor">
+            <a:schemeClr val="lt1"/>
+          </a:fontRef>
+        </p:style>
+        <p:txBody>
+          <a:bodyPr rtlCol="0" anchor="ctr"/>
+          <a:lstStyle/>
+          <a:p>
+            <a:pPr algn="ctr"/>
+            <a:endParaRPr lang="pt-BR"/>
+          </a:p>
+        </p:txBody>
+      </p:sp>
+      <p:sp>
+        <p:nvSpPr>
+          <p:cNvPr id="6" name="Fluxograma: Processo 5">
+            <a:extLst>
+              <a:ext uri="{FF2B5EF4-FFF2-40B4-BE49-F238E27FC236}">
+                <a16:creationId xmlns:a16="http://schemas.microsoft.com/office/drawing/2014/main" id="{99035BAD-AD18-128F-6FE9-072596DDC438}"/>
+              </a:ext>
+            </a:extLst>
+          </p:cNvPr>
+          <p:cNvSpPr/>
+          <p:nvPr/>
+        </p:nvSpPr>
+        <p:spPr>
+          <a:xfrm>
+            <a:off x="0" y="558622"/>
+            <a:ext cx="6626942" cy="1028020"/>
+          </a:xfrm>
+          <a:prstGeom prst="flowChartProcess">
+            <a:avLst/>
+          </a:prstGeom>
+          <a:solidFill>
+            <a:schemeClr val="tx2">
+              <a:lumMod val="25000"/>
+              <a:lumOff val="75000"/>
+            </a:schemeClr>
+          </a:solidFill>
+          <a:ln>
+            <a:noFill/>
+          </a:ln>
+          <a:effectLst>
+            <a:outerShdw blurRad="50800" dist="38100" algn="l" rotWithShape="0">
+              <a:prstClr val="black">
+                <a:alpha val="40000"/>
+              </a:prstClr>
+            </a:outerShdw>
+          </a:effectLst>
+        </p:spPr>
+        <p:style>
+          <a:lnRef idx="2">
+            <a:schemeClr val="accent1">
+              <a:shade val="15000"/>
+            </a:schemeClr>
+          </a:lnRef>
+          <a:fillRef idx="1">
+            <a:schemeClr val="accent1"/>
+          </a:fillRef>
+          <a:effectRef idx="0">
+            <a:schemeClr val="accent1"/>
+          </a:effectRef>
+          <a:fontRef idx="minor">
+            <a:schemeClr val="lt1"/>
+          </a:fontRef>
+        </p:style>
+        <p:txBody>
+          <a:bodyPr rtlCol="0" anchor="ctr"/>
+          <a:lstStyle/>
+          <a:p>
+            <a:pPr algn="ctr"/>
+            <a:endParaRPr lang="pt-BR" dirty="0"/>
+          </a:p>
+        </p:txBody>
+      </p:sp>
+      <p:sp>
+        <p:nvSpPr>
+          <p:cNvPr id="7" name="Título 1">
+            <a:extLst>
+              <a:ext uri="{FF2B5EF4-FFF2-40B4-BE49-F238E27FC236}">
+                <a16:creationId xmlns:a16="http://schemas.microsoft.com/office/drawing/2014/main" id="{DA31E43A-44C6-F674-888E-BE83348145D8}"/>
+              </a:ext>
+            </a:extLst>
+          </p:cNvPr>
+          <p:cNvSpPr txBox="1">
+            <a:spLocks/>
+          </p:cNvSpPr>
+          <p:nvPr/>
+        </p:nvSpPr>
+        <p:spPr>
+          <a:xfrm>
+            <a:off x="0" y="852554"/>
+            <a:ext cx="6626942" cy="568643"/>
+          </a:xfrm>
+          <a:prstGeom prst="rect">
+            <a:avLst/>
+          </a:prstGeom>
+        </p:spPr>
+        <p:txBody>
+          <a:bodyPr>
+            <a:normAutofit fontScale="92500"/>
+          </a:bodyPr>
+          <a:lstStyle>
+            <a:lvl1pPr algn="l" defTabSz="914400" rtl="0" eaLnBrk="1" latinLnBrk="0" hangingPunct="1">
+              <a:lnSpc>
+                <a:spcPct val="90000"/>
+              </a:lnSpc>
+              <a:spcBef>
+                <a:spcPct val="0"/>
+              </a:spcBef>
+              <a:buNone/>
+              <a:defRPr sz="4400" kern="1200">
+                <a:solidFill>
+                  <a:schemeClr val="tx1"/>
+                </a:solidFill>
+                <a:latin typeface="+mj-lt"/>
+                <a:ea typeface="+mj-ea"/>
+                <a:cs typeface="+mj-cs"/>
+              </a:defRPr>
+            </a:lvl1pPr>
+          </a:lstStyle>
+          <a:p>
+            <a:r>
+              <a:rPr lang="pt-BR" sz="2600" dirty="0">
+                <a:latin typeface="Bahnschrift" panose="020B0502040204020203" pitchFamily="34" charset="0"/>
+              </a:rPr>
+              <a:t>Análise de Complexidade, Comparação e Uso</a:t>
+            </a:r>
+          </a:p>
+        </p:txBody>
+      </p:sp>
+      <p:sp>
+        <p:nvSpPr>
+          <p:cNvPr id="11" name="Espaço Reservado para Número de Slide 10">
+            <a:extLst>
+              <a:ext uri="{FF2B5EF4-FFF2-40B4-BE49-F238E27FC236}">
+                <a16:creationId xmlns:a16="http://schemas.microsoft.com/office/drawing/2014/main" id="{4246943F-1926-8336-8EB9-542123442DCE}"/>
+              </a:ext>
+            </a:extLst>
+          </p:cNvPr>
+          <p:cNvSpPr>
+            <a:spLocks noGrp="1"/>
+          </p:cNvSpPr>
+          <p:nvPr>
+            <p:ph type="sldNum" sz="quarter" idx="12"/>
+          </p:nvPr>
+        </p:nvSpPr>
+        <p:spPr/>
+        <p:txBody>
+          <a:bodyPr/>
+          <a:lstStyle/>
+          <a:p>
+            <a:fld id="{2243CA19-97DB-4D2D-811E-0B8A28CCB4AF}" type="slidenum">
+              <a:rPr lang="pt-BR" smtClean="0"/>
+              <a:t>10</a:t>
+            </a:fld>
+            <a:endParaRPr lang="pt-BR"/>
+          </a:p>
+        </p:txBody>
+      </p:sp>
+    </p:spTree>
+    <p:extLst>
+      <p:ext uri="{BB962C8B-B14F-4D97-AF65-F5344CB8AC3E}">
+        <p14:creationId xmlns:p14="http://schemas.microsoft.com/office/powerpoint/2010/main" val="2023873112"/>
+      </p:ext>
+    </p:extLst>
+  </p:cSld>
+  <p:clrMapOvr>
+    <a:masterClrMapping/>
+  </p:clrMapOvr>
+</p:sld>
+</file>
+
+<file path=ppt/slides/slide11.xml><?xml version="1.0" encoding="utf-8"?>
+<p:sld xmlns:a="http://schemas.openxmlformats.org/drawingml/2006/main" xmlns:r="http://schemas.openxmlformats.org/officeDocument/2006/relationships" xmlns:p="http://schemas.openxmlformats.org/presentationml/2006/main">
+  <p:cSld>
+    <p:spTree>
+      <p:nvGrpSpPr>
+        <p:cNvPr id="1" name=""/>
+        <p:cNvGrpSpPr/>
+        <p:nvPr/>
+      </p:nvGrpSpPr>
+      <p:grpSpPr>
+        <a:xfrm>
+          <a:off x="0" y="0"/>
+          <a:ext cx="0" cy="0"/>
+          <a:chOff x="0" y="0"/>
+          <a:chExt cx="0" cy="0"/>
+        </a:xfrm>
+      </p:grpSpPr>
+      <p:sp>
+        <p:nvSpPr>
+          <p:cNvPr id="2" name="Espaço Reservado para Número de Slide 1">
+            <a:extLst>
+              <a:ext uri="{FF2B5EF4-FFF2-40B4-BE49-F238E27FC236}">
+                <a16:creationId xmlns:a16="http://schemas.microsoft.com/office/drawing/2014/main" id="{5602E2EA-2645-2E10-EB5C-3A2BA4E9457E}"/>
+              </a:ext>
+            </a:extLst>
+          </p:cNvPr>
+          <p:cNvSpPr>
+            <a:spLocks noGrp="1"/>
+          </p:cNvSpPr>
+          <p:nvPr>
+            <p:ph type="sldNum" sz="quarter" idx="12"/>
+          </p:nvPr>
+        </p:nvSpPr>
+        <p:spPr/>
+        <p:txBody>
+          <a:bodyPr/>
+          <a:lstStyle/>
+          <a:p>
+            <a:fld id="{2243CA19-97DB-4D2D-811E-0B8A28CCB4AF}" type="slidenum">
+              <a:rPr lang="pt-BR" smtClean="0"/>
+              <a:t>11</a:t>
+            </a:fld>
+            <a:endParaRPr lang="pt-BR"/>
+          </a:p>
+        </p:txBody>
+      </p:sp>
+      <p:sp>
+        <p:nvSpPr>
+          <p:cNvPr id="9" name="Fluxograma: Processo 8">
+            <a:extLst>
+              <a:ext uri="{FF2B5EF4-FFF2-40B4-BE49-F238E27FC236}">
+                <a16:creationId xmlns:a16="http://schemas.microsoft.com/office/drawing/2014/main" id="{D3C89483-8464-16B0-93FC-2457C508C26C}"/>
+              </a:ext>
+            </a:extLst>
+          </p:cNvPr>
+          <p:cNvSpPr/>
+          <p:nvPr/>
+        </p:nvSpPr>
+        <p:spPr>
+          <a:xfrm>
+            <a:off x="0" y="558622"/>
+            <a:ext cx="6626942" cy="1028020"/>
+          </a:xfrm>
+          <a:prstGeom prst="flowChartProcess">
+            <a:avLst/>
+          </a:prstGeom>
+          <a:solidFill>
+            <a:schemeClr val="tx2">
+              <a:lumMod val="25000"/>
+              <a:lumOff val="75000"/>
+            </a:schemeClr>
+          </a:solidFill>
+          <a:ln>
+            <a:noFill/>
+          </a:ln>
+          <a:effectLst>
+            <a:outerShdw blurRad="50800" dist="38100" algn="l" rotWithShape="0">
+              <a:prstClr val="black">
+                <a:alpha val="40000"/>
+              </a:prstClr>
+            </a:outerShdw>
+          </a:effectLst>
+        </p:spPr>
+        <p:style>
+          <a:lnRef idx="2">
+            <a:schemeClr val="accent1">
+              <a:shade val="15000"/>
+            </a:schemeClr>
+          </a:lnRef>
+          <a:fillRef idx="1">
+            <a:schemeClr val="accent1"/>
+          </a:fillRef>
+          <a:effectRef idx="0">
+            <a:schemeClr val="accent1"/>
+          </a:effectRef>
+          <a:fontRef idx="minor">
+            <a:schemeClr val="lt1"/>
+          </a:fontRef>
+        </p:style>
+        <p:txBody>
+          <a:bodyPr rtlCol="0" anchor="ctr"/>
+          <a:lstStyle/>
+          <a:p>
+            <a:pPr algn="ctr"/>
+            <a:endParaRPr lang="pt-BR" dirty="0"/>
+          </a:p>
+        </p:txBody>
+      </p:sp>
+      <p:sp>
+        <p:nvSpPr>
+          <p:cNvPr id="10" name="Fluxograma: Preparação 9">
+            <a:extLst>
+              <a:ext uri="{FF2B5EF4-FFF2-40B4-BE49-F238E27FC236}">
+                <a16:creationId xmlns:a16="http://schemas.microsoft.com/office/drawing/2014/main" id="{3DB33274-8E31-24EB-E3FC-DF05978B3E49}"/>
+              </a:ext>
+            </a:extLst>
+          </p:cNvPr>
+          <p:cNvSpPr/>
+          <p:nvPr/>
+        </p:nvSpPr>
+        <p:spPr>
+          <a:xfrm rot="737988">
+            <a:off x="10269416" y="253495"/>
+            <a:ext cx="4309662" cy="4009401"/>
+          </a:xfrm>
+          <a:prstGeom prst="flowChartPreparation">
+            <a:avLst/>
+          </a:prstGeom>
+          <a:noFill/>
+          <a:ln>
+            <a:solidFill>
+              <a:schemeClr val="tx2">
+                <a:lumMod val="25000"/>
+                <a:lumOff val="75000"/>
+              </a:schemeClr>
+            </a:solidFill>
+          </a:ln>
+          <a:effectLst>
+            <a:outerShdw blurRad="50800" dist="38100" dir="10800000" algn="r" rotWithShape="0">
+              <a:prstClr val="black">
+                <a:alpha val="40000"/>
+              </a:prstClr>
+            </a:outerShdw>
+          </a:effectLst>
+        </p:spPr>
+        <p:style>
+          <a:lnRef idx="2">
+            <a:schemeClr val="accent1">
+              <a:shade val="15000"/>
+            </a:schemeClr>
+          </a:lnRef>
+          <a:fillRef idx="1">
+            <a:schemeClr val="accent1"/>
+          </a:fillRef>
+          <a:effectRef idx="0">
+            <a:schemeClr val="accent1"/>
+          </a:effectRef>
+          <a:fontRef idx="minor">
+            <a:schemeClr val="lt1"/>
+          </a:fontRef>
+        </p:style>
+        <p:txBody>
+          <a:bodyPr rtlCol="0" anchor="ctr"/>
+          <a:lstStyle/>
+          <a:p>
+            <a:pPr algn="ctr"/>
+            <a:endParaRPr lang="pt-BR" dirty="0"/>
+          </a:p>
+        </p:txBody>
+      </p:sp>
+      <p:sp>
+        <p:nvSpPr>
+          <p:cNvPr id="11" name="Fluxograma: Preparação 10">
+            <a:extLst>
+              <a:ext uri="{FF2B5EF4-FFF2-40B4-BE49-F238E27FC236}">
+                <a16:creationId xmlns:a16="http://schemas.microsoft.com/office/drawing/2014/main" id="{450A4A8D-E623-03F0-B4CB-490608B99974}"/>
+              </a:ext>
+            </a:extLst>
+          </p:cNvPr>
+          <p:cNvSpPr/>
+          <p:nvPr/>
+        </p:nvSpPr>
+        <p:spPr>
+          <a:xfrm rot="1399103">
+            <a:off x="9867481" y="2159375"/>
+            <a:ext cx="4309662" cy="4009401"/>
+          </a:xfrm>
+          <a:prstGeom prst="flowChartPreparation">
+            <a:avLst/>
+          </a:prstGeom>
+          <a:noFill/>
+          <a:ln>
+            <a:solidFill>
+              <a:schemeClr val="tx2">
+                <a:lumMod val="25000"/>
+                <a:lumOff val="75000"/>
+              </a:schemeClr>
+            </a:solidFill>
+          </a:ln>
+          <a:effectLst>
+            <a:outerShdw blurRad="50800" dist="38100" dir="10800000" algn="r" rotWithShape="0">
+              <a:prstClr val="black">
+                <a:alpha val="40000"/>
+              </a:prstClr>
+            </a:outerShdw>
+          </a:effectLst>
+        </p:spPr>
+        <p:style>
+          <a:lnRef idx="2">
+            <a:schemeClr val="accent1">
+              <a:shade val="15000"/>
+            </a:schemeClr>
+          </a:lnRef>
+          <a:fillRef idx="1">
+            <a:schemeClr val="accent1"/>
+          </a:fillRef>
+          <a:effectRef idx="0">
+            <a:schemeClr val="accent1"/>
+          </a:effectRef>
+          <a:fontRef idx="minor">
+            <a:schemeClr val="lt1"/>
+          </a:fontRef>
+        </p:style>
+        <p:txBody>
+          <a:bodyPr rtlCol="0" anchor="ctr"/>
+          <a:lstStyle/>
+          <a:p>
+            <a:pPr algn="ctr"/>
+            <a:endParaRPr lang="pt-BR" dirty="0"/>
+          </a:p>
+        </p:txBody>
+      </p:sp>
+      <p:sp>
+        <p:nvSpPr>
+          <p:cNvPr id="12" name="Título 1">
+            <a:extLst>
+              <a:ext uri="{FF2B5EF4-FFF2-40B4-BE49-F238E27FC236}">
+                <a16:creationId xmlns:a16="http://schemas.microsoft.com/office/drawing/2014/main" id="{E4EB2FC1-0F7E-FD25-E9B1-2879AC6BE016}"/>
+              </a:ext>
+            </a:extLst>
+          </p:cNvPr>
+          <p:cNvSpPr txBox="1">
+            <a:spLocks/>
+          </p:cNvSpPr>
+          <p:nvPr/>
+        </p:nvSpPr>
+        <p:spPr>
+          <a:xfrm>
+            <a:off x="3313471" y="6435352"/>
+            <a:ext cx="5667270" cy="676648"/>
+          </a:xfrm>
+          <a:prstGeom prst="rect">
+            <a:avLst/>
+          </a:prstGeom>
+        </p:spPr>
+        <p:txBody>
+          <a:bodyPr vert="horz" lIns="91440" tIns="45720" rIns="91440" bIns="45720" rtlCol="0" anchor="b">
+            <a:normAutofit/>
+          </a:bodyPr>
+          <a:lstStyle>
+            <a:lvl1pPr algn="ctr" defTabSz="914400" rtl="0" eaLnBrk="1" latinLnBrk="0" hangingPunct="1">
+              <a:lnSpc>
+                <a:spcPct val="90000"/>
+              </a:lnSpc>
+              <a:spcBef>
+                <a:spcPct val="0"/>
+              </a:spcBef>
+              <a:buNone/>
+              <a:defRPr sz="6000" kern="1200">
+                <a:solidFill>
+                  <a:schemeClr val="tx1"/>
+                </a:solidFill>
+                <a:latin typeface="+mj-lt"/>
+                <a:ea typeface="+mj-ea"/>
+                <a:cs typeface="+mj-cs"/>
+              </a:defRPr>
+            </a:lvl1pPr>
+          </a:lstStyle>
+          <a:p>
+            <a:r>
+              <a:rPr lang="pt-BR" sz="1600" dirty="0">
+                <a:latin typeface="Book Antiqua" panose="02040602050305030304" pitchFamily="18" charset="0"/>
+              </a:rPr>
+              <a:t>Uni Einstein ∙ Estrutura de Dados ∙ 2ª Avaliação Formativa</a:t>
+            </a:r>
+          </a:p>
+          <a:p>
+            <a:endParaRPr lang="pt-BR" sz="2000" dirty="0">
+              <a:latin typeface="Book Antiqua" panose="02040602050305030304" pitchFamily="18" charset="0"/>
+            </a:endParaRPr>
+          </a:p>
+        </p:txBody>
+      </p:sp>
+      <p:sp>
+        <p:nvSpPr>
+          <p:cNvPr id="13" name="Retângulo 12">
+            <a:extLst>
+              <a:ext uri="{FF2B5EF4-FFF2-40B4-BE49-F238E27FC236}">
+                <a16:creationId xmlns:a16="http://schemas.microsoft.com/office/drawing/2014/main" id="{906F4996-5149-DA58-6168-DF83ECA90687}"/>
+              </a:ext>
+            </a:extLst>
+          </p:cNvPr>
+          <p:cNvSpPr/>
+          <p:nvPr/>
+        </p:nvSpPr>
+        <p:spPr>
+          <a:xfrm>
+            <a:off x="3313471" y="6435352"/>
+            <a:ext cx="5667270" cy="914400"/>
+          </a:xfrm>
+          <a:prstGeom prst="rect">
+            <a:avLst/>
+          </a:prstGeom>
+          <a:noFill/>
+          <a:ln>
+            <a:solidFill>
+              <a:schemeClr val="tx2">
+                <a:lumMod val="25000"/>
+                <a:lumOff val="75000"/>
+              </a:schemeClr>
+            </a:solidFill>
+          </a:ln>
+        </p:spPr>
+        <p:style>
+          <a:lnRef idx="2">
+            <a:schemeClr val="accent1">
+              <a:shade val="15000"/>
+            </a:schemeClr>
+          </a:lnRef>
+          <a:fillRef idx="1">
+            <a:schemeClr val="accent1"/>
+          </a:fillRef>
+          <a:effectRef idx="0">
+            <a:schemeClr val="accent1"/>
+          </a:effectRef>
+          <a:fontRef idx="minor">
+            <a:schemeClr val="lt1"/>
+          </a:fontRef>
+        </p:style>
+        <p:txBody>
+          <a:bodyPr rtlCol="0" anchor="ctr"/>
+          <a:lstStyle/>
+          <a:p>
+            <a:pPr algn="ctr"/>
+            <a:endParaRPr lang="pt-BR"/>
+          </a:p>
+        </p:txBody>
+      </p:sp>
+      <p:sp>
+        <p:nvSpPr>
+          <p:cNvPr id="14" name="Título 1">
+            <a:extLst>
+              <a:ext uri="{FF2B5EF4-FFF2-40B4-BE49-F238E27FC236}">
+                <a16:creationId xmlns:a16="http://schemas.microsoft.com/office/drawing/2014/main" id="{BC7E8D42-1155-70F2-0B49-3FC108455310}"/>
+              </a:ext>
+            </a:extLst>
+          </p:cNvPr>
+          <p:cNvSpPr txBox="1">
+            <a:spLocks/>
+          </p:cNvSpPr>
+          <p:nvPr/>
+        </p:nvSpPr>
+        <p:spPr>
+          <a:xfrm>
+            <a:off x="205154" y="838062"/>
+            <a:ext cx="6421788" cy="469140"/>
+          </a:xfrm>
+          <a:prstGeom prst="rect">
+            <a:avLst/>
+          </a:prstGeom>
+        </p:spPr>
+        <p:txBody>
+          <a:bodyPr>
+            <a:noAutofit/>
+          </a:bodyPr>
+          <a:lstStyle>
+            <a:lvl1pPr algn="l" defTabSz="914400" rtl="0" eaLnBrk="1" latinLnBrk="0" hangingPunct="1">
+              <a:lnSpc>
+                <a:spcPct val="90000"/>
+              </a:lnSpc>
+              <a:spcBef>
+                <a:spcPct val="0"/>
+              </a:spcBef>
+              <a:buNone/>
+              <a:defRPr sz="4400" kern="1200">
+                <a:solidFill>
+                  <a:schemeClr val="tx1"/>
+                </a:solidFill>
+                <a:latin typeface="+mj-lt"/>
+                <a:ea typeface="+mj-ea"/>
+                <a:cs typeface="+mj-cs"/>
+              </a:defRPr>
+            </a:lvl1pPr>
+          </a:lstStyle>
+          <a:p>
+            <a:r>
+              <a:rPr lang="pt-BR" sz="2600" dirty="0">
+                <a:latin typeface="Bahnschrift" panose="020B0502040204020203" pitchFamily="34" charset="0"/>
+              </a:rPr>
+              <a:t>Exercício Prático para Aprendizado</a:t>
+            </a:r>
+          </a:p>
+        </p:txBody>
+      </p:sp>
+    </p:spTree>
+    <p:extLst>
+      <p:ext uri="{BB962C8B-B14F-4D97-AF65-F5344CB8AC3E}">
+        <p14:creationId xmlns:p14="http://schemas.microsoft.com/office/powerpoint/2010/main" val="1333943210"/>
+      </p:ext>
+    </p:extLst>
+  </p:cSld>
+  <p:clrMapOvr>
+    <a:masterClrMapping/>
+  </p:clrMapOvr>
+</p:sld>
+</file>
+
+<file path=ppt/slides/slide12.xml><?xml version="1.0" encoding="utf-8"?>
+<p:sld xmlns:a="http://schemas.openxmlformats.org/drawingml/2006/main" xmlns:r="http://schemas.openxmlformats.org/officeDocument/2006/relationships" xmlns:p="http://schemas.openxmlformats.org/presentationml/2006/main">
+  <p:cSld>
+    <p:bg>
+      <p:bgPr>
+        <a:solidFill>
+          <a:schemeClr val="bg1"/>
+        </a:solidFill>
+        <a:effectLst/>
+      </p:bgPr>
+    </p:bg>
+    <p:spTree>
+      <p:nvGrpSpPr>
+        <p:cNvPr id="1" name=""/>
+        <p:cNvGrpSpPr/>
+        <p:nvPr/>
+      </p:nvGrpSpPr>
+      <p:grpSpPr>
+        <a:xfrm>
+          <a:off x="0" y="0"/>
+          <a:ext cx="0" cy="0"/>
+          <a:chOff x="0" y="0"/>
+          <a:chExt cx="0" cy="0"/>
+        </a:xfrm>
+      </p:grpSpPr>
+      <p:sp>
+        <p:nvSpPr>
+          <p:cNvPr id="4" name="Fluxograma: Processo 3">
+            <a:extLst>
+              <a:ext uri="{FF2B5EF4-FFF2-40B4-BE49-F238E27FC236}">
+                <a16:creationId xmlns:a16="http://schemas.microsoft.com/office/drawing/2014/main" id="{9B97D85B-644B-0901-F985-07A1011F0885}"/>
+              </a:ext>
+            </a:extLst>
+          </p:cNvPr>
+          <p:cNvSpPr/>
+          <p:nvPr/>
+        </p:nvSpPr>
+        <p:spPr>
+          <a:xfrm>
+            <a:off x="0" y="558622"/>
+            <a:ext cx="6626942" cy="1028020"/>
+          </a:xfrm>
+          <a:prstGeom prst="flowChartProcess">
+            <a:avLst/>
+          </a:prstGeom>
+          <a:solidFill>
+            <a:schemeClr val="tx2">
+              <a:lumMod val="25000"/>
+              <a:lumOff val="75000"/>
+            </a:schemeClr>
+          </a:solidFill>
+          <a:ln>
+            <a:noFill/>
+          </a:ln>
+          <a:effectLst>
+            <a:outerShdw blurRad="50800" dist="38100" algn="l" rotWithShape="0">
+              <a:prstClr val="black">
+                <a:alpha val="40000"/>
+              </a:prstClr>
+            </a:outerShdw>
+          </a:effectLst>
+        </p:spPr>
+        <p:style>
+          <a:lnRef idx="2">
+            <a:schemeClr val="accent1">
+              <a:shade val="15000"/>
+            </a:schemeClr>
+          </a:lnRef>
+          <a:fillRef idx="1">
+            <a:schemeClr val="accent1"/>
+          </a:fillRef>
+          <a:effectRef idx="0">
+            <a:schemeClr val="accent1"/>
+          </a:effectRef>
+          <a:fontRef idx="minor">
+            <a:schemeClr val="lt1"/>
+          </a:fontRef>
+        </p:style>
+        <p:txBody>
+          <a:bodyPr rtlCol="0" anchor="ctr"/>
+          <a:lstStyle/>
+          <a:p>
+            <a:pPr algn="ctr"/>
+            <a:endParaRPr lang="pt-BR" dirty="0"/>
+          </a:p>
+        </p:txBody>
+      </p:sp>
+      <p:sp>
+        <p:nvSpPr>
+          <p:cNvPr id="5" name="Fluxograma: Preparação 4">
+            <a:extLst>
+              <a:ext uri="{FF2B5EF4-FFF2-40B4-BE49-F238E27FC236}">
+                <a16:creationId xmlns:a16="http://schemas.microsoft.com/office/drawing/2014/main" id="{4C41A37E-4702-CD30-B5D3-941449D5AC3D}"/>
+              </a:ext>
+            </a:extLst>
+          </p:cNvPr>
+          <p:cNvSpPr/>
+          <p:nvPr/>
+        </p:nvSpPr>
+        <p:spPr>
+          <a:xfrm rot="737988">
+            <a:off x="10269416" y="253495"/>
+            <a:ext cx="4309662" cy="4009401"/>
+          </a:xfrm>
+          <a:prstGeom prst="flowChartPreparation">
+            <a:avLst/>
+          </a:prstGeom>
+          <a:noFill/>
+          <a:ln>
+            <a:solidFill>
+              <a:schemeClr val="tx2">
+                <a:lumMod val="25000"/>
+                <a:lumOff val="75000"/>
+              </a:schemeClr>
+            </a:solidFill>
+          </a:ln>
+          <a:effectLst>
+            <a:outerShdw blurRad="50800" dist="38100" dir="10800000" algn="r" rotWithShape="0">
+              <a:prstClr val="black">
+                <a:alpha val="40000"/>
+              </a:prstClr>
+            </a:outerShdw>
+          </a:effectLst>
+        </p:spPr>
+        <p:style>
+          <a:lnRef idx="2">
+            <a:schemeClr val="accent1">
+              <a:shade val="15000"/>
+            </a:schemeClr>
+          </a:lnRef>
+          <a:fillRef idx="1">
+            <a:schemeClr val="accent1"/>
+          </a:fillRef>
+          <a:effectRef idx="0">
+            <a:schemeClr val="accent1"/>
+          </a:effectRef>
+          <a:fontRef idx="minor">
+            <a:schemeClr val="lt1"/>
+          </a:fontRef>
+        </p:style>
+        <p:txBody>
+          <a:bodyPr rtlCol="0" anchor="ctr"/>
+          <a:lstStyle/>
+          <a:p>
+            <a:pPr algn="ctr"/>
+            <a:endParaRPr lang="pt-BR" dirty="0"/>
+          </a:p>
+        </p:txBody>
+      </p:sp>
+      <p:sp>
+        <p:nvSpPr>
+          <p:cNvPr id="6" name="Fluxograma: Preparação 5">
+            <a:extLst>
+              <a:ext uri="{FF2B5EF4-FFF2-40B4-BE49-F238E27FC236}">
+                <a16:creationId xmlns:a16="http://schemas.microsoft.com/office/drawing/2014/main" id="{B9F12546-18B5-8694-8659-EB0CD2FAAD47}"/>
+              </a:ext>
+            </a:extLst>
+          </p:cNvPr>
+          <p:cNvSpPr/>
+          <p:nvPr/>
+        </p:nvSpPr>
+        <p:spPr>
+          <a:xfrm rot="1399103">
+            <a:off x="9867481" y="2159375"/>
+            <a:ext cx="4309662" cy="4009401"/>
+          </a:xfrm>
+          <a:prstGeom prst="flowChartPreparation">
+            <a:avLst/>
+          </a:prstGeom>
+          <a:noFill/>
+          <a:ln>
+            <a:solidFill>
+              <a:schemeClr val="tx2">
+                <a:lumMod val="25000"/>
+                <a:lumOff val="75000"/>
+              </a:schemeClr>
+            </a:solidFill>
+          </a:ln>
+          <a:effectLst>
+            <a:outerShdw blurRad="50800" dist="38100" dir="10800000" algn="r" rotWithShape="0">
+              <a:prstClr val="black">
+                <a:alpha val="40000"/>
+              </a:prstClr>
+            </a:outerShdw>
+          </a:effectLst>
+        </p:spPr>
+        <p:style>
+          <a:lnRef idx="2">
+            <a:schemeClr val="accent1">
+              <a:shade val="15000"/>
+            </a:schemeClr>
+          </a:lnRef>
+          <a:fillRef idx="1">
+            <a:schemeClr val="accent1"/>
+          </a:fillRef>
+          <a:effectRef idx="0">
+            <a:schemeClr val="accent1"/>
+          </a:effectRef>
+          <a:fontRef idx="minor">
+            <a:schemeClr val="lt1"/>
+          </a:fontRef>
+        </p:style>
+        <p:txBody>
+          <a:bodyPr rtlCol="0" anchor="ctr"/>
+          <a:lstStyle/>
+          <a:p>
+            <a:pPr algn="ctr"/>
+            <a:endParaRPr lang="pt-BR" dirty="0"/>
+          </a:p>
+        </p:txBody>
+      </p:sp>
+      <p:sp>
+        <p:nvSpPr>
+          <p:cNvPr id="2" name="Título 1">
+            <a:extLst>
+              <a:ext uri="{FF2B5EF4-FFF2-40B4-BE49-F238E27FC236}">
+                <a16:creationId xmlns:a16="http://schemas.microsoft.com/office/drawing/2014/main" id="{7C799708-998A-3C56-C9EE-C1E0AC2C955A}"/>
+              </a:ext>
+            </a:extLst>
+          </p:cNvPr>
+          <p:cNvSpPr txBox="1">
+            <a:spLocks/>
+          </p:cNvSpPr>
+          <p:nvPr/>
+        </p:nvSpPr>
+        <p:spPr>
+          <a:xfrm>
+            <a:off x="3313471" y="6435352"/>
+            <a:ext cx="5667270" cy="676648"/>
+          </a:xfrm>
+          <a:prstGeom prst="rect">
+            <a:avLst/>
+          </a:prstGeom>
+        </p:spPr>
+        <p:txBody>
+          <a:bodyPr vert="horz" lIns="91440" tIns="45720" rIns="91440" bIns="45720" rtlCol="0" anchor="b">
+            <a:normAutofit/>
+          </a:bodyPr>
+          <a:lstStyle>
+            <a:lvl1pPr algn="ctr" defTabSz="914400" rtl="0" eaLnBrk="1" latinLnBrk="0" hangingPunct="1">
+              <a:lnSpc>
+                <a:spcPct val="90000"/>
+              </a:lnSpc>
+              <a:spcBef>
+                <a:spcPct val="0"/>
+              </a:spcBef>
+              <a:buNone/>
+              <a:defRPr sz="6000" kern="1200">
+                <a:solidFill>
+                  <a:schemeClr val="tx1"/>
+                </a:solidFill>
+                <a:latin typeface="+mj-lt"/>
+                <a:ea typeface="+mj-ea"/>
+                <a:cs typeface="+mj-cs"/>
+              </a:defRPr>
+            </a:lvl1pPr>
+          </a:lstStyle>
+          <a:p>
+            <a:r>
+              <a:rPr lang="pt-BR" sz="1600" dirty="0">
+                <a:latin typeface="Book Antiqua" panose="02040602050305030304" pitchFamily="18" charset="0"/>
+              </a:rPr>
+              <a:t>Uni Einstein ∙ Estrutura de Dados ∙ 2ª Avaliação Formativa</a:t>
+            </a:r>
+          </a:p>
+          <a:p>
+            <a:endParaRPr lang="pt-BR" sz="2000" dirty="0">
+              <a:latin typeface="Book Antiqua" panose="02040602050305030304" pitchFamily="18" charset="0"/>
+            </a:endParaRPr>
+          </a:p>
+        </p:txBody>
+      </p:sp>
+      <p:sp>
+        <p:nvSpPr>
+          <p:cNvPr id="8" name="Retângulo 7">
+            <a:extLst>
+              <a:ext uri="{FF2B5EF4-FFF2-40B4-BE49-F238E27FC236}">
+                <a16:creationId xmlns:a16="http://schemas.microsoft.com/office/drawing/2014/main" id="{5C64D8DC-04EF-8679-7042-6DC15B9680FD}"/>
+              </a:ext>
+            </a:extLst>
+          </p:cNvPr>
+          <p:cNvSpPr/>
+          <p:nvPr/>
+        </p:nvSpPr>
+        <p:spPr>
+          <a:xfrm>
+            <a:off x="3313471" y="6435352"/>
+            <a:ext cx="5667270" cy="914400"/>
+          </a:xfrm>
+          <a:prstGeom prst="rect">
+            <a:avLst/>
+          </a:prstGeom>
+          <a:noFill/>
+          <a:ln>
+            <a:solidFill>
+              <a:schemeClr val="tx2">
+                <a:lumMod val="25000"/>
+                <a:lumOff val="75000"/>
+              </a:schemeClr>
+            </a:solidFill>
+          </a:ln>
+        </p:spPr>
+        <p:style>
+          <a:lnRef idx="2">
+            <a:schemeClr val="accent1">
+              <a:shade val="15000"/>
+            </a:schemeClr>
+          </a:lnRef>
+          <a:fillRef idx="1">
+            <a:schemeClr val="accent1"/>
+          </a:fillRef>
+          <a:effectRef idx="0">
+            <a:schemeClr val="accent1"/>
+          </a:effectRef>
+          <a:fontRef idx="minor">
+            <a:schemeClr val="lt1"/>
+          </a:fontRef>
+        </p:style>
+        <p:txBody>
+          <a:bodyPr rtlCol="0" anchor="ctr"/>
+          <a:lstStyle/>
+          <a:p>
+            <a:pPr algn="ctr"/>
+            <a:endParaRPr lang="pt-BR"/>
+          </a:p>
+        </p:txBody>
+      </p:sp>
+      <p:sp>
+        <p:nvSpPr>
+          <p:cNvPr id="10" name="Título 1">
+            <a:extLst>
+              <a:ext uri="{FF2B5EF4-FFF2-40B4-BE49-F238E27FC236}">
+                <a16:creationId xmlns:a16="http://schemas.microsoft.com/office/drawing/2014/main" id="{BBAE780A-AE16-59AA-6987-6F6BB196D812}"/>
+              </a:ext>
+            </a:extLst>
+          </p:cNvPr>
+          <p:cNvSpPr txBox="1">
+            <a:spLocks/>
+          </p:cNvSpPr>
+          <p:nvPr/>
+        </p:nvSpPr>
+        <p:spPr>
+          <a:xfrm>
+            <a:off x="205154" y="838062"/>
+            <a:ext cx="6421788" cy="469140"/>
+          </a:xfrm>
+          <a:prstGeom prst="rect">
+            <a:avLst/>
+          </a:prstGeom>
+        </p:spPr>
+        <p:txBody>
+          <a:bodyPr>
+            <a:noAutofit/>
+          </a:bodyPr>
+          <a:lstStyle>
+            <a:lvl1pPr algn="l" defTabSz="914400" rtl="0" eaLnBrk="1" latinLnBrk="0" hangingPunct="1">
+              <a:lnSpc>
+                <a:spcPct val="90000"/>
+              </a:lnSpc>
+              <a:spcBef>
+                <a:spcPct val="0"/>
+              </a:spcBef>
+              <a:buNone/>
+              <a:defRPr sz="4400" kern="1200">
+                <a:solidFill>
+                  <a:schemeClr val="tx1"/>
+                </a:solidFill>
+                <a:latin typeface="+mj-lt"/>
+                <a:ea typeface="+mj-ea"/>
+                <a:cs typeface="+mj-cs"/>
+              </a:defRPr>
+            </a:lvl1pPr>
+          </a:lstStyle>
+          <a:p>
+            <a:r>
+              <a:rPr lang="pt-BR" sz="2600" dirty="0">
+                <a:latin typeface="Bahnschrift" panose="020B0502040204020203" pitchFamily="34" charset="0"/>
+              </a:rPr>
+              <a:t>Conclusão</a:t>
+            </a:r>
+          </a:p>
+        </p:txBody>
+      </p:sp>
+      <p:sp>
+        <p:nvSpPr>
+          <p:cNvPr id="11" name="Espaço Reservado para Número de Slide 10">
+            <a:extLst>
+              <a:ext uri="{FF2B5EF4-FFF2-40B4-BE49-F238E27FC236}">
+                <a16:creationId xmlns:a16="http://schemas.microsoft.com/office/drawing/2014/main" id="{15947EE4-67CA-C30B-50E3-C656EDC8B251}"/>
+              </a:ext>
+            </a:extLst>
+          </p:cNvPr>
+          <p:cNvSpPr>
+            <a:spLocks noGrp="1"/>
+          </p:cNvSpPr>
+          <p:nvPr>
+            <p:ph type="sldNum" sz="quarter" idx="12"/>
+          </p:nvPr>
+        </p:nvSpPr>
+        <p:spPr/>
+        <p:txBody>
+          <a:bodyPr/>
+          <a:lstStyle/>
+          <a:p>
+            <a:fld id="{2243CA19-97DB-4D2D-811E-0B8A28CCB4AF}" type="slidenum">
+              <a:rPr lang="pt-BR" smtClean="0"/>
+              <a:t>12</a:t>
+            </a:fld>
+            <a:endParaRPr lang="pt-BR"/>
+          </a:p>
+        </p:txBody>
+      </p:sp>
+      <p:sp>
+        <p:nvSpPr>
+          <p:cNvPr id="13" name="Espaço Reservado para Conteúdo 2">
+            <a:extLst>
+              <a:ext uri="{FF2B5EF4-FFF2-40B4-BE49-F238E27FC236}">
+                <a16:creationId xmlns:a16="http://schemas.microsoft.com/office/drawing/2014/main" id="{59D97834-9739-C337-4FB8-E243D88F0C91}"/>
+              </a:ext>
+            </a:extLst>
+          </p:cNvPr>
+          <p:cNvSpPr txBox="1">
+            <a:spLocks/>
+          </p:cNvSpPr>
+          <p:nvPr/>
+        </p:nvSpPr>
+        <p:spPr>
+          <a:xfrm>
+            <a:off x="205154" y="1803812"/>
+            <a:ext cx="4657131" cy="378949"/>
+          </a:xfrm>
+          <a:prstGeom prst="rect">
+            <a:avLst/>
+          </a:prstGeom>
+        </p:spPr>
+        <p:txBody>
+          <a:bodyPr>
+            <a:normAutofit/>
+          </a:bodyPr>
+          <a:lstStyle>
+            <a:lvl1pPr marL="228600" indent="-228600" algn="l" defTabSz="914400" rtl="0" eaLnBrk="1" latinLnBrk="0" hangingPunct="1">
+              <a:lnSpc>
+                <a:spcPct val="90000"/>
+              </a:lnSpc>
+              <a:spcBef>
+                <a:spcPts val="1000"/>
+              </a:spcBef>
+              <a:buFont typeface="Arial" panose="020B0604020202020204" pitchFamily="34" charset="0"/>
+              <a:buChar char="•"/>
+              <a:defRPr sz="2800" kern="1200">
+                <a:solidFill>
+                  <a:schemeClr val="tx1"/>
+                </a:solidFill>
+                <a:latin typeface="+mn-lt"/>
+                <a:ea typeface="+mn-ea"/>
+                <a:cs typeface="+mn-cs"/>
+              </a:defRPr>
+            </a:lvl1pPr>
+            <a:lvl2pPr marL="685800" indent="-228600" algn="l" defTabSz="914400" rtl="0" eaLnBrk="1" latinLnBrk="0" hangingPunct="1">
+              <a:lnSpc>
+                <a:spcPct val="90000"/>
+              </a:lnSpc>
+              <a:spcBef>
+                <a:spcPts val="500"/>
+              </a:spcBef>
+              <a:buFont typeface="Arial" panose="020B0604020202020204" pitchFamily="34" charset="0"/>
+              <a:buChar char="•"/>
+              <a:defRPr sz="2400" kern="1200">
+                <a:solidFill>
+                  <a:schemeClr val="tx1"/>
+                </a:solidFill>
+                <a:latin typeface="+mn-lt"/>
+                <a:ea typeface="+mn-ea"/>
+                <a:cs typeface="+mn-cs"/>
+              </a:defRPr>
+            </a:lvl2pPr>
+            <a:lvl3pPr marL="1143000" indent="-228600" algn="l" defTabSz="914400" rtl="0" eaLnBrk="1" latinLnBrk="0" hangingPunct="1">
+              <a:lnSpc>
+                <a:spcPct val="90000"/>
+              </a:lnSpc>
+              <a:spcBef>
+                <a:spcPts val="500"/>
+              </a:spcBef>
+              <a:buFont typeface="Arial" panose="020B0604020202020204" pitchFamily="34" charset="0"/>
+              <a:buChar char="•"/>
+              <a:defRPr sz="2000" kern="1200">
+                <a:solidFill>
+                  <a:schemeClr val="tx1"/>
+                </a:solidFill>
+                <a:latin typeface="+mn-lt"/>
+                <a:ea typeface="+mn-ea"/>
+                <a:cs typeface="+mn-cs"/>
+              </a:defRPr>
+            </a:lvl3pPr>
+            <a:lvl4pPr marL="1600200" indent="-228600" algn="l" defTabSz="914400" rtl="0" eaLnBrk="1" latinLnBrk="0" hangingPunct="1">
+              <a:lnSpc>
+                <a:spcPct val="90000"/>
+              </a:lnSpc>
+              <a:spcBef>
+                <a:spcPts val="500"/>
+              </a:spcBef>
+              <a:buFont typeface="Arial" panose="020B0604020202020204" pitchFamily="34" charset="0"/>
+              <a:buChar char="•"/>
+              <a:defRPr sz="1800" kern="1200">
+                <a:solidFill>
+                  <a:schemeClr val="tx1"/>
+                </a:solidFill>
+                <a:latin typeface="+mn-lt"/>
+                <a:ea typeface="+mn-ea"/>
+                <a:cs typeface="+mn-cs"/>
+              </a:defRPr>
+            </a:lvl4pPr>
+            <a:lvl5pPr marL="2057400" indent="-228600" algn="l" defTabSz="914400" rtl="0" eaLnBrk="1" latinLnBrk="0" hangingPunct="1">
+              <a:lnSpc>
+                <a:spcPct val="90000"/>
+              </a:lnSpc>
+              <a:spcBef>
+                <a:spcPts val="500"/>
+              </a:spcBef>
+              <a:buFont typeface="Arial" panose="020B0604020202020204" pitchFamily="34" charset="0"/>
+              <a:buChar char="•"/>
+              <a:defRPr sz="1800" kern="1200">
+                <a:solidFill>
+                  <a:schemeClr val="tx1"/>
+                </a:solidFill>
+                <a:latin typeface="+mn-lt"/>
+                <a:ea typeface="+mn-ea"/>
+                <a:cs typeface="+mn-cs"/>
+              </a:defRPr>
+            </a:lvl5pPr>
+            <a:lvl6pPr marL="2514600" indent="-228600" algn="l" defTabSz="914400" rtl="0" eaLnBrk="1" latinLnBrk="0" hangingPunct="1">
+              <a:lnSpc>
+                <a:spcPct val="90000"/>
+              </a:lnSpc>
+              <a:spcBef>
+                <a:spcPts val="500"/>
+              </a:spcBef>
+              <a:buFont typeface="Arial" panose="020B0604020202020204" pitchFamily="34" charset="0"/>
+              <a:buChar char="•"/>
+              <a:defRPr sz="1800" kern="1200">
+                <a:solidFill>
+                  <a:schemeClr val="tx1"/>
+                </a:solidFill>
+                <a:latin typeface="+mn-lt"/>
+                <a:ea typeface="+mn-ea"/>
+                <a:cs typeface="+mn-cs"/>
+              </a:defRPr>
+            </a:lvl6pPr>
+            <a:lvl7pPr marL="2971800" indent="-228600" algn="l" defTabSz="914400" rtl="0" eaLnBrk="1" latinLnBrk="0" hangingPunct="1">
+              <a:lnSpc>
+                <a:spcPct val="90000"/>
+              </a:lnSpc>
+              <a:spcBef>
+                <a:spcPts val="500"/>
+              </a:spcBef>
+              <a:buFont typeface="Arial" panose="020B0604020202020204" pitchFamily="34" charset="0"/>
+              <a:buChar char="•"/>
+              <a:defRPr sz="1800" kern="1200">
+                <a:solidFill>
+                  <a:schemeClr val="tx1"/>
+                </a:solidFill>
+                <a:latin typeface="+mn-lt"/>
+                <a:ea typeface="+mn-ea"/>
+                <a:cs typeface="+mn-cs"/>
+              </a:defRPr>
+            </a:lvl7pPr>
+            <a:lvl8pPr marL="3429000" indent="-228600" algn="l" defTabSz="914400" rtl="0" eaLnBrk="1" latinLnBrk="0" hangingPunct="1">
+              <a:lnSpc>
+                <a:spcPct val="90000"/>
+              </a:lnSpc>
+              <a:spcBef>
+                <a:spcPts val="500"/>
+              </a:spcBef>
+              <a:buFont typeface="Arial" panose="020B0604020202020204" pitchFamily="34" charset="0"/>
+              <a:buChar char="•"/>
+              <a:defRPr sz="1800" kern="1200">
+                <a:solidFill>
+                  <a:schemeClr val="tx1"/>
+                </a:solidFill>
+                <a:latin typeface="+mn-lt"/>
+                <a:ea typeface="+mn-ea"/>
+                <a:cs typeface="+mn-cs"/>
+              </a:defRPr>
+            </a:lvl8pPr>
+            <a:lvl9pPr marL="3886200" indent="-228600" algn="l" defTabSz="914400" rtl="0" eaLnBrk="1" latinLnBrk="0" hangingPunct="1">
+              <a:lnSpc>
+                <a:spcPct val="90000"/>
+              </a:lnSpc>
+              <a:spcBef>
+                <a:spcPts val="500"/>
+              </a:spcBef>
+              <a:buFont typeface="Arial" panose="020B0604020202020204" pitchFamily="34" charset="0"/>
+              <a:buChar char="•"/>
+              <a:defRPr sz="1800" kern="1200">
+                <a:solidFill>
+                  <a:schemeClr val="tx1"/>
+                </a:solidFill>
+                <a:latin typeface="+mn-lt"/>
+                <a:ea typeface="+mn-ea"/>
+                <a:cs typeface="+mn-cs"/>
+              </a:defRPr>
+            </a:lvl9pPr>
+          </a:lstStyle>
+          <a:p>
+            <a:pPr marL="0" indent="0" algn="just">
+              <a:buFont typeface="Arial" panose="020B0604020202020204" pitchFamily="34" charset="0"/>
+              <a:buNone/>
+            </a:pPr>
+            <a:r>
+              <a:rPr lang="pt-BR" sz="1800" b="1" dirty="0"/>
+              <a:t>Por que entender </a:t>
+            </a:r>
+            <a:r>
+              <a:rPr lang="pt-BR" sz="1800" b="1" dirty="0" err="1"/>
+              <a:t>Insertion</a:t>
+            </a:r>
+            <a:r>
+              <a:rPr lang="pt-BR" sz="1800" b="1" dirty="0"/>
+              <a:t> </a:t>
+            </a:r>
+            <a:r>
+              <a:rPr lang="pt-BR" sz="1800" b="1" dirty="0" err="1"/>
+              <a:t>Sort</a:t>
+            </a:r>
+            <a:r>
+              <a:rPr lang="pt-BR" sz="1800" b="1" dirty="0"/>
+              <a:t>?</a:t>
+            </a:r>
+            <a:endParaRPr lang="pt-BR" sz="1600" dirty="0">
+              <a:latin typeface="Book Antiqua" panose="02040602050305030304" pitchFamily="18" charset="0"/>
+            </a:endParaRPr>
+          </a:p>
+        </p:txBody>
+      </p:sp>
+      <p:sp>
+        <p:nvSpPr>
+          <p:cNvPr id="15" name="CaixaDeTexto 14">
+            <a:extLst>
+              <a:ext uri="{FF2B5EF4-FFF2-40B4-BE49-F238E27FC236}">
+                <a16:creationId xmlns:a16="http://schemas.microsoft.com/office/drawing/2014/main" id="{3408A5BD-7AB6-B355-D1B1-77F70D45FD4B}"/>
+              </a:ext>
+            </a:extLst>
+          </p:cNvPr>
+          <p:cNvSpPr txBox="1"/>
+          <p:nvPr/>
+        </p:nvSpPr>
+        <p:spPr>
+          <a:xfrm>
+            <a:off x="205153" y="2157655"/>
+            <a:ext cx="9365567" cy="2308324"/>
+          </a:xfrm>
+          <a:prstGeom prst="rect">
+            <a:avLst/>
+          </a:prstGeom>
+          <a:noFill/>
+        </p:spPr>
+        <p:txBody>
+          <a:bodyPr wrap="square">
+            <a:spAutoFit/>
+          </a:bodyPr>
+          <a:lstStyle/>
+          <a:p>
+            <a:pPr marL="285750" indent="-285750" algn="just">
+              <a:buFont typeface="Arial" panose="020B0604020202020204" pitchFamily="34" charset="0"/>
+              <a:buChar char="•"/>
+            </a:pPr>
+            <a:r>
+              <a:rPr lang="pt-BR" b="1" dirty="0">
+                <a:latin typeface="Book Antiqua" panose="02040602050305030304" pitchFamily="18" charset="0"/>
+              </a:rPr>
+              <a:t>Simplicidade e didática:</a:t>
+            </a:r>
+            <a:r>
+              <a:rPr lang="pt-BR" dirty="0">
+                <a:latin typeface="Book Antiqua" panose="02040602050305030304" pitchFamily="18" charset="0"/>
+              </a:rPr>
+              <a:t> ótimo para aprendizagem inicial de ordenação;</a:t>
+            </a:r>
+          </a:p>
+          <a:p>
+            <a:pPr marL="285750" indent="-285750" algn="just">
+              <a:buFont typeface="Arial" panose="020B0604020202020204" pitchFamily="34" charset="0"/>
+              <a:buChar char="•"/>
+            </a:pPr>
+            <a:r>
+              <a:rPr lang="pt-BR" b="1" dirty="0">
+                <a:latin typeface="Book Antiqua" panose="02040602050305030304" pitchFamily="18" charset="0"/>
+              </a:rPr>
+              <a:t>Uso prático:</a:t>
+            </a:r>
+            <a:r>
+              <a:rPr lang="pt-BR" dirty="0">
+                <a:latin typeface="Book Antiqua" panose="02040602050305030304" pitchFamily="18" charset="0"/>
+              </a:rPr>
+              <a:t> ideal para listas pequenas e quase ordenadas;</a:t>
+            </a:r>
+          </a:p>
+          <a:p>
+            <a:pPr marL="285750" indent="-285750" algn="just">
+              <a:buFont typeface="Arial" panose="020B0604020202020204" pitchFamily="34" charset="0"/>
+              <a:buChar char="•"/>
+            </a:pPr>
+            <a:r>
+              <a:rPr lang="pt-BR" b="1" dirty="0">
+                <a:latin typeface="Book Antiqua" panose="02040602050305030304" pitchFamily="18" charset="0"/>
+              </a:rPr>
+              <a:t>Características chave:</a:t>
+            </a:r>
+            <a:r>
+              <a:rPr lang="pt-BR" dirty="0">
+                <a:latin typeface="Book Antiqua" panose="02040602050305030304" pitchFamily="18" charset="0"/>
+              </a:rPr>
+              <a:t> </a:t>
+            </a:r>
+            <a:r>
+              <a:rPr lang="pt-BR" dirty="0" err="1">
+                <a:latin typeface="Book Antiqua" panose="02040602050305030304" pitchFamily="18" charset="0"/>
+              </a:rPr>
+              <a:t>in-place</a:t>
+            </a:r>
+            <a:r>
+              <a:rPr lang="pt-BR" dirty="0">
+                <a:latin typeface="Book Antiqua" panose="02040602050305030304" pitchFamily="18" charset="0"/>
+              </a:rPr>
+              <a:t> (</a:t>
+            </a:r>
+            <a:r>
+              <a:rPr lang="pt-BR" sz="2000" dirty="0">
+                <a:latin typeface="Book Antiqua" panose="02040602050305030304" pitchFamily="18" charset="0"/>
+              </a:rPr>
+              <a:t>O(1)</a:t>
+            </a:r>
+            <a:r>
+              <a:rPr lang="pt-BR" dirty="0">
+                <a:latin typeface="Book Antiqua" panose="02040602050305030304" pitchFamily="18" charset="0"/>
+              </a:rPr>
+              <a:t> espaço), estável, complexidade </a:t>
+            </a:r>
+            <a:r>
+              <a:rPr lang="pt-BR" sz="2000" dirty="0">
+                <a:latin typeface="Book Antiqua" panose="02040602050305030304" pitchFamily="18" charset="0"/>
+              </a:rPr>
+              <a:t>O(n²)</a:t>
+            </a:r>
+            <a:r>
+              <a:rPr lang="pt-BR" dirty="0">
+                <a:latin typeface="Book Antiqua" panose="02040602050305030304" pitchFamily="18" charset="0"/>
+              </a:rPr>
+              <a:t> no geral;</a:t>
+            </a:r>
+          </a:p>
+          <a:p>
+            <a:pPr marL="285750" indent="-285750" algn="just">
+              <a:buFont typeface="Arial" panose="020B0604020202020204" pitchFamily="34" charset="0"/>
+              <a:buChar char="•"/>
+            </a:pPr>
+            <a:r>
+              <a:rPr lang="pt-BR" b="1" dirty="0">
+                <a:latin typeface="Book Antiqua" panose="02040602050305030304" pitchFamily="18" charset="0"/>
+              </a:rPr>
+              <a:t>Comparação:</a:t>
+            </a:r>
+            <a:r>
+              <a:rPr lang="pt-BR" dirty="0">
+                <a:latin typeface="Book Antiqua" panose="02040602050305030304" pitchFamily="18" charset="0"/>
+              </a:rPr>
+              <a:t> geralmente superior ao Bubble </a:t>
+            </a:r>
+            <a:r>
+              <a:rPr lang="pt-BR" dirty="0" err="1">
+                <a:latin typeface="Book Antiqua" panose="02040602050305030304" pitchFamily="18" charset="0"/>
+              </a:rPr>
+              <a:t>Sort</a:t>
+            </a:r>
+            <a:r>
+              <a:rPr lang="pt-BR" dirty="0">
+                <a:latin typeface="Book Antiqua" panose="02040602050305030304" pitchFamily="18" charset="0"/>
+              </a:rPr>
+              <a:t> em prática, mas ineficiente para grandes entradas;</a:t>
+            </a:r>
+          </a:p>
+          <a:p>
+            <a:pPr marL="285750" indent="-285750" algn="just">
+              <a:buFont typeface="Arial" panose="020B0604020202020204" pitchFamily="34" charset="0"/>
+              <a:buChar char="•"/>
+            </a:pPr>
+            <a:r>
+              <a:rPr lang="pt-BR" b="1" dirty="0">
+                <a:latin typeface="Book Antiqua" panose="02040602050305030304" pitchFamily="18" charset="0"/>
+              </a:rPr>
+              <a:t>Recomendação:</a:t>
+            </a:r>
+            <a:r>
+              <a:rPr lang="pt-BR" dirty="0">
+                <a:latin typeface="Book Antiqua" panose="02040602050305030304" pitchFamily="18" charset="0"/>
+              </a:rPr>
+              <a:t> usar </a:t>
+            </a:r>
+            <a:r>
+              <a:rPr lang="pt-BR" dirty="0" err="1">
+                <a:latin typeface="Book Antiqua" panose="02040602050305030304" pitchFamily="18" charset="0"/>
+              </a:rPr>
+              <a:t>Insertion</a:t>
+            </a:r>
+            <a:r>
+              <a:rPr lang="pt-BR" dirty="0">
+                <a:latin typeface="Book Antiqua" panose="02040602050305030304" pitchFamily="18" charset="0"/>
+              </a:rPr>
+              <a:t> </a:t>
+            </a:r>
+            <a:r>
+              <a:rPr lang="pt-BR" dirty="0" err="1">
+                <a:latin typeface="Book Antiqua" panose="02040602050305030304" pitchFamily="18" charset="0"/>
+              </a:rPr>
+              <a:t>Sort</a:t>
+            </a:r>
+            <a:r>
+              <a:rPr lang="pt-BR" dirty="0">
+                <a:latin typeface="Book Antiqua" panose="02040602050305030304" pitchFamily="18" charset="0"/>
+              </a:rPr>
+              <a:t> em ensino, e como sub-rotina (por exemplo, em </a:t>
+            </a:r>
+            <a:r>
+              <a:rPr lang="pt-BR" dirty="0" err="1">
+                <a:latin typeface="Book Antiqua" panose="02040602050305030304" pitchFamily="18" charset="0"/>
+              </a:rPr>
+              <a:t>QuickSort</a:t>
+            </a:r>
+            <a:r>
+              <a:rPr lang="pt-BR" dirty="0">
+                <a:latin typeface="Book Antiqua" panose="02040602050305030304" pitchFamily="18" charset="0"/>
+              </a:rPr>
+              <a:t> híbrido para </a:t>
+            </a:r>
+            <a:r>
+              <a:rPr lang="pt-BR" dirty="0" err="1">
+                <a:latin typeface="Book Antiqua" panose="02040602050305030304" pitchFamily="18" charset="0"/>
+              </a:rPr>
+              <a:t>subarrays</a:t>
+            </a:r>
+            <a:r>
+              <a:rPr lang="pt-BR" dirty="0">
+                <a:latin typeface="Book Antiqua" panose="02040602050305030304" pitchFamily="18" charset="0"/>
+              </a:rPr>
+              <a:t> pequenos);</a:t>
+            </a:r>
+          </a:p>
+          <a:p>
+            <a:pPr marL="285750" indent="-285750" algn="just">
+              <a:buFont typeface="Arial" panose="020B0604020202020204" pitchFamily="34" charset="0"/>
+              <a:buChar char="•"/>
+            </a:pPr>
+            <a:endParaRPr lang="pt-BR" sz="1600" dirty="0">
+              <a:latin typeface="Book Antiqua" panose="02040602050305030304" pitchFamily="18" charset="0"/>
+            </a:endParaRPr>
+          </a:p>
+        </p:txBody>
+      </p:sp>
+      <p:pic>
+        <p:nvPicPr>
+          <p:cNvPr id="18" name="Imagem 17" descr="Desenho de uma pessoa&#10;&#10;O conteúdo gerado por IA pode estar incorreto.">
+            <a:extLst>
+              <a:ext uri="{FF2B5EF4-FFF2-40B4-BE49-F238E27FC236}">
+                <a16:creationId xmlns:a16="http://schemas.microsoft.com/office/drawing/2014/main" id="{12EAD26B-2596-7F8A-6E59-B1709D807D2F}"/>
+              </a:ext>
+            </a:extLst>
+          </p:cNvPr>
+          <p:cNvPicPr>
+            <a:picLocks noChangeAspect="1"/>
+          </p:cNvPicPr>
+          <p:nvPr/>
+        </p:nvPicPr>
+        <p:blipFill>
+          <a:blip r:embed="rId2">
+            <a:extLst>
+              <a:ext uri="{28A0092B-C50C-407E-A947-70E740481C1C}">
+                <a14:useLocalDpi xmlns:a14="http://schemas.microsoft.com/office/drawing/2010/main" val="0"/>
+              </a:ext>
+            </a:extLst>
+          </a:blip>
+          <a:stretch>
+            <a:fillRect/>
+          </a:stretch>
+        </p:blipFill>
+        <p:spPr>
+          <a:xfrm>
+            <a:off x="205153" y="4625294"/>
+            <a:ext cx="1913618" cy="1913618"/>
+          </a:xfrm>
+          <a:prstGeom prst="rect">
+            <a:avLst/>
+          </a:prstGeom>
+        </p:spPr>
+      </p:pic>
+    </p:spTree>
+    <p:extLst>
+      <p:ext uri="{BB962C8B-B14F-4D97-AF65-F5344CB8AC3E}">
+        <p14:creationId xmlns:p14="http://schemas.microsoft.com/office/powerpoint/2010/main" val="4209202592"/>
       </p:ext>
     </p:extLst>
   </p:cSld>
@@ -3929,10 +6619,10 @@
       </p:sp>
       <p:sp>
         <p:nvSpPr>
-          <p:cNvPr id="9" name="CaixaDeTexto 8">
-            <a:extLst>
-              <a:ext uri="{FF2B5EF4-FFF2-40B4-BE49-F238E27FC236}">
-                <a16:creationId xmlns:a16="http://schemas.microsoft.com/office/drawing/2014/main" id="{92F3DB52-0872-62B6-BB72-8616719E4936}"/>
+          <p:cNvPr id="12" name="CaixaDeTexto 11">
+            <a:extLst>
+              <a:ext uri="{FF2B5EF4-FFF2-40B4-BE49-F238E27FC236}">
+                <a16:creationId xmlns:a16="http://schemas.microsoft.com/office/drawing/2014/main" id="{33A5870C-C7BB-792A-A227-DB8DF35BA648}"/>
               </a:ext>
             </a:extLst>
           </p:cNvPr>
@@ -3941,8 +6631,8 @@
         </p:nvSpPr>
         <p:spPr>
           <a:xfrm>
-            <a:off x="145694" y="811022"/>
-            <a:ext cx="5195167" cy="492443"/>
+            <a:off x="205154" y="2258195"/>
+            <a:ext cx="9983044" cy="1569660"/>
           </a:xfrm>
           <a:prstGeom prst="rect">
             <a:avLst/>
@@ -3955,64 +6645,44 @@
           </a:bodyPr>
           <a:lstStyle/>
           <a:p>
-            <a:r>
-              <a:rPr lang="pt-BR" sz="2600" dirty="0">
-                <a:latin typeface="Bahnschrift" panose="020B0502040204020203" pitchFamily="34" charset="0"/>
-              </a:rPr>
-              <a:t>Índices</a:t>
-            </a:r>
-          </a:p>
-        </p:txBody>
-      </p:sp>
-      <p:sp>
-        <p:nvSpPr>
-          <p:cNvPr id="12" name="CaixaDeTexto 11">
-            <a:extLst>
-              <a:ext uri="{FF2B5EF4-FFF2-40B4-BE49-F238E27FC236}">
-                <a16:creationId xmlns:a16="http://schemas.microsoft.com/office/drawing/2014/main" id="{33A5870C-C7BB-792A-A227-DB8DF35BA648}"/>
-              </a:ext>
-            </a:extLst>
-          </p:cNvPr>
-          <p:cNvSpPr txBox="1"/>
-          <p:nvPr/>
-        </p:nvSpPr>
-        <p:spPr>
-          <a:xfrm>
-            <a:off x="522463" y="2182761"/>
-            <a:ext cx="8458278" cy="1200329"/>
-          </a:xfrm>
-          <a:prstGeom prst="rect">
-            <a:avLst/>
-          </a:prstGeom>
-          <a:noFill/>
-        </p:spPr>
-        <p:txBody>
-          <a:bodyPr wrap="square" rtlCol="0">
-            <a:spAutoFit/>
-          </a:bodyPr>
-          <a:lstStyle/>
-          <a:p>
-            <a:pPr algn="just"/>
-            <a:r>
-              <a:rPr lang="pt-BR" dirty="0"/>
-              <a:t>Apresentação Teórica do Método.........................................................................</a:t>
-            </a:r>
-          </a:p>
-          <a:p>
-            <a:pPr algn="just"/>
-            <a:r>
-              <a:rPr lang="pt-BR" dirty="0"/>
-              <a:t>Demonstração da Implementação.......................................................................</a:t>
-            </a:r>
-          </a:p>
-          <a:p>
-            <a:r>
-              <a:rPr lang="pt-BR" dirty="0"/>
-              <a:t>Análise de Complexidade, Comparação e Uso  (desempenho/eficiência)..............</a:t>
-            </a:r>
-          </a:p>
-          <a:p>
-            <a:endParaRPr lang="pt-BR" dirty="0"/>
+            <a:pPr marL="285750" indent="-285750" algn="just">
+              <a:buFont typeface="Wingdings" panose="05000000000000000000" pitchFamily="2" charset="2"/>
+              <a:buChar char="Ø"/>
+            </a:pPr>
+            <a:r>
+              <a:rPr lang="pt-BR" sz="2400" dirty="0"/>
+              <a:t>Apresentação Teórica do Método;</a:t>
+            </a:r>
+          </a:p>
+          <a:p>
+            <a:pPr marL="285750" indent="-285750" algn="just">
+              <a:buFont typeface="Wingdings" panose="05000000000000000000" pitchFamily="2" charset="2"/>
+              <a:buChar char="Ø"/>
+            </a:pPr>
+            <a:r>
+              <a:rPr lang="pt-BR" sz="2400" dirty="0"/>
+              <a:t>Demonstração da Implementação;</a:t>
+            </a:r>
+          </a:p>
+          <a:p>
+            <a:pPr marL="285750" indent="-285750">
+              <a:buFont typeface="Wingdings" panose="05000000000000000000" pitchFamily="2" charset="2"/>
+              <a:buChar char="Ø"/>
+            </a:pPr>
+            <a:r>
+              <a:rPr lang="pt-BR" sz="2400" dirty="0"/>
+              <a:t>Análise de Complexidade, Comparação e Uso (Desempenho/Eficiência);</a:t>
+            </a:r>
+          </a:p>
+          <a:p>
+            <a:pPr marL="285750" indent="-285750">
+              <a:buFont typeface="Wingdings" panose="05000000000000000000" pitchFamily="2" charset="2"/>
+              <a:buChar char="Ø"/>
+            </a:pPr>
+            <a:r>
+              <a:rPr lang="pt-BR" sz="2400" dirty="0"/>
+              <a:t>Exercício Prático para Aprendizado.</a:t>
+            </a:r>
           </a:p>
         </p:txBody>
       </p:sp>
@@ -4128,6 +6798,138 @@
           <a:lstStyle/>
           <a:p>
             <a:pPr algn="ctr"/>
+            <a:endParaRPr lang="pt-BR"/>
+          </a:p>
+        </p:txBody>
+      </p:sp>
+      <p:sp>
+        <p:nvSpPr>
+          <p:cNvPr id="2" name="Título 1">
+            <a:extLst>
+              <a:ext uri="{FF2B5EF4-FFF2-40B4-BE49-F238E27FC236}">
+                <a16:creationId xmlns:a16="http://schemas.microsoft.com/office/drawing/2014/main" id="{3ED3E97B-F61F-8A05-6ED9-27F86EABDD2B}"/>
+              </a:ext>
+            </a:extLst>
+          </p:cNvPr>
+          <p:cNvSpPr txBox="1">
+            <a:spLocks/>
+          </p:cNvSpPr>
+          <p:nvPr/>
+        </p:nvSpPr>
+        <p:spPr>
+          <a:xfrm>
+            <a:off x="205154" y="838062"/>
+            <a:ext cx="6421788" cy="469140"/>
+          </a:xfrm>
+          <a:prstGeom prst="rect">
+            <a:avLst/>
+          </a:prstGeom>
+        </p:spPr>
+        <p:txBody>
+          <a:bodyPr>
+            <a:noAutofit/>
+          </a:bodyPr>
+          <a:lstStyle>
+            <a:lvl1pPr algn="l" defTabSz="914400" rtl="0" eaLnBrk="1" latinLnBrk="0" hangingPunct="1">
+              <a:lnSpc>
+                <a:spcPct val="90000"/>
+              </a:lnSpc>
+              <a:spcBef>
+                <a:spcPct val="0"/>
+              </a:spcBef>
+              <a:buNone/>
+              <a:defRPr sz="4400" kern="1200">
+                <a:solidFill>
+                  <a:schemeClr val="tx1"/>
+                </a:solidFill>
+                <a:latin typeface="+mj-lt"/>
+                <a:ea typeface="+mj-ea"/>
+                <a:cs typeface="+mj-cs"/>
+              </a:defRPr>
+            </a:lvl1pPr>
+          </a:lstStyle>
+          <a:p>
+            <a:r>
+              <a:rPr lang="pt-BR" sz="2600" dirty="0">
+                <a:latin typeface="Bahnschrift" panose="020B0502040204020203" pitchFamily="34" charset="0"/>
+              </a:rPr>
+              <a:t>O que será apresentado?</a:t>
+            </a:r>
+          </a:p>
+        </p:txBody>
+      </p:sp>
+      <p:pic>
+        <p:nvPicPr>
+          <p:cNvPr id="1026" name="Picture 2" descr="🤔 Rosto Pensativo Emoji: Significado e Uso">
+            <a:extLst>
+              <a:ext uri="{FF2B5EF4-FFF2-40B4-BE49-F238E27FC236}">
+                <a16:creationId xmlns:a16="http://schemas.microsoft.com/office/drawing/2014/main" id="{F278ABD5-F94A-9AEA-D0FC-4162B188002F}"/>
+              </a:ext>
+            </a:extLst>
+          </p:cNvPr>
+          <p:cNvPicPr>
+            <a:picLocks noChangeAspect="1" noChangeArrowheads="1"/>
+          </p:cNvPicPr>
+          <p:nvPr/>
+        </p:nvPicPr>
+        <p:blipFill>
+          <a:blip r:embed="rId2">
+            <a:extLst>
+              <a:ext uri="{28A0092B-C50C-407E-A947-70E740481C1C}">
+                <a14:useLocalDpi xmlns:a14="http://schemas.microsoft.com/office/drawing/2010/main" val="0"/>
+              </a:ext>
+            </a:extLst>
+          </a:blip>
+          <a:srcRect/>
+          <a:stretch>
+            <a:fillRect/>
+          </a:stretch>
+        </p:blipFill>
+        <p:spPr bwMode="auto">
+          <a:xfrm rot="479874">
+            <a:off x="7675087" y="3947598"/>
+            <a:ext cx="2082018" cy="2082018"/>
+          </a:xfrm>
+          <a:prstGeom prst="rect">
+            <a:avLst/>
+          </a:prstGeom>
+          <a:noFill/>
+          <a:extLst>
+            <a:ext uri="{909E8E84-426E-40DD-AFC4-6F175D3DCCD1}">
+              <a14:hiddenFill xmlns:a14="http://schemas.microsoft.com/office/drawing/2010/main">
+                <a:solidFill>
+                  <a:srgbClr val="FFFFFF"/>
+                </a:solidFill>
+              </a14:hiddenFill>
+            </a:ext>
+          </a:extLst>
+        </p:spPr>
+      </p:pic>
+      <p:sp>
+        <p:nvSpPr>
+          <p:cNvPr id="3" name="Espaço Reservado para Número de Slide 2">
+            <a:extLst>
+              <a:ext uri="{FF2B5EF4-FFF2-40B4-BE49-F238E27FC236}">
+                <a16:creationId xmlns:a16="http://schemas.microsoft.com/office/drawing/2014/main" id="{70D48900-7901-44F8-362A-3278846C9117}"/>
+              </a:ext>
+            </a:extLst>
+          </p:cNvPr>
+          <p:cNvSpPr>
+            <a:spLocks noGrp="1"/>
+          </p:cNvSpPr>
+          <p:nvPr>
+            <p:ph type="sldNum" sz="quarter" idx="12"/>
+          </p:nvPr>
+        </p:nvSpPr>
+        <p:spPr/>
+        <p:txBody>
+          <a:bodyPr/>
+          <a:lstStyle/>
+          <a:p>
+            <a:fld id="{2243CA19-97DB-4D2D-811E-0B8A28CCB4AF}" type="slidenum">
+              <a:rPr lang="pt-BR" smtClean="0"/>
+              <a:t>2</a:t>
+            </a:fld>
             <a:endParaRPr lang="pt-BR"/>
           </a:p>
         </p:txBody>
@@ -4176,7 +6978,7 @@
         </p:nvSpPr>
         <p:spPr>
           <a:xfrm>
-            <a:off x="0" y="558622"/>
+            <a:off x="1" y="558622"/>
             <a:ext cx="6626942" cy="1028020"/>
           </a:xfrm>
           <a:prstGeom prst="flowChartProcess">
@@ -4739,6 +7541,35 @@
           </a:extLst>
         </p:spPr>
       </p:pic>
+      <p:sp>
+        <p:nvSpPr>
+          <p:cNvPr id="6" name="Espaço Reservado para Número de Slide 5">
+            <a:extLst>
+              <a:ext uri="{FF2B5EF4-FFF2-40B4-BE49-F238E27FC236}">
+                <a16:creationId xmlns:a16="http://schemas.microsoft.com/office/drawing/2014/main" id="{6681B727-BBD5-1A24-6DF9-A6EF49378931}"/>
+              </a:ext>
+            </a:extLst>
+          </p:cNvPr>
+          <p:cNvSpPr>
+            <a:spLocks noGrp="1"/>
+          </p:cNvSpPr>
+          <p:nvPr>
+            <p:ph type="sldNum" sz="quarter" idx="12"/>
+          </p:nvPr>
+        </p:nvSpPr>
+        <p:spPr/>
+        <p:txBody>
+          <a:bodyPr/>
+          <a:lstStyle/>
+          <a:p>
+            <a:fld id="{2243CA19-97DB-4D2D-811E-0B8A28CCB4AF}" type="slidenum">
+              <a:rPr lang="pt-BR" smtClean="0"/>
+              <a:t>3</a:t>
+            </a:fld>
+            <a:endParaRPr lang="pt-BR"/>
+          </a:p>
+        </p:txBody>
+      </p:sp>
     </p:spTree>
     <p:extLst>
       <p:ext uri="{BB962C8B-B14F-4D97-AF65-F5344CB8AC3E}">
@@ -5769,6 +8600,35 @@
           </a:fontRef>
         </p:style>
       </p:cxnSp>
+      <p:sp>
+        <p:nvSpPr>
+          <p:cNvPr id="2" name="Espaço Reservado para Número de Slide 1">
+            <a:extLst>
+              <a:ext uri="{FF2B5EF4-FFF2-40B4-BE49-F238E27FC236}">
+                <a16:creationId xmlns:a16="http://schemas.microsoft.com/office/drawing/2014/main" id="{1EC1CD6A-224E-4231-4961-15147E451A0B}"/>
+              </a:ext>
+            </a:extLst>
+          </p:cNvPr>
+          <p:cNvSpPr>
+            <a:spLocks noGrp="1"/>
+          </p:cNvSpPr>
+          <p:nvPr>
+            <p:ph type="sldNum" sz="quarter" idx="12"/>
+          </p:nvPr>
+        </p:nvSpPr>
+        <p:spPr/>
+        <p:txBody>
+          <a:bodyPr/>
+          <a:lstStyle/>
+          <a:p>
+            <a:fld id="{2243CA19-97DB-4D2D-811E-0B8A28CCB4AF}" type="slidenum">
+              <a:rPr lang="pt-BR" smtClean="0"/>
+              <a:t>4</a:t>
+            </a:fld>
+            <a:endParaRPr lang="pt-BR"/>
+          </a:p>
+        </p:txBody>
+      </p:sp>
     </p:spTree>
     <p:extLst>
       <p:ext uri="{BB962C8B-B14F-4D97-AF65-F5344CB8AC3E}">
@@ -6230,8 +9090,37 @@
               <a:rPr lang="pt-BR" sz="2600" dirty="0">
                 <a:latin typeface="Bahnschrift" panose="020B0502040204020203" pitchFamily="34" charset="0"/>
               </a:rPr>
-              <a:t>Demonstração da implementação (código):</a:t>
-            </a:r>
+              <a:t>Demonstração da implementação (código)</a:t>
+            </a:r>
+          </a:p>
+        </p:txBody>
+      </p:sp>
+      <p:sp>
+        <p:nvSpPr>
+          <p:cNvPr id="2" name="Espaço Reservado para Número de Slide 1">
+            <a:extLst>
+              <a:ext uri="{FF2B5EF4-FFF2-40B4-BE49-F238E27FC236}">
+                <a16:creationId xmlns:a16="http://schemas.microsoft.com/office/drawing/2014/main" id="{7A4A1B09-A853-822D-28C1-55FA88C8D272}"/>
+              </a:ext>
+            </a:extLst>
+          </p:cNvPr>
+          <p:cNvSpPr>
+            <a:spLocks noGrp="1"/>
+          </p:cNvSpPr>
+          <p:nvPr>
+            <p:ph type="sldNum" sz="quarter" idx="12"/>
+          </p:nvPr>
+        </p:nvSpPr>
+        <p:spPr/>
+        <p:txBody>
+          <a:bodyPr/>
+          <a:lstStyle/>
+          <a:p>
+            <a:fld id="{2243CA19-97DB-4D2D-811E-0B8A28CCB4AF}" type="slidenum">
+              <a:rPr lang="pt-BR" smtClean="0"/>
+              <a:t>5</a:t>
+            </a:fld>
+            <a:endParaRPr lang="pt-BR"/>
           </a:p>
         </p:txBody>
       </p:sp>
@@ -6618,7 +9507,7 @@
               <a:rPr lang="pt-BR" sz="2600" dirty="0">
                 <a:latin typeface="Bahnschrift" panose="020B0502040204020203" pitchFamily="34" charset="0"/>
               </a:rPr>
-              <a:t>Demonstração da implementação (código):</a:t>
+              <a:t>Demonstração da implementação (código)</a:t>
             </a:r>
           </a:p>
         </p:txBody>
@@ -7010,7 +9899,7 @@
           </a:bodyPr>
           <a:lstStyle/>
           <a:p>
-            <a:pPr marL="285750" indent="-285750">
+            <a:pPr marL="285750" indent="-285750" algn="just">
               <a:buFont typeface="Arial" panose="020B0604020202020204" pitchFamily="34" charset="0"/>
               <a:buChar char="•"/>
             </a:pPr>
@@ -7061,7 +9950,7 @@
         </p:nvSpPr>
         <p:spPr>
           <a:xfrm>
-            <a:off x="205152" y="3373120"/>
+            <a:off x="205153" y="3478888"/>
             <a:ext cx="9365567" cy="338554"/>
           </a:xfrm>
           <a:prstGeom prst="rect">
@@ -7075,7 +9964,7 @@
           </a:bodyPr>
           <a:lstStyle/>
           <a:p>
-            <a:pPr marL="285750" indent="-285750">
+            <a:pPr marL="285750" indent="-285750" algn="just">
               <a:buFont typeface="Arial" panose="020B0604020202020204" pitchFamily="34" charset="0"/>
               <a:buChar char="•"/>
             </a:pPr>
@@ -7114,7 +10003,7 @@
         </p:nvSpPr>
         <p:spPr>
           <a:xfrm>
-            <a:off x="507999" y="3711674"/>
+            <a:off x="508000" y="3817442"/>
             <a:ext cx="6289041" cy="369332"/>
           </a:xfrm>
           <a:prstGeom prst="rect">
@@ -7229,7 +10118,7 @@
                 <a:effectLst/>
                 <a:latin typeface="JetBrains Mono"/>
               </a:rPr>
-              <a:t>; i++) { ...</a:t>
+              <a:t>; i++) { ... }</a:t>
             </a:r>
           </a:p>
         </p:txBody>
@@ -7248,7 +10137,7 @@
         </p:nvSpPr>
         <p:spPr>
           <a:xfrm>
-            <a:off x="205152" y="4081006"/>
+            <a:off x="205153" y="4299178"/>
             <a:ext cx="9365567" cy="584775"/>
           </a:xfrm>
           <a:prstGeom prst="rect">
@@ -7262,7 +10151,7 @@
           </a:bodyPr>
           <a:lstStyle/>
           <a:p>
-            <a:pPr marL="285750" indent="-285750">
+            <a:pPr marL="285750" indent="-285750" algn="just">
               <a:buFont typeface="Arial" panose="020B0604020202020204" pitchFamily="34" charset="0"/>
               <a:buChar char="•"/>
             </a:pPr>
@@ -7290,6 +10179,149 @@
               </a:rPr>
               <a:t> guarda o valor que será comparado e inserido na parte ordenada do vetor.</a:t>
             </a:r>
+          </a:p>
+        </p:txBody>
+      </p:sp>
+      <p:sp>
+        <p:nvSpPr>
+          <p:cNvPr id="3" name="CaixaDeTexto 2">
+            <a:extLst>
+              <a:ext uri="{FF2B5EF4-FFF2-40B4-BE49-F238E27FC236}">
+                <a16:creationId xmlns:a16="http://schemas.microsoft.com/office/drawing/2014/main" id="{68BAA310-71A1-DBAF-33E9-78F7BBF8C297}"/>
+              </a:ext>
+            </a:extLst>
+          </p:cNvPr>
+          <p:cNvSpPr txBox="1"/>
+          <p:nvPr/>
+        </p:nvSpPr>
+        <p:spPr>
+          <a:xfrm>
+            <a:off x="508000" y="4841289"/>
+            <a:ext cx="6289041" cy="646331"/>
+          </a:xfrm>
+          <a:prstGeom prst="rect">
+            <a:avLst/>
+          </a:prstGeom>
+          <a:noFill/>
+        </p:spPr>
+        <p:txBody>
+          <a:bodyPr wrap="square">
+            <a:spAutoFit/>
+          </a:bodyPr>
+          <a:lstStyle/>
+          <a:p>
+            <a:pPr>
+              <a:buNone/>
+            </a:pPr>
+            <a:r>
+              <a:rPr lang="pt-BR" dirty="0" err="1">
+                <a:solidFill>
+                  <a:srgbClr val="BCBEC4"/>
+                </a:solidFill>
+                <a:latin typeface="JetBrains Mono"/>
+              </a:rPr>
+              <a:t>aux</a:t>
+            </a:r>
+            <a:r>
+              <a:rPr lang="pt-BR" dirty="0">
+                <a:solidFill>
+                  <a:srgbClr val="BCBEC4"/>
+                </a:solidFill>
+                <a:latin typeface="JetBrains Mono"/>
+              </a:rPr>
+              <a:t> = vetor[i];</a:t>
+            </a:r>
+          </a:p>
+          <a:p>
+            <a:pPr>
+              <a:buNone/>
+            </a:pPr>
+            <a:r>
+              <a:rPr lang="pt-BR" dirty="0">
+                <a:solidFill>
+                  <a:srgbClr val="BCBEC4"/>
+                </a:solidFill>
+                <a:latin typeface="JetBrains Mono"/>
+              </a:rPr>
+              <a:t>j</a:t>
+            </a:r>
+            <a:r>
+              <a:rPr lang="pt-BR" dirty="0">
+                <a:solidFill>
+                  <a:srgbClr val="BCBEC4"/>
+                </a:solidFill>
+                <a:effectLst/>
+                <a:latin typeface="JetBrains Mono"/>
+              </a:rPr>
+              <a:t> = i -</a:t>
+            </a:r>
+            <a:r>
+              <a:rPr lang="pt-BR" dirty="0">
+                <a:solidFill>
+                  <a:srgbClr val="2AACB8"/>
+                </a:solidFill>
+                <a:latin typeface="JetBrains Mono"/>
+              </a:rPr>
+              <a:t> 1</a:t>
+            </a:r>
+            <a:r>
+              <a:rPr lang="pt-BR" dirty="0">
+                <a:solidFill>
+                  <a:srgbClr val="BCBEC4"/>
+                </a:solidFill>
+                <a:latin typeface="JetBrains Mono"/>
+              </a:rPr>
+              <a:t>;</a:t>
+            </a:r>
+            <a:r>
+              <a:rPr lang="pt-BR" dirty="0">
+                <a:solidFill>
+                  <a:schemeClr val="bg1">
+                    <a:lumMod val="75000"/>
+                  </a:schemeClr>
+                </a:solidFill>
+                <a:latin typeface="JetBrains Mono"/>
+              </a:rPr>
+              <a:t> // Está se referindo à posição anterior do elemento atual</a:t>
+            </a:r>
+            <a:endParaRPr lang="pt-BR" dirty="0">
+              <a:solidFill>
+                <a:schemeClr val="bg1">
+                  <a:lumMod val="75000"/>
+                </a:schemeClr>
+              </a:solidFill>
+              <a:effectLst/>
+              <a:latin typeface="JetBrains Mono"/>
+            </a:endParaRPr>
+          </a:p>
+        </p:txBody>
+      </p:sp>
+      <p:sp>
+        <p:nvSpPr>
+          <p:cNvPr id="9" name="Espaço Reservado para Número de Slide 8">
+            <a:extLst>
+              <a:ext uri="{FF2B5EF4-FFF2-40B4-BE49-F238E27FC236}">
+                <a16:creationId xmlns:a16="http://schemas.microsoft.com/office/drawing/2014/main" id="{324D7357-9692-5068-556B-9686839BCF0A}"/>
+              </a:ext>
+            </a:extLst>
+          </p:cNvPr>
+          <p:cNvSpPr>
+            <a:spLocks noGrp="1"/>
+          </p:cNvSpPr>
+          <p:nvPr>
+            <p:ph type="sldNum" sz="quarter" idx="12"/>
+          </p:nvPr>
+        </p:nvSpPr>
+        <p:spPr/>
+        <p:txBody>
+          <a:bodyPr/>
+          <a:lstStyle/>
+          <a:p>
+            <a:fld id="{2243CA19-97DB-4D2D-811E-0B8A28CCB4AF}" type="slidenum">
+              <a:rPr lang="pt-BR" smtClean="0"/>
+              <a:t>6</a:t>
+            </a:fld>
+            <a:endParaRPr lang="pt-BR"/>
           </a:p>
         </p:txBody>
       </p:sp>
@@ -7325,10 +10357,250 @@
       </p:grpSpPr>
       <p:sp>
         <p:nvSpPr>
-          <p:cNvPr id="2" name="Fluxograma: Processo 1">
-            <a:extLst>
-              <a:ext uri="{FF2B5EF4-FFF2-40B4-BE49-F238E27FC236}">
-                <a16:creationId xmlns:a16="http://schemas.microsoft.com/office/drawing/2014/main" id="{9C0C5F46-CFF2-29D2-FD0B-F302D8D55A1D}"/>
+          <p:cNvPr id="2" name="Fluxograma: Preparação 1">
+            <a:extLst>
+              <a:ext uri="{FF2B5EF4-FFF2-40B4-BE49-F238E27FC236}">
+                <a16:creationId xmlns:a16="http://schemas.microsoft.com/office/drawing/2014/main" id="{94F17C3D-D7B0-3697-547C-721CA66070C1}"/>
+              </a:ext>
+            </a:extLst>
+          </p:cNvPr>
+          <p:cNvSpPr/>
+          <p:nvPr/>
+        </p:nvSpPr>
+        <p:spPr>
+          <a:xfrm rot="737988">
+            <a:off x="10269416" y="253495"/>
+            <a:ext cx="4309662" cy="4009401"/>
+          </a:xfrm>
+          <a:prstGeom prst="flowChartPreparation">
+            <a:avLst/>
+          </a:prstGeom>
+          <a:noFill/>
+          <a:ln>
+            <a:solidFill>
+              <a:schemeClr val="tx2">
+                <a:lumMod val="25000"/>
+                <a:lumOff val="75000"/>
+              </a:schemeClr>
+            </a:solidFill>
+          </a:ln>
+          <a:effectLst>
+            <a:outerShdw blurRad="50800" dist="38100" dir="10800000" algn="r" rotWithShape="0">
+              <a:prstClr val="black">
+                <a:alpha val="40000"/>
+              </a:prstClr>
+            </a:outerShdw>
+          </a:effectLst>
+        </p:spPr>
+        <p:style>
+          <a:lnRef idx="2">
+            <a:schemeClr val="accent1">
+              <a:shade val="15000"/>
+            </a:schemeClr>
+          </a:lnRef>
+          <a:fillRef idx="1">
+            <a:schemeClr val="accent1"/>
+          </a:fillRef>
+          <a:effectRef idx="0">
+            <a:schemeClr val="accent1"/>
+          </a:effectRef>
+          <a:fontRef idx="minor">
+            <a:schemeClr val="lt1"/>
+          </a:fontRef>
+        </p:style>
+        <p:txBody>
+          <a:bodyPr rtlCol="0" anchor="ctr"/>
+          <a:lstStyle/>
+          <a:p>
+            <a:pPr algn="ctr"/>
+            <a:endParaRPr lang="pt-BR" dirty="0"/>
+          </a:p>
+        </p:txBody>
+      </p:sp>
+      <p:sp>
+        <p:nvSpPr>
+          <p:cNvPr id="3" name="Fluxograma: Preparação 2">
+            <a:extLst>
+              <a:ext uri="{FF2B5EF4-FFF2-40B4-BE49-F238E27FC236}">
+                <a16:creationId xmlns:a16="http://schemas.microsoft.com/office/drawing/2014/main" id="{F039B439-7F5F-ECC5-9007-E67C01244070}"/>
+              </a:ext>
+            </a:extLst>
+          </p:cNvPr>
+          <p:cNvSpPr/>
+          <p:nvPr/>
+        </p:nvSpPr>
+        <p:spPr>
+          <a:xfrm rot="1399103">
+            <a:off x="9867481" y="2159375"/>
+            <a:ext cx="4309662" cy="4009401"/>
+          </a:xfrm>
+          <a:prstGeom prst="flowChartPreparation">
+            <a:avLst/>
+          </a:prstGeom>
+          <a:noFill/>
+          <a:ln>
+            <a:solidFill>
+              <a:schemeClr val="tx2">
+                <a:lumMod val="25000"/>
+                <a:lumOff val="75000"/>
+              </a:schemeClr>
+            </a:solidFill>
+          </a:ln>
+          <a:effectLst>
+            <a:outerShdw blurRad="50800" dist="38100" dir="10800000" algn="r" rotWithShape="0">
+              <a:prstClr val="black">
+                <a:alpha val="40000"/>
+              </a:prstClr>
+            </a:outerShdw>
+          </a:effectLst>
+        </p:spPr>
+        <p:style>
+          <a:lnRef idx="2">
+            <a:schemeClr val="accent1">
+              <a:shade val="15000"/>
+            </a:schemeClr>
+          </a:lnRef>
+          <a:fillRef idx="1">
+            <a:schemeClr val="accent1"/>
+          </a:fillRef>
+          <a:effectRef idx="0">
+            <a:schemeClr val="accent1"/>
+          </a:effectRef>
+          <a:fontRef idx="minor">
+            <a:schemeClr val="lt1"/>
+          </a:fontRef>
+        </p:style>
+        <p:txBody>
+          <a:bodyPr rtlCol="0" anchor="ctr"/>
+          <a:lstStyle/>
+          <a:p>
+            <a:pPr algn="ctr"/>
+            <a:endParaRPr lang="pt-BR" dirty="0"/>
+          </a:p>
+        </p:txBody>
+      </p:sp>
+      <p:sp>
+        <p:nvSpPr>
+          <p:cNvPr id="4" name="Título 1">
+            <a:extLst>
+              <a:ext uri="{FF2B5EF4-FFF2-40B4-BE49-F238E27FC236}">
+                <a16:creationId xmlns:a16="http://schemas.microsoft.com/office/drawing/2014/main" id="{847A0ADE-FD97-5449-EBA7-437E7F008109}"/>
+              </a:ext>
+            </a:extLst>
+          </p:cNvPr>
+          <p:cNvSpPr txBox="1">
+            <a:spLocks/>
+          </p:cNvSpPr>
+          <p:nvPr/>
+        </p:nvSpPr>
+        <p:spPr>
+          <a:xfrm>
+            <a:off x="3313471" y="6435352"/>
+            <a:ext cx="5667270" cy="676648"/>
+          </a:xfrm>
+          <a:prstGeom prst="rect">
+            <a:avLst/>
+          </a:prstGeom>
+        </p:spPr>
+        <p:txBody>
+          <a:bodyPr vert="horz" lIns="91440" tIns="45720" rIns="91440" bIns="45720" rtlCol="0" anchor="b">
+            <a:normAutofit/>
+          </a:bodyPr>
+          <a:lstStyle>
+            <a:lvl1pPr algn="ctr" defTabSz="914400" rtl="0" eaLnBrk="1" latinLnBrk="0" hangingPunct="1">
+              <a:lnSpc>
+                <a:spcPct val="90000"/>
+              </a:lnSpc>
+              <a:spcBef>
+                <a:spcPct val="0"/>
+              </a:spcBef>
+              <a:buNone/>
+              <a:defRPr sz="6000" kern="1200">
+                <a:solidFill>
+                  <a:schemeClr val="tx1"/>
+                </a:solidFill>
+                <a:latin typeface="+mj-lt"/>
+                <a:ea typeface="+mj-ea"/>
+                <a:cs typeface="+mj-cs"/>
+              </a:defRPr>
+            </a:lvl1pPr>
+          </a:lstStyle>
+          <a:p>
+            <a:r>
+              <a:rPr lang="pt-BR" sz="1600" dirty="0">
+                <a:latin typeface="Book Antiqua" panose="02040602050305030304" pitchFamily="18" charset="0"/>
+              </a:rPr>
+              <a:t>Uni Einstein ∙ Estrutura de Dados ∙ 2ª Avaliação Formativa</a:t>
+            </a:r>
+          </a:p>
+          <a:p>
+            <a:endParaRPr lang="pt-BR" sz="2000" dirty="0">
+              <a:latin typeface="Book Antiqua" panose="02040602050305030304" pitchFamily="18" charset="0"/>
+            </a:endParaRPr>
+          </a:p>
+        </p:txBody>
+      </p:sp>
+      <p:sp>
+        <p:nvSpPr>
+          <p:cNvPr id="5" name="Retângulo 4">
+            <a:extLst>
+              <a:ext uri="{FF2B5EF4-FFF2-40B4-BE49-F238E27FC236}">
+                <a16:creationId xmlns:a16="http://schemas.microsoft.com/office/drawing/2014/main" id="{9C4A0569-0D70-416E-08DC-350B68A0B59E}"/>
+              </a:ext>
+            </a:extLst>
+          </p:cNvPr>
+          <p:cNvSpPr/>
+          <p:nvPr/>
+        </p:nvSpPr>
+        <p:spPr>
+          <a:xfrm>
+            <a:off x="3313471" y="6435352"/>
+            <a:ext cx="5667270" cy="914400"/>
+          </a:xfrm>
+          <a:prstGeom prst="rect">
+            <a:avLst/>
+          </a:prstGeom>
+          <a:noFill/>
+          <a:ln>
+            <a:solidFill>
+              <a:schemeClr val="tx2">
+                <a:lumMod val="25000"/>
+                <a:lumOff val="75000"/>
+              </a:schemeClr>
+            </a:solidFill>
+          </a:ln>
+        </p:spPr>
+        <p:style>
+          <a:lnRef idx="2">
+            <a:schemeClr val="accent1">
+              <a:shade val="15000"/>
+            </a:schemeClr>
+          </a:lnRef>
+          <a:fillRef idx="1">
+            <a:schemeClr val="accent1"/>
+          </a:fillRef>
+          <a:effectRef idx="0">
+            <a:schemeClr val="accent1"/>
+          </a:effectRef>
+          <a:fontRef idx="minor">
+            <a:schemeClr val="lt1"/>
+          </a:fontRef>
+        </p:style>
+        <p:txBody>
+          <a:bodyPr rtlCol="0" anchor="ctr"/>
+          <a:lstStyle/>
+          <a:p>
+            <a:pPr algn="ctr"/>
+            <a:endParaRPr lang="pt-BR"/>
+          </a:p>
+        </p:txBody>
+      </p:sp>
+      <p:sp>
+        <p:nvSpPr>
+          <p:cNvPr id="6" name="Fluxograma: Processo 5">
+            <a:extLst>
+              <a:ext uri="{FF2B5EF4-FFF2-40B4-BE49-F238E27FC236}">
+                <a16:creationId xmlns:a16="http://schemas.microsoft.com/office/drawing/2014/main" id="{2BCD2F61-E722-4FFA-748F-C428C5F2E96F}"/>
               </a:ext>
             </a:extLst>
           </p:cNvPr>
@@ -7387,10 +10659,10 @@
       </p:sp>
       <p:sp>
         <p:nvSpPr>
-          <p:cNvPr id="3" name="Título 1">
-            <a:extLst>
-              <a:ext uri="{FF2B5EF4-FFF2-40B4-BE49-F238E27FC236}">
-                <a16:creationId xmlns:a16="http://schemas.microsoft.com/office/drawing/2014/main" id="{61D04CAD-D539-ABE4-5DC3-7D5D5775FF24}"/>
+          <p:cNvPr id="7" name="Título 1">
+            <a:extLst>
+              <a:ext uri="{FF2B5EF4-FFF2-40B4-BE49-F238E27FC236}">
+                <a16:creationId xmlns:a16="http://schemas.microsoft.com/office/drawing/2014/main" id="{895E7A40-2B39-BA3C-41D7-22EDC3BA56A5}"/>
               </a:ext>
             </a:extLst>
           </p:cNvPr>
@@ -7401,8 +10673,8 @@
         </p:nvSpPr>
         <p:spPr>
           <a:xfrm>
-            <a:off x="0" y="832516"/>
-            <a:ext cx="7415684" cy="866506"/>
+            <a:off x="0" y="852554"/>
+            <a:ext cx="6626942" cy="568643"/>
           </a:xfrm>
           <a:prstGeom prst="rect">
             <a:avLst/>
@@ -7434,19 +10706,759 @@
           <a:p>
             <a:r>
               <a:rPr lang="pt-BR" sz="2600" dirty="0">
+                <a:latin typeface="Bahnschrift" panose="020B0502040204020203" pitchFamily="34" charset="0"/>
+              </a:rPr>
+              <a:t>Demonstração da implementação (código)</a:t>
+            </a:r>
+          </a:p>
+        </p:txBody>
+      </p:sp>
+      <p:sp>
+        <p:nvSpPr>
+          <p:cNvPr id="8" name="Espaço Reservado para Conteúdo 2">
+            <a:extLst>
+              <a:ext uri="{FF2B5EF4-FFF2-40B4-BE49-F238E27FC236}">
+                <a16:creationId xmlns:a16="http://schemas.microsoft.com/office/drawing/2014/main" id="{7BE2EE4E-A449-1E2E-F076-8768CE9F2A0A}"/>
+              </a:ext>
+            </a:extLst>
+          </p:cNvPr>
+          <p:cNvSpPr txBox="1">
+            <a:spLocks/>
+          </p:cNvSpPr>
+          <p:nvPr/>
+        </p:nvSpPr>
+        <p:spPr>
+          <a:xfrm>
+            <a:off x="205155" y="1803812"/>
+            <a:ext cx="2980497" cy="378949"/>
+          </a:xfrm>
+          <a:prstGeom prst="rect">
+            <a:avLst/>
+          </a:prstGeom>
+        </p:spPr>
+        <p:txBody>
+          <a:bodyPr>
+            <a:normAutofit/>
+          </a:bodyPr>
+          <a:lstStyle>
+            <a:lvl1pPr marL="228600" indent="-228600" algn="l" defTabSz="914400" rtl="0" eaLnBrk="1" latinLnBrk="0" hangingPunct="1">
+              <a:lnSpc>
+                <a:spcPct val="90000"/>
+              </a:lnSpc>
+              <a:spcBef>
+                <a:spcPts val="1000"/>
+              </a:spcBef>
+              <a:buFont typeface="Arial" panose="020B0604020202020204" pitchFamily="34" charset="0"/>
+              <a:buChar char="•"/>
+              <a:defRPr sz="2800" kern="1200">
+                <a:solidFill>
+                  <a:schemeClr val="tx1"/>
+                </a:solidFill>
+                <a:latin typeface="+mn-lt"/>
+                <a:ea typeface="+mn-ea"/>
+                <a:cs typeface="+mn-cs"/>
+              </a:defRPr>
+            </a:lvl1pPr>
+            <a:lvl2pPr marL="685800" indent="-228600" algn="l" defTabSz="914400" rtl="0" eaLnBrk="1" latinLnBrk="0" hangingPunct="1">
+              <a:lnSpc>
+                <a:spcPct val="90000"/>
+              </a:lnSpc>
+              <a:spcBef>
+                <a:spcPts val="500"/>
+              </a:spcBef>
+              <a:buFont typeface="Arial" panose="020B0604020202020204" pitchFamily="34" charset="0"/>
+              <a:buChar char="•"/>
+              <a:defRPr sz="2400" kern="1200">
+                <a:solidFill>
+                  <a:schemeClr val="tx1"/>
+                </a:solidFill>
+                <a:latin typeface="+mn-lt"/>
+                <a:ea typeface="+mn-ea"/>
+                <a:cs typeface="+mn-cs"/>
+              </a:defRPr>
+            </a:lvl2pPr>
+            <a:lvl3pPr marL="1143000" indent="-228600" algn="l" defTabSz="914400" rtl="0" eaLnBrk="1" latinLnBrk="0" hangingPunct="1">
+              <a:lnSpc>
+                <a:spcPct val="90000"/>
+              </a:lnSpc>
+              <a:spcBef>
+                <a:spcPts val="500"/>
+              </a:spcBef>
+              <a:buFont typeface="Arial" panose="020B0604020202020204" pitchFamily="34" charset="0"/>
+              <a:buChar char="•"/>
+              <a:defRPr sz="2000" kern="1200">
+                <a:solidFill>
+                  <a:schemeClr val="tx1"/>
+                </a:solidFill>
+                <a:latin typeface="+mn-lt"/>
+                <a:ea typeface="+mn-ea"/>
+                <a:cs typeface="+mn-cs"/>
+              </a:defRPr>
+            </a:lvl3pPr>
+            <a:lvl4pPr marL="1600200" indent="-228600" algn="l" defTabSz="914400" rtl="0" eaLnBrk="1" latinLnBrk="0" hangingPunct="1">
+              <a:lnSpc>
+                <a:spcPct val="90000"/>
+              </a:lnSpc>
+              <a:spcBef>
+                <a:spcPts val="500"/>
+              </a:spcBef>
+              <a:buFont typeface="Arial" panose="020B0604020202020204" pitchFamily="34" charset="0"/>
+              <a:buChar char="•"/>
+              <a:defRPr sz="1800" kern="1200">
+                <a:solidFill>
+                  <a:schemeClr val="tx1"/>
+                </a:solidFill>
+                <a:latin typeface="+mn-lt"/>
+                <a:ea typeface="+mn-ea"/>
+                <a:cs typeface="+mn-cs"/>
+              </a:defRPr>
+            </a:lvl4pPr>
+            <a:lvl5pPr marL="2057400" indent="-228600" algn="l" defTabSz="914400" rtl="0" eaLnBrk="1" latinLnBrk="0" hangingPunct="1">
+              <a:lnSpc>
+                <a:spcPct val="90000"/>
+              </a:lnSpc>
+              <a:spcBef>
+                <a:spcPts val="500"/>
+              </a:spcBef>
+              <a:buFont typeface="Arial" panose="020B0604020202020204" pitchFamily="34" charset="0"/>
+              <a:buChar char="•"/>
+              <a:defRPr sz="1800" kern="1200">
+                <a:solidFill>
+                  <a:schemeClr val="tx1"/>
+                </a:solidFill>
+                <a:latin typeface="+mn-lt"/>
+                <a:ea typeface="+mn-ea"/>
+                <a:cs typeface="+mn-cs"/>
+              </a:defRPr>
+            </a:lvl5pPr>
+            <a:lvl6pPr marL="2514600" indent="-228600" algn="l" defTabSz="914400" rtl="0" eaLnBrk="1" latinLnBrk="0" hangingPunct="1">
+              <a:lnSpc>
+                <a:spcPct val="90000"/>
+              </a:lnSpc>
+              <a:spcBef>
+                <a:spcPts val="500"/>
+              </a:spcBef>
+              <a:buFont typeface="Arial" panose="020B0604020202020204" pitchFamily="34" charset="0"/>
+              <a:buChar char="•"/>
+              <a:defRPr sz="1800" kern="1200">
+                <a:solidFill>
+                  <a:schemeClr val="tx1"/>
+                </a:solidFill>
+                <a:latin typeface="+mn-lt"/>
+                <a:ea typeface="+mn-ea"/>
+                <a:cs typeface="+mn-cs"/>
+              </a:defRPr>
+            </a:lvl6pPr>
+            <a:lvl7pPr marL="2971800" indent="-228600" algn="l" defTabSz="914400" rtl="0" eaLnBrk="1" latinLnBrk="0" hangingPunct="1">
+              <a:lnSpc>
+                <a:spcPct val="90000"/>
+              </a:lnSpc>
+              <a:spcBef>
+                <a:spcPts val="500"/>
+              </a:spcBef>
+              <a:buFont typeface="Arial" panose="020B0604020202020204" pitchFamily="34" charset="0"/>
+              <a:buChar char="•"/>
+              <a:defRPr sz="1800" kern="1200">
+                <a:solidFill>
+                  <a:schemeClr val="tx1"/>
+                </a:solidFill>
+                <a:latin typeface="+mn-lt"/>
+                <a:ea typeface="+mn-ea"/>
+                <a:cs typeface="+mn-cs"/>
+              </a:defRPr>
+            </a:lvl7pPr>
+            <a:lvl8pPr marL="3429000" indent="-228600" algn="l" defTabSz="914400" rtl="0" eaLnBrk="1" latinLnBrk="0" hangingPunct="1">
+              <a:lnSpc>
+                <a:spcPct val="90000"/>
+              </a:lnSpc>
+              <a:spcBef>
+                <a:spcPts val="500"/>
+              </a:spcBef>
+              <a:buFont typeface="Arial" panose="020B0604020202020204" pitchFamily="34" charset="0"/>
+              <a:buChar char="•"/>
+              <a:defRPr sz="1800" kern="1200">
+                <a:solidFill>
+                  <a:schemeClr val="tx1"/>
+                </a:solidFill>
+                <a:latin typeface="+mn-lt"/>
+                <a:ea typeface="+mn-ea"/>
+                <a:cs typeface="+mn-cs"/>
+              </a:defRPr>
+            </a:lvl8pPr>
+            <a:lvl9pPr marL="3886200" indent="-228600" algn="l" defTabSz="914400" rtl="0" eaLnBrk="1" latinLnBrk="0" hangingPunct="1">
+              <a:lnSpc>
+                <a:spcPct val="90000"/>
+              </a:lnSpc>
+              <a:spcBef>
+                <a:spcPts val="500"/>
+              </a:spcBef>
+              <a:buFont typeface="Arial" panose="020B0604020202020204" pitchFamily="34" charset="0"/>
+              <a:buChar char="•"/>
+              <a:defRPr sz="1800" kern="1200">
+                <a:solidFill>
+                  <a:schemeClr val="tx1"/>
+                </a:solidFill>
+                <a:latin typeface="+mn-lt"/>
+                <a:ea typeface="+mn-ea"/>
+                <a:cs typeface="+mn-cs"/>
+              </a:defRPr>
+            </a:lvl9pPr>
+          </a:lstStyle>
+          <a:p>
+            <a:pPr marL="0" indent="0" algn="just">
+              <a:buFont typeface="Arial" panose="020B0604020202020204" pitchFamily="34" charset="0"/>
+              <a:buNone/>
+            </a:pPr>
+            <a:r>
+              <a:rPr lang="pt-BR" sz="1800" b="1" dirty="0"/>
+              <a:t>Explicação Passo a Passo:</a:t>
+            </a:r>
+            <a:endParaRPr lang="pt-BR" sz="1600" dirty="0">
+              <a:latin typeface="Book Antiqua" panose="02040602050305030304" pitchFamily="18" charset="0"/>
+            </a:endParaRPr>
+          </a:p>
+        </p:txBody>
+      </p:sp>
+      <p:sp>
+        <p:nvSpPr>
+          <p:cNvPr id="10" name="CaixaDeTexto 9">
+            <a:extLst>
+              <a:ext uri="{FF2B5EF4-FFF2-40B4-BE49-F238E27FC236}">
+                <a16:creationId xmlns:a16="http://schemas.microsoft.com/office/drawing/2014/main" id="{B1B39156-BD46-FABF-B05B-420FAF2DB642}"/>
+              </a:ext>
+            </a:extLst>
+          </p:cNvPr>
+          <p:cNvSpPr txBox="1"/>
+          <p:nvPr/>
+        </p:nvSpPr>
+        <p:spPr>
+          <a:xfrm>
+            <a:off x="205153" y="2157655"/>
+            <a:ext cx="9365567" cy="830997"/>
+          </a:xfrm>
+          <a:prstGeom prst="rect">
+            <a:avLst/>
+          </a:prstGeom>
+          <a:noFill/>
+        </p:spPr>
+        <p:txBody>
+          <a:bodyPr wrap="square">
+            <a:spAutoFit/>
+          </a:bodyPr>
+          <a:lstStyle/>
+          <a:p>
+            <a:pPr marL="285750" indent="-285750" algn="just">
+              <a:buFont typeface="Arial" panose="020B0604020202020204" pitchFamily="34" charset="0"/>
+              <a:buChar char="•"/>
+            </a:pPr>
+            <a:r>
+              <a:rPr lang="pt-BR" sz="1600" dirty="0">
                 <a:latin typeface="Book Antiqua" panose="02040602050305030304" pitchFamily="18" charset="0"/>
               </a:rPr>
-              <a:t>Analise e Complexidade do Código:</a:t>
-            </a:r>
-          </a:p>
-        </p:txBody>
-      </p:sp>
-      <p:sp>
-        <p:nvSpPr>
-          <p:cNvPr id="4" name="Fluxograma: Preparação 3">
-            <a:extLst>
-              <a:ext uri="{FF2B5EF4-FFF2-40B4-BE49-F238E27FC236}">
-                <a16:creationId xmlns:a16="http://schemas.microsoft.com/office/drawing/2014/main" id="{7D618DB7-19F4-58B1-782E-4E0E07946C19}"/>
+              <a:t>Busca da posição correta (</a:t>
+            </a:r>
+            <a:r>
+              <a:rPr lang="pt-BR" sz="1600" b="1" dirty="0" err="1">
+                <a:latin typeface="Book Antiqua" panose="02040602050305030304" pitchFamily="18" charset="0"/>
+              </a:rPr>
+              <a:t>while</a:t>
+            </a:r>
+            <a:r>
+              <a:rPr lang="pt-BR" sz="1600" dirty="0">
+                <a:latin typeface="Book Antiqua" panose="02040602050305030304" pitchFamily="18" charset="0"/>
+              </a:rPr>
+              <a:t>): Enquanto houver elementos maiores que </a:t>
+            </a:r>
+            <a:r>
+              <a:rPr lang="pt-BR" sz="1600" b="1" dirty="0" err="1">
+                <a:latin typeface="Book Antiqua" panose="02040602050305030304" pitchFamily="18" charset="0"/>
+              </a:rPr>
+              <a:t>aux</a:t>
+            </a:r>
+            <a:r>
+              <a:rPr lang="pt-BR" sz="1600" dirty="0">
+                <a:latin typeface="Book Antiqua" panose="02040602050305030304" pitchFamily="18" charset="0"/>
+              </a:rPr>
+              <a:t> à esquerda, eles são deslocados uma posição à frente. Em relação à variável </a:t>
+            </a:r>
+            <a:r>
+              <a:rPr lang="pt-BR" sz="1600" b="1" dirty="0">
+                <a:latin typeface="Book Antiqua" panose="02040602050305030304" pitchFamily="18" charset="0"/>
+              </a:rPr>
+              <a:t>j</a:t>
+            </a:r>
+            <a:r>
+              <a:rPr lang="pt-BR" sz="1600" dirty="0">
+                <a:latin typeface="Book Antiqua" panose="02040602050305030304" pitchFamily="18" charset="0"/>
+              </a:rPr>
+              <a:t>, ele descolará toda vez uma posição anterior, ou seja, quando ela chegar na posição </a:t>
+            </a:r>
+            <a:r>
+              <a:rPr lang="pt-BR" sz="1600" b="1" dirty="0">
+                <a:latin typeface="Book Antiqua" panose="02040602050305030304" pitchFamily="18" charset="0"/>
+              </a:rPr>
+              <a:t>-1</a:t>
+            </a:r>
+            <a:r>
+              <a:rPr lang="pt-BR" sz="1600" dirty="0">
+                <a:latin typeface="Book Antiqua" panose="02040602050305030304" pitchFamily="18" charset="0"/>
+              </a:rPr>
+              <a:t>, significa que ele chegou ao início do vetor.</a:t>
+            </a:r>
+          </a:p>
+        </p:txBody>
+      </p:sp>
+      <p:sp>
+        <p:nvSpPr>
+          <p:cNvPr id="11" name="CaixaDeTexto 10">
+            <a:extLst>
+              <a:ext uri="{FF2B5EF4-FFF2-40B4-BE49-F238E27FC236}">
+                <a16:creationId xmlns:a16="http://schemas.microsoft.com/office/drawing/2014/main" id="{D804B06F-08D4-2F2E-6D4A-130BEE9DA31E}"/>
+              </a:ext>
+            </a:extLst>
+          </p:cNvPr>
+          <p:cNvSpPr txBox="1"/>
+          <p:nvPr/>
+        </p:nvSpPr>
+        <p:spPr>
+          <a:xfrm>
+            <a:off x="205317" y="3429000"/>
+            <a:ext cx="9365567" cy="584775"/>
+          </a:xfrm>
+          <a:prstGeom prst="rect">
+            <a:avLst/>
+          </a:prstGeom>
+          <a:noFill/>
+        </p:spPr>
+        <p:txBody>
+          <a:bodyPr wrap="square">
+            <a:spAutoFit/>
+          </a:bodyPr>
+          <a:lstStyle/>
+          <a:p>
+            <a:pPr marL="285750" indent="-285750" algn="just">
+              <a:buFont typeface="Arial" panose="020B0604020202020204" pitchFamily="34" charset="0"/>
+              <a:buChar char="•"/>
+            </a:pPr>
+            <a:r>
+              <a:rPr lang="pt-BR" sz="1600" dirty="0">
+                <a:latin typeface="Book Antiqua" panose="02040602050305030304" pitchFamily="18" charset="0"/>
+              </a:rPr>
+              <a:t>Deslocar o valor anterior na posição correta: Se o valor da posição anterior for maior que à posição atual, ele deslocará esse mesmo valor para o próximo índice.</a:t>
+            </a:r>
+          </a:p>
+        </p:txBody>
+      </p:sp>
+      <p:sp>
+        <p:nvSpPr>
+          <p:cNvPr id="13" name="CaixaDeTexto 12">
+            <a:extLst>
+              <a:ext uri="{FF2B5EF4-FFF2-40B4-BE49-F238E27FC236}">
+                <a16:creationId xmlns:a16="http://schemas.microsoft.com/office/drawing/2014/main" id="{E6BB1463-CAAC-F78B-F38E-1306E3AE7856}"/>
+              </a:ext>
+            </a:extLst>
+          </p:cNvPr>
+          <p:cNvSpPr txBox="1"/>
+          <p:nvPr/>
+        </p:nvSpPr>
+        <p:spPr>
+          <a:xfrm>
+            <a:off x="205154" y="4874012"/>
+            <a:ext cx="9365567" cy="584775"/>
+          </a:xfrm>
+          <a:prstGeom prst="rect">
+            <a:avLst/>
+          </a:prstGeom>
+          <a:noFill/>
+        </p:spPr>
+        <p:txBody>
+          <a:bodyPr wrap="square">
+            <a:spAutoFit/>
+          </a:bodyPr>
+          <a:lstStyle/>
+          <a:p>
+            <a:pPr marL="285750" indent="-285750" algn="just">
+              <a:buFont typeface="Arial" panose="020B0604020202020204" pitchFamily="34" charset="0"/>
+              <a:buChar char="•"/>
+            </a:pPr>
+            <a:r>
+              <a:rPr lang="pt-BR" sz="1600" dirty="0">
+                <a:latin typeface="Book Antiqua" panose="02040602050305030304" pitchFamily="18" charset="0"/>
+              </a:rPr>
+              <a:t>Inserção do valor: Quando o local correto é encontrado, </a:t>
+            </a:r>
+            <a:r>
+              <a:rPr lang="pt-BR" sz="1600" b="1" dirty="0" err="1">
+                <a:latin typeface="Book Antiqua" panose="02040602050305030304" pitchFamily="18" charset="0"/>
+              </a:rPr>
+              <a:t>aux</a:t>
+            </a:r>
+            <a:r>
+              <a:rPr lang="pt-BR" sz="1600" dirty="0">
+                <a:latin typeface="Book Antiqua" panose="02040602050305030304" pitchFamily="18" charset="0"/>
+              </a:rPr>
+              <a:t> é colocado na posição </a:t>
+            </a:r>
+            <a:r>
+              <a:rPr lang="pt-BR" sz="1600" b="1" dirty="0">
+                <a:latin typeface="Book Antiqua" panose="02040602050305030304" pitchFamily="18" charset="0"/>
+              </a:rPr>
+              <a:t>j + 1</a:t>
+            </a:r>
+            <a:r>
+              <a:rPr lang="pt-BR" sz="1600" dirty="0">
+                <a:latin typeface="Book Antiqua" panose="02040602050305030304" pitchFamily="18" charset="0"/>
+              </a:rPr>
+              <a:t> (</a:t>
+            </a:r>
+            <a:r>
+              <a:rPr lang="pt-BR" sz="1600" b="1" dirty="0">
+                <a:latin typeface="Book Antiqua" panose="02040602050305030304" pitchFamily="18" charset="0"/>
+              </a:rPr>
+              <a:t>posição atual</a:t>
+            </a:r>
+            <a:r>
+              <a:rPr lang="pt-BR" sz="1600" dirty="0">
+                <a:latin typeface="Book Antiqua" panose="02040602050305030304" pitchFamily="18" charset="0"/>
+              </a:rPr>
+              <a:t>), mantendo a ordem crescente.</a:t>
+            </a:r>
+          </a:p>
+        </p:txBody>
+      </p:sp>
+      <p:sp>
+        <p:nvSpPr>
+          <p:cNvPr id="15" name="CaixaDeTexto 14">
+            <a:extLst>
+              <a:ext uri="{FF2B5EF4-FFF2-40B4-BE49-F238E27FC236}">
+                <a16:creationId xmlns:a16="http://schemas.microsoft.com/office/drawing/2014/main" id="{A859528D-3E64-B104-CEF1-C743E765CCD8}"/>
+              </a:ext>
+            </a:extLst>
+          </p:cNvPr>
+          <p:cNvSpPr txBox="1"/>
+          <p:nvPr/>
+        </p:nvSpPr>
+        <p:spPr>
+          <a:xfrm>
+            <a:off x="522067" y="2950511"/>
+            <a:ext cx="6289041" cy="369332"/>
+          </a:xfrm>
+          <a:prstGeom prst="rect">
+            <a:avLst/>
+          </a:prstGeom>
+          <a:noFill/>
+        </p:spPr>
+        <p:txBody>
+          <a:bodyPr wrap="square">
+            <a:spAutoFit/>
+          </a:bodyPr>
+          <a:lstStyle/>
+          <a:p>
+            <a:pPr>
+              <a:buNone/>
+            </a:pPr>
+            <a:r>
+              <a:rPr lang="pt-BR" dirty="0" err="1">
+                <a:solidFill>
+                  <a:srgbClr val="CF8E6D"/>
+                </a:solidFill>
+                <a:effectLst/>
+                <a:latin typeface="JetBrains Mono"/>
+              </a:rPr>
+              <a:t>while</a:t>
+            </a:r>
+            <a:r>
+              <a:rPr lang="pt-BR" dirty="0">
+                <a:solidFill>
+                  <a:srgbClr val="CF8E6D"/>
+                </a:solidFill>
+                <a:effectLst/>
+                <a:latin typeface="JetBrains Mono"/>
+              </a:rPr>
+              <a:t> </a:t>
+            </a:r>
+            <a:r>
+              <a:rPr lang="pt-BR" dirty="0">
+                <a:solidFill>
+                  <a:srgbClr val="BCBEC4"/>
+                </a:solidFill>
+                <a:effectLst/>
+                <a:latin typeface="JetBrains Mono"/>
+              </a:rPr>
+              <a:t>(j  &gt;= </a:t>
+            </a:r>
+            <a:r>
+              <a:rPr lang="pt-BR" dirty="0">
+                <a:solidFill>
+                  <a:srgbClr val="2AACB8"/>
+                </a:solidFill>
+                <a:latin typeface="JetBrains Mono"/>
+              </a:rPr>
+              <a:t>0</a:t>
+            </a:r>
+            <a:r>
+              <a:rPr lang="pt-BR" dirty="0">
+                <a:solidFill>
+                  <a:srgbClr val="BCBEC4"/>
+                </a:solidFill>
+                <a:latin typeface="JetBrains Mono"/>
+              </a:rPr>
+              <a:t> &amp;&amp; vetor[j] &gt; </a:t>
+            </a:r>
+            <a:r>
+              <a:rPr lang="pt-BR" dirty="0" err="1">
+                <a:solidFill>
+                  <a:srgbClr val="BCBEC4"/>
+                </a:solidFill>
+                <a:latin typeface="JetBrains Mono"/>
+              </a:rPr>
+              <a:t>aux</a:t>
+            </a:r>
+            <a:r>
+              <a:rPr lang="pt-BR" dirty="0">
+                <a:solidFill>
+                  <a:srgbClr val="BCBEC4"/>
+                </a:solidFill>
+                <a:effectLst/>
+                <a:latin typeface="JetBrains Mono"/>
+              </a:rPr>
+              <a:t>) { ... }</a:t>
+            </a:r>
+          </a:p>
+        </p:txBody>
+      </p:sp>
+      <p:sp>
+        <p:nvSpPr>
+          <p:cNvPr id="16" name="CaixaDeTexto 15">
+            <a:extLst>
+              <a:ext uri="{FF2B5EF4-FFF2-40B4-BE49-F238E27FC236}">
+                <a16:creationId xmlns:a16="http://schemas.microsoft.com/office/drawing/2014/main" id="{E168F92A-51F1-77C4-6872-390B478FF393}"/>
+              </a:ext>
+            </a:extLst>
+          </p:cNvPr>
+          <p:cNvSpPr txBox="1"/>
+          <p:nvPr/>
+        </p:nvSpPr>
+        <p:spPr>
+          <a:xfrm>
+            <a:off x="522232" y="3932307"/>
+            <a:ext cx="9048652" cy="923330"/>
+          </a:xfrm>
+          <a:prstGeom prst="rect">
+            <a:avLst/>
+          </a:prstGeom>
+          <a:noFill/>
+        </p:spPr>
+        <p:txBody>
+          <a:bodyPr wrap="square">
+            <a:spAutoFit/>
+          </a:bodyPr>
+          <a:lstStyle/>
+          <a:p>
+            <a:pPr>
+              <a:buNone/>
+            </a:pPr>
+            <a:r>
+              <a:rPr lang="pt-BR" dirty="0">
+                <a:solidFill>
+                  <a:srgbClr val="BCBEC4"/>
+                </a:solidFill>
+                <a:latin typeface="JetBrains Mono"/>
+              </a:rPr>
+              <a:t>vetor[j+1] = vetor[j];</a:t>
+            </a:r>
+          </a:p>
+          <a:p>
+            <a:pPr>
+              <a:buNone/>
+            </a:pPr>
+            <a:r>
+              <a:rPr lang="pt-BR" dirty="0">
+                <a:solidFill>
+                  <a:srgbClr val="BCBEC4"/>
+                </a:solidFill>
+                <a:latin typeface="JetBrains Mono"/>
+              </a:rPr>
+              <a:t>j--; </a:t>
+            </a:r>
+            <a:r>
+              <a:rPr lang="pt-BR" dirty="0">
+                <a:solidFill>
+                  <a:schemeClr val="bg1">
+                    <a:lumMod val="75000"/>
+                  </a:schemeClr>
+                </a:solidFill>
+                <a:latin typeface="JetBrains Mono"/>
+              </a:rPr>
+              <a:t>// Retorna o índice anterior do vetor, até chegar na posição -1 ou no valor que for menor que o valor atual </a:t>
+            </a:r>
+            <a:endParaRPr lang="pt-BR" dirty="0">
+              <a:solidFill>
+                <a:schemeClr val="bg1">
+                  <a:lumMod val="75000"/>
+                </a:schemeClr>
+              </a:solidFill>
+              <a:effectLst/>
+              <a:latin typeface="JetBrains Mono"/>
+            </a:endParaRPr>
+          </a:p>
+        </p:txBody>
+      </p:sp>
+      <p:sp>
+        <p:nvSpPr>
+          <p:cNvPr id="19" name="CaixaDeTexto 18">
+            <a:extLst>
+              <a:ext uri="{FF2B5EF4-FFF2-40B4-BE49-F238E27FC236}">
+                <a16:creationId xmlns:a16="http://schemas.microsoft.com/office/drawing/2014/main" id="{D51A1C1F-7FF6-AD90-38E9-1F88C02DD35E}"/>
+              </a:ext>
+            </a:extLst>
+          </p:cNvPr>
+          <p:cNvSpPr txBox="1"/>
+          <p:nvPr/>
+        </p:nvSpPr>
+        <p:spPr>
+          <a:xfrm>
+            <a:off x="522067" y="5458787"/>
+            <a:ext cx="6289041" cy="369332"/>
+          </a:xfrm>
+          <a:prstGeom prst="rect">
+            <a:avLst/>
+          </a:prstGeom>
+          <a:noFill/>
+        </p:spPr>
+        <p:txBody>
+          <a:bodyPr wrap="square">
+            <a:spAutoFit/>
+          </a:bodyPr>
+          <a:lstStyle/>
+          <a:p>
+            <a:pPr>
+              <a:buNone/>
+            </a:pPr>
+            <a:r>
+              <a:rPr lang="pt-BR" dirty="0">
+                <a:solidFill>
+                  <a:srgbClr val="BCBEC4"/>
+                </a:solidFill>
+                <a:latin typeface="JetBrains Mono"/>
+              </a:rPr>
+              <a:t>vetor[j+1] = </a:t>
+            </a:r>
+            <a:r>
+              <a:rPr lang="pt-BR" dirty="0" err="1">
+                <a:solidFill>
+                  <a:srgbClr val="BCBEC4"/>
+                </a:solidFill>
+                <a:latin typeface="JetBrains Mono"/>
+              </a:rPr>
+              <a:t>aux</a:t>
+            </a:r>
+            <a:r>
+              <a:rPr lang="pt-BR" dirty="0">
+                <a:solidFill>
+                  <a:srgbClr val="BCBEC4"/>
+                </a:solidFill>
+                <a:latin typeface="JetBrains Mono"/>
+              </a:rPr>
+              <a:t>;</a:t>
+            </a:r>
+          </a:p>
+        </p:txBody>
+      </p:sp>
+      <p:sp>
+        <p:nvSpPr>
+          <p:cNvPr id="20" name="Espaço Reservado para Número de Slide 19">
+            <a:extLst>
+              <a:ext uri="{FF2B5EF4-FFF2-40B4-BE49-F238E27FC236}">
+                <a16:creationId xmlns:a16="http://schemas.microsoft.com/office/drawing/2014/main" id="{C7465AC3-9DC8-7E31-A014-633F960857D8}"/>
+              </a:ext>
+            </a:extLst>
+          </p:cNvPr>
+          <p:cNvSpPr>
+            <a:spLocks noGrp="1"/>
+          </p:cNvSpPr>
+          <p:nvPr>
+            <p:ph type="sldNum" sz="quarter" idx="12"/>
+          </p:nvPr>
+        </p:nvSpPr>
+        <p:spPr/>
+        <p:txBody>
+          <a:bodyPr/>
+          <a:lstStyle/>
+          <a:p>
+            <a:fld id="{2243CA19-97DB-4D2D-811E-0B8A28CCB4AF}" type="slidenum">
+              <a:rPr lang="pt-BR" smtClean="0"/>
+              <a:t>7</a:t>
+            </a:fld>
+            <a:endParaRPr lang="pt-BR"/>
+          </a:p>
+        </p:txBody>
+      </p:sp>
+    </p:spTree>
+    <p:extLst>
+      <p:ext uri="{BB962C8B-B14F-4D97-AF65-F5344CB8AC3E}">
+        <p14:creationId xmlns:p14="http://schemas.microsoft.com/office/powerpoint/2010/main" val="4252374199"/>
+      </p:ext>
+    </p:extLst>
+  </p:cSld>
+  <p:clrMapOvr>
+    <a:masterClrMapping/>
+  </p:clrMapOvr>
+</p:sld>
+</file>
+
+<file path=ppt/slides/slide8.xml><?xml version="1.0" encoding="utf-8"?>
+<p:sld xmlns:a="http://schemas.openxmlformats.org/drawingml/2006/main" xmlns:r="http://schemas.openxmlformats.org/officeDocument/2006/relationships" xmlns:p="http://schemas.openxmlformats.org/presentationml/2006/main">
+  <p:cSld>
+    <p:spTree>
+      <p:nvGrpSpPr>
+        <p:cNvPr id="1" name=""/>
+        <p:cNvGrpSpPr/>
+        <p:nvPr/>
+      </p:nvGrpSpPr>
+      <p:grpSpPr>
+        <a:xfrm>
+          <a:off x="0" y="0"/>
+          <a:ext cx="0" cy="0"/>
+          <a:chOff x="0" y="0"/>
+          <a:chExt cx="0" cy="0"/>
+        </a:xfrm>
+      </p:grpSpPr>
+      <p:sp>
+        <p:nvSpPr>
+          <p:cNvPr id="2" name="Espaço Reservado para Número de Slide 1">
+            <a:extLst>
+              <a:ext uri="{FF2B5EF4-FFF2-40B4-BE49-F238E27FC236}">
+                <a16:creationId xmlns:a16="http://schemas.microsoft.com/office/drawing/2014/main" id="{60AF8E92-DB16-8E9A-A988-CA0ACE3D0C0F}"/>
+              </a:ext>
+            </a:extLst>
+          </p:cNvPr>
+          <p:cNvSpPr>
+            <a:spLocks noGrp="1"/>
+          </p:cNvSpPr>
+          <p:nvPr>
+            <p:ph type="sldNum" sz="quarter" idx="12"/>
+          </p:nvPr>
+        </p:nvSpPr>
+        <p:spPr/>
+        <p:txBody>
+          <a:bodyPr/>
+          <a:lstStyle/>
+          <a:p>
+            <a:fld id="{2243CA19-97DB-4D2D-811E-0B8A28CCB4AF}" type="slidenum">
+              <a:rPr lang="pt-BR" smtClean="0"/>
+              <a:t>8</a:t>
+            </a:fld>
+            <a:endParaRPr lang="pt-BR"/>
+          </a:p>
+        </p:txBody>
+      </p:sp>
+      <p:sp>
+        <p:nvSpPr>
+          <p:cNvPr id="3" name="Fluxograma: Preparação 2">
+            <a:extLst>
+              <a:ext uri="{FF2B5EF4-FFF2-40B4-BE49-F238E27FC236}">
+                <a16:creationId xmlns:a16="http://schemas.microsoft.com/office/drawing/2014/main" id="{76693D7F-C26D-E126-FB76-2D2563322952}"/>
               </a:ext>
             </a:extLst>
           </p:cNvPr>
@@ -7505,10 +11517,10 @@
       </p:sp>
       <p:sp>
         <p:nvSpPr>
-          <p:cNvPr id="5" name="Fluxograma: Preparação 4">
-            <a:extLst>
-              <a:ext uri="{FF2B5EF4-FFF2-40B4-BE49-F238E27FC236}">
-                <a16:creationId xmlns:a16="http://schemas.microsoft.com/office/drawing/2014/main" id="{71F94081-CE48-E10A-F83F-4A1B580AA3FB}"/>
+          <p:cNvPr id="4" name="Fluxograma: Preparação 3">
+            <a:extLst>
+              <a:ext uri="{FF2B5EF4-FFF2-40B4-BE49-F238E27FC236}">
+                <a16:creationId xmlns:a16="http://schemas.microsoft.com/office/drawing/2014/main" id="{8F609C68-5BEF-4422-64CB-DA2B8204D87C}"/>
               </a:ext>
             </a:extLst>
           </p:cNvPr>
@@ -7565,487 +11577,12 @@
           </a:p>
         </p:txBody>
       </p:sp>
-      <p:pic>
-        <p:nvPicPr>
-          <p:cNvPr id="9" name="Imagem 8">
-            <a:extLst>
-              <a:ext uri="{FF2B5EF4-FFF2-40B4-BE49-F238E27FC236}">
-                <a16:creationId xmlns:a16="http://schemas.microsoft.com/office/drawing/2014/main" id="{8B0EC218-5B98-1FD9-5D51-B881F735AC87}"/>
-              </a:ext>
-            </a:extLst>
-          </p:cNvPr>
-          <p:cNvPicPr>
-            <a:picLocks noChangeAspect="1"/>
-          </p:cNvPicPr>
-          <p:nvPr/>
-        </p:nvPicPr>
-        <p:blipFill>
-          <a:blip r:embed="rId2"/>
-          <a:stretch>
-            <a:fillRect/>
-          </a:stretch>
-        </p:blipFill>
-        <p:spPr>
-          <a:xfrm>
-            <a:off x="6883662" y="3011078"/>
-            <a:ext cx="2898308" cy="2283898"/>
-          </a:xfrm>
-          <a:prstGeom prst="rect">
-            <a:avLst/>
-          </a:prstGeom>
-        </p:spPr>
-      </p:pic>
-      <p:sp>
-        <p:nvSpPr>
-          <p:cNvPr id="14" name="Rectangle 2">
-            <a:extLst>
-              <a:ext uri="{FF2B5EF4-FFF2-40B4-BE49-F238E27FC236}">
-                <a16:creationId xmlns:a16="http://schemas.microsoft.com/office/drawing/2014/main" id="{DC2671E7-2A0E-9F0B-0276-6E2AF1AC6250}"/>
-              </a:ext>
-            </a:extLst>
-          </p:cNvPr>
-          <p:cNvSpPr>
-            <a:spLocks noChangeArrowheads="1"/>
-          </p:cNvSpPr>
-          <p:nvPr/>
-        </p:nvSpPr>
-        <p:spPr bwMode="auto">
-          <a:xfrm>
-            <a:off x="0" y="3031218"/>
-            <a:ext cx="6754761" cy="2308324"/>
-          </a:xfrm>
-          <a:prstGeom prst="rect">
-            <a:avLst/>
-          </a:prstGeom>
-          <a:noFill/>
-          <a:ln>
-            <a:noFill/>
-          </a:ln>
-          <a:effectLst/>
-          <a:extLst>
-            <a:ext uri="{909E8E84-426E-40DD-AFC4-6F175D3DCCD1}">
-              <a14:hiddenFill xmlns:a14="http://schemas.microsoft.com/office/drawing/2010/main">
-                <a:solidFill>
-                  <a:schemeClr val="accent1"/>
-                </a:solidFill>
-              </a14:hiddenFill>
-            </a:ext>
-            <a:ext uri="{91240B29-F687-4F45-9708-019B960494DF}">
-              <a14:hiddenLine xmlns:a14="http://schemas.microsoft.com/office/drawing/2010/main" w="9525">
-                <a:solidFill>
-                  <a:schemeClr val="tx1"/>
-                </a:solidFill>
-                <a:miter lim="800000"/>
-                <a:headEnd/>
-                <a:tailEnd/>
-              </a14:hiddenLine>
-            </a:ext>
-            <a:ext uri="{AF507438-7753-43E0-B8FC-AC1667EBCBE1}">
-              <a14:hiddenEffects xmlns:a14="http://schemas.microsoft.com/office/drawing/2010/main">
-                <a:effectLst>
-                  <a:outerShdw dist="35921" dir="2700000" algn="ctr" rotWithShape="0">
-                    <a:schemeClr val="bg2"/>
-                  </a:outerShdw>
-                </a:effectLst>
-              </a14:hiddenEffects>
-            </a:ext>
-          </a:extLst>
-        </p:spPr>
-        <p:txBody>
-          <a:bodyPr vert="horz" wrap="square" lIns="91440" tIns="45720" rIns="91440" bIns="45720" numCol="1" anchor="ctr" anchorCtr="0" compatLnSpc="1">
-            <a:prstTxWarp prst="textNoShape">
-              <a:avLst/>
-            </a:prstTxWarp>
-            <a:spAutoFit/>
-          </a:bodyPr>
-          <a:lstStyle/>
-          <a:p>
-            <a:pPr marL="0" marR="0" lvl="0" indent="0" algn="l" defTabSz="914400" rtl="0" eaLnBrk="0" fontAlgn="base" latinLnBrk="0" hangingPunct="0">
-              <a:lnSpc>
-                <a:spcPct val="100000"/>
-              </a:lnSpc>
-              <a:spcBef>
-                <a:spcPct val="0"/>
-              </a:spcBef>
-              <a:spcAft>
-                <a:spcPct val="0"/>
-              </a:spcAft>
-              <a:buClrTx/>
-              <a:buSzTx/>
-              <a:buFontTx/>
-              <a:buChar char="•"/>
-              <a:tabLst/>
-            </a:pPr>
-            <a:r>
-              <a:rPr kumimoji="0" lang="pt-BR" altLang="pt-BR" sz="1800" b="0" i="0" u="none" strike="noStrike" cap="none" normalizeH="0" baseline="0" dirty="0">
-                <a:ln>
-                  <a:noFill/>
-                </a:ln>
-                <a:solidFill>
-                  <a:schemeClr val="tx1"/>
-                </a:solidFill>
-                <a:effectLst/>
-                <a:latin typeface="Arial" panose="020B0604020202020204" pitchFamily="34" charset="0"/>
-              </a:rPr>
-              <a:t> </a:t>
-            </a:r>
-            <a:r>
-              <a:rPr kumimoji="0" lang="pt-BR" altLang="pt-BR" sz="1800" b="1" i="0" u="none" strike="noStrike" cap="none" normalizeH="0" baseline="0" dirty="0" err="1">
-                <a:ln>
-                  <a:noFill/>
-                </a:ln>
-                <a:solidFill>
-                  <a:schemeClr val="tx1"/>
-                </a:solidFill>
-                <a:effectLst/>
-                <a:latin typeface="Arial" panose="020B0604020202020204" pitchFamily="34" charset="0"/>
-              </a:rPr>
-              <a:t>Insertion</a:t>
-            </a:r>
-            <a:r>
-              <a:rPr kumimoji="0" lang="pt-BR" altLang="pt-BR" sz="1800" b="1" i="0" u="none" strike="noStrike" cap="none" normalizeH="0" baseline="0" dirty="0">
-                <a:ln>
-                  <a:noFill/>
-                </a:ln>
-                <a:solidFill>
-                  <a:schemeClr val="tx1"/>
-                </a:solidFill>
-                <a:effectLst/>
-                <a:latin typeface="Arial" panose="020B0604020202020204" pitchFamily="34" charset="0"/>
-              </a:rPr>
-              <a:t> </a:t>
-            </a:r>
-            <a:r>
-              <a:rPr kumimoji="0" lang="pt-BR" altLang="pt-BR" sz="1800" b="1" i="0" u="none" strike="noStrike" cap="none" normalizeH="0" baseline="0" dirty="0" err="1">
-                <a:ln>
-                  <a:noFill/>
-                </a:ln>
-                <a:solidFill>
-                  <a:schemeClr val="tx1"/>
-                </a:solidFill>
-                <a:effectLst/>
-                <a:latin typeface="Arial" panose="020B0604020202020204" pitchFamily="34" charset="0"/>
-              </a:rPr>
-              <a:t>Sort</a:t>
-            </a:r>
-            <a:r>
-              <a:rPr kumimoji="0" lang="pt-BR" altLang="pt-BR" sz="1800" b="0" i="0" u="none" strike="noStrike" cap="none" normalizeH="0" baseline="0" dirty="0">
-                <a:ln>
-                  <a:noFill/>
-                </a:ln>
-                <a:solidFill>
-                  <a:schemeClr val="tx1"/>
-                </a:solidFill>
-                <a:effectLst/>
-                <a:latin typeface="Arial" panose="020B0604020202020204" pitchFamily="34" charset="0"/>
-              </a:rPr>
-              <a:t> é </a:t>
-            </a:r>
-            <a:r>
-              <a:rPr kumimoji="0" lang="pt-BR" altLang="pt-BR" sz="1800" b="1" i="0" u="none" strike="noStrike" cap="none" normalizeH="0" baseline="0" dirty="0">
-                <a:ln>
-                  <a:noFill/>
-                </a:ln>
-                <a:solidFill>
-                  <a:schemeClr val="tx1"/>
-                </a:solidFill>
-                <a:effectLst/>
-                <a:latin typeface="Arial" panose="020B0604020202020204" pitchFamily="34" charset="0"/>
-              </a:rPr>
-              <a:t>mais eficiente</a:t>
-            </a:r>
-            <a:r>
-              <a:rPr kumimoji="0" lang="pt-BR" altLang="pt-BR" sz="1800" b="0" i="0" u="none" strike="noStrike" cap="none" normalizeH="0" baseline="0" dirty="0">
-                <a:ln>
-                  <a:noFill/>
-                </a:ln>
-                <a:solidFill>
-                  <a:schemeClr val="tx1"/>
-                </a:solidFill>
-                <a:effectLst/>
-                <a:latin typeface="Arial" panose="020B0604020202020204" pitchFamily="34" charset="0"/>
-              </a:rPr>
-              <a:t> que o </a:t>
-            </a:r>
-            <a:r>
-              <a:rPr kumimoji="0" lang="pt-BR" altLang="pt-BR" sz="1800" b="1" i="0" u="none" strike="noStrike" cap="none" normalizeH="0" baseline="0" dirty="0">
-                <a:ln>
-                  <a:noFill/>
-                </a:ln>
-                <a:solidFill>
-                  <a:schemeClr val="tx1"/>
-                </a:solidFill>
-                <a:effectLst/>
-                <a:latin typeface="Arial" panose="020B0604020202020204" pitchFamily="34" charset="0"/>
-              </a:rPr>
-              <a:t>Bubble </a:t>
-            </a:r>
-            <a:r>
-              <a:rPr kumimoji="0" lang="pt-BR" altLang="pt-BR" sz="1800" b="1" i="0" u="none" strike="noStrike" cap="none" normalizeH="0" baseline="0" dirty="0" err="1">
-                <a:ln>
-                  <a:noFill/>
-                </a:ln>
-                <a:solidFill>
-                  <a:schemeClr val="tx1"/>
-                </a:solidFill>
-                <a:effectLst/>
-                <a:latin typeface="Arial" panose="020B0604020202020204" pitchFamily="34" charset="0"/>
-              </a:rPr>
-              <a:t>Sort</a:t>
-            </a:r>
-            <a:r>
-              <a:rPr kumimoji="0" lang="pt-BR" altLang="pt-BR" sz="1800" b="0" i="0" u="none" strike="noStrike" cap="none" normalizeH="0" baseline="0" dirty="0">
-                <a:ln>
-                  <a:noFill/>
-                </a:ln>
-                <a:solidFill>
-                  <a:schemeClr val="tx1"/>
-                </a:solidFill>
-                <a:effectLst/>
-                <a:latin typeface="Arial" panose="020B0604020202020204" pitchFamily="34" charset="0"/>
-              </a:rPr>
-              <a:t> na maioria dos casos, especialmente quando os dados estão </a:t>
-            </a:r>
-            <a:r>
-              <a:rPr kumimoji="0" lang="pt-BR" altLang="pt-BR" sz="1800" b="1" i="0" u="none" strike="noStrike" cap="none" normalizeH="0" baseline="0" dirty="0">
-                <a:ln>
-                  <a:noFill/>
-                </a:ln>
-                <a:solidFill>
-                  <a:schemeClr val="tx1"/>
-                </a:solidFill>
-                <a:effectLst/>
-                <a:latin typeface="Arial" panose="020B0604020202020204" pitchFamily="34" charset="0"/>
-              </a:rPr>
-              <a:t>quase ordenados</a:t>
-            </a:r>
-            <a:r>
-              <a:rPr kumimoji="0" lang="pt-BR" altLang="pt-BR" sz="1800" b="0" i="0" u="none" strike="noStrike" cap="none" normalizeH="0" baseline="0" dirty="0">
-                <a:ln>
-                  <a:noFill/>
-                </a:ln>
-                <a:solidFill>
-                  <a:schemeClr val="tx1"/>
-                </a:solidFill>
-                <a:effectLst/>
-                <a:latin typeface="Arial" panose="020B0604020202020204" pitchFamily="34" charset="0"/>
-              </a:rPr>
-              <a:t>.</a:t>
-            </a:r>
-          </a:p>
-          <a:p>
-            <a:pPr marL="0" marR="0" lvl="0" indent="0" algn="l" defTabSz="914400" rtl="0" eaLnBrk="0" fontAlgn="base" latinLnBrk="0" hangingPunct="0">
-              <a:lnSpc>
-                <a:spcPct val="100000"/>
-              </a:lnSpc>
-              <a:spcBef>
-                <a:spcPct val="0"/>
-              </a:spcBef>
-              <a:spcAft>
-                <a:spcPct val="0"/>
-              </a:spcAft>
-              <a:buClrTx/>
-              <a:buSzTx/>
-              <a:buFontTx/>
-              <a:buChar char="•"/>
-              <a:tabLst/>
-            </a:pPr>
-            <a:r>
-              <a:rPr kumimoji="0" lang="pt-BR" altLang="pt-BR" sz="1800" b="0" i="0" u="none" strike="noStrike" cap="none" normalizeH="0" baseline="0" dirty="0">
-                <a:ln>
-                  <a:noFill/>
-                </a:ln>
-                <a:solidFill>
-                  <a:schemeClr val="tx1"/>
-                </a:solidFill>
-                <a:effectLst/>
-                <a:latin typeface="Arial" panose="020B0604020202020204" pitchFamily="34" charset="0"/>
-              </a:rPr>
-              <a:t> Ambos têm </a:t>
-            </a:r>
-            <a:r>
-              <a:rPr kumimoji="0" lang="pt-BR" altLang="pt-BR" sz="1800" b="1" i="0" u="none" strike="noStrike" cap="none" normalizeH="0" baseline="0" dirty="0">
-                <a:ln>
-                  <a:noFill/>
-                </a:ln>
-                <a:solidFill>
-                  <a:schemeClr val="tx1"/>
-                </a:solidFill>
-                <a:effectLst/>
-                <a:latin typeface="Arial" panose="020B0604020202020204" pitchFamily="34" charset="0"/>
-              </a:rPr>
-              <a:t>complexidade quadrática (O(n²))</a:t>
-            </a:r>
-            <a:r>
-              <a:rPr kumimoji="0" lang="pt-BR" altLang="pt-BR" sz="1800" b="0" i="0" u="none" strike="noStrike" cap="none" normalizeH="0" baseline="0" dirty="0">
-                <a:ln>
-                  <a:noFill/>
-                </a:ln>
-                <a:solidFill>
-                  <a:schemeClr val="tx1"/>
-                </a:solidFill>
-                <a:effectLst/>
-                <a:latin typeface="Arial" panose="020B0604020202020204" pitchFamily="34" charset="0"/>
-              </a:rPr>
-              <a:t>, mas o </a:t>
-            </a:r>
-            <a:r>
-              <a:rPr kumimoji="0" lang="pt-BR" altLang="pt-BR" sz="1800" b="1" i="0" u="none" strike="noStrike" cap="none" normalizeH="0" baseline="0" dirty="0" err="1">
-                <a:ln>
-                  <a:noFill/>
-                </a:ln>
-                <a:solidFill>
-                  <a:schemeClr val="tx1"/>
-                </a:solidFill>
-                <a:effectLst/>
-                <a:latin typeface="Arial" panose="020B0604020202020204" pitchFamily="34" charset="0"/>
-              </a:rPr>
-              <a:t>Insertion</a:t>
-            </a:r>
-            <a:r>
-              <a:rPr kumimoji="0" lang="pt-BR" altLang="pt-BR" sz="1800" b="1" i="0" u="none" strike="noStrike" cap="none" normalizeH="0" baseline="0" dirty="0">
-                <a:ln>
-                  <a:noFill/>
-                </a:ln>
-                <a:solidFill>
-                  <a:schemeClr val="tx1"/>
-                </a:solidFill>
-                <a:effectLst/>
-                <a:latin typeface="Arial" panose="020B0604020202020204" pitchFamily="34" charset="0"/>
-              </a:rPr>
-              <a:t> </a:t>
-            </a:r>
-            <a:r>
-              <a:rPr kumimoji="0" lang="pt-BR" altLang="pt-BR" sz="1800" b="1" i="0" u="none" strike="noStrike" cap="none" normalizeH="0" baseline="0" dirty="0" err="1">
-                <a:ln>
-                  <a:noFill/>
-                </a:ln>
-                <a:solidFill>
-                  <a:schemeClr val="tx1"/>
-                </a:solidFill>
-                <a:effectLst/>
-                <a:latin typeface="Arial" panose="020B0604020202020204" pitchFamily="34" charset="0"/>
-              </a:rPr>
-              <a:t>Sort</a:t>
-            </a:r>
-            <a:r>
-              <a:rPr kumimoji="0" lang="pt-BR" altLang="pt-BR" sz="1800" b="1" i="0" u="none" strike="noStrike" cap="none" normalizeH="0" baseline="0" dirty="0">
-                <a:ln>
-                  <a:noFill/>
-                </a:ln>
-                <a:solidFill>
-                  <a:schemeClr val="tx1"/>
-                </a:solidFill>
-                <a:effectLst/>
-                <a:latin typeface="Arial" panose="020B0604020202020204" pitchFamily="34" charset="0"/>
-              </a:rPr>
-              <a:t> faz menos trocas</a:t>
-            </a:r>
-            <a:r>
-              <a:rPr kumimoji="0" lang="pt-BR" altLang="pt-BR" sz="1800" b="0" i="0" u="none" strike="noStrike" cap="none" normalizeH="0" baseline="0" dirty="0">
-                <a:ln>
-                  <a:noFill/>
-                </a:ln>
-                <a:solidFill>
-                  <a:schemeClr val="tx1"/>
-                </a:solidFill>
-                <a:effectLst/>
-                <a:latin typeface="Arial" panose="020B0604020202020204" pitchFamily="34" charset="0"/>
-              </a:rPr>
-              <a:t>, o que o torna geralmente mais rápido.</a:t>
-            </a:r>
-          </a:p>
-          <a:p>
-            <a:pPr marL="0" marR="0" lvl="0" indent="0" algn="l" defTabSz="914400" rtl="0" eaLnBrk="0" fontAlgn="base" latinLnBrk="0" hangingPunct="0">
-              <a:lnSpc>
-                <a:spcPct val="100000"/>
-              </a:lnSpc>
-              <a:spcBef>
-                <a:spcPct val="0"/>
-              </a:spcBef>
-              <a:spcAft>
-                <a:spcPct val="0"/>
-              </a:spcAft>
-              <a:buClrTx/>
-              <a:buSzTx/>
-              <a:buFontTx/>
-              <a:buChar char="•"/>
-              <a:tabLst/>
-            </a:pPr>
-            <a:r>
-              <a:rPr kumimoji="0" lang="pt-BR" altLang="pt-BR" sz="1800" b="0" i="0" u="none" strike="noStrike" cap="none" normalizeH="0" baseline="0" dirty="0">
-                <a:ln>
-                  <a:noFill/>
-                </a:ln>
-                <a:solidFill>
-                  <a:schemeClr val="tx1"/>
-                </a:solidFill>
-                <a:effectLst/>
-                <a:latin typeface="Arial" panose="020B0604020202020204" pitchFamily="34" charset="0"/>
-              </a:rPr>
-              <a:t> Ambos são </a:t>
-            </a:r>
-            <a:r>
-              <a:rPr kumimoji="0" lang="pt-BR" altLang="pt-BR" sz="1800" b="1" i="0" u="none" strike="noStrike" cap="none" normalizeH="0" baseline="0" dirty="0">
-                <a:ln>
-                  <a:noFill/>
-                </a:ln>
-                <a:solidFill>
-                  <a:schemeClr val="tx1"/>
-                </a:solidFill>
-                <a:effectLst/>
-                <a:latin typeface="Arial" panose="020B0604020202020204" pitchFamily="34" charset="0"/>
-              </a:rPr>
-              <a:t>estáveis</a:t>
-            </a:r>
-            <a:r>
-              <a:rPr kumimoji="0" lang="pt-BR" altLang="pt-BR" sz="1800" b="0" i="0" u="none" strike="noStrike" cap="none" normalizeH="0" baseline="0" dirty="0">
-                <a:ln>
-                  <a:noFill/>
-                </a:ln>
-                <a:solidFill>
-                  <a:schemeClr val="tx1"/>
-                </a:solidFill>
-                <a:effectLst/>
-                <a:latin typeface="Arial" panose="020B0604020202020204" pitchFamily="34" charset="0"/>
-              </a:rPr>
-              <a:t> e </a:t>
-            </a:r>
-            <a:r>
-              <a:rPr kumimoji="0" lang="pt-BR" altLang="pt-BR" sz="1800" b="1" i="0" u="none" strike="noStrike" cap="none" normalizeH="0" baseline="0" dirty="0" err="1">
-                <a:ln>
-                  <a:noFill/>
-                </a:ln>
-                <a:solidFill>
-                  <a:schemeClr val="tx1"/>
-                </a:solidFill>
-                <a:effectLst/>
-                <a:latin typeface="Arial" panose="020B0604020202020204" pitchFamily="34" charset="0"/>
-              </a:rPr>
-              <a:t>in-place</a:t>
-            </a:r>
-            <a:r>
-              <a:rPr kumimoji="0" lang="pt-BR" altLang="pt-BR" sz="1800" b="0" i="0" u="none" strike="noStrike" cap="none" normalizeH="0" baseline="0" dirty="0">
-                <a:ln>
-                  <a:noFill/>
-                </a:ln>
-                <a:solidFill>
-                  <a:schemeClr val="tx1"/>
-                </a:solidFill>
-                <a:effectLst/>
-                <a:latin typeface="Arial" panose="020B0604020202020204" pitchFamily="34" charset="0"/>
-              </a:rPr>
-              <a:t>, ou seja, não precisam de memória extra significativa.</a:t>
-            </a:r>
-          </a:p>
-        </p:txBody>
-      </p:sp>
-      <p:sp>
-        <p:nvSpPr>
-          <p:cNvPr id="8" name="Título 1">
-            <a:extLst>
-              <a:ext uri="{FF2B5EF4-FFF2-40B4-BE49-F238E27FC236}">
-                <a16:creationId xmlns:a16="http://schemas.microsoft.com/office/drawing/2014/main" id="{B650AEC0-DFD2-06AA-4FD0-35AC0CD731FD}"/>
+      <p:sp>
+        <p:nvSpPr>
+          <p:cNvPr id="5" name="Título 1">
+            <a:extLst>
+              <a:ext uri="{FF2B5EF4-FFF2-40B4-BE49-F238E27FC236}">
+                <a16:creationId xmlns:a16="http://schemas.microsoft.com/office/drawing/2014/main" id="{CBAAD923-1F79-F326-398F-82181F61DD2B}"/>
               </a:ext>
             </a:extLst>
           </p:cNvPr>
@@ -8103,10 +11640,10 @@
       </p:sp>
       <p:sp>
         <p:nvSpPr>
-          <p:cNvPr id="10" name="Retângulo 9">
-            <a:extLst>
-              <a:ext uri="{FF2B5EF4-FFF2-40B4-BE49-F238E27FC236}">
-                <a16:creationId xmlns:a16="http://schemas.microsoft.com/office/drawing/2014/main" id="{DB33E9FB-3B50-C231-0594-3A165C08514D}"/>
+          <p:cNvPr id="6" name="Retângulo 5">
+            <a:extLst>
+              <a:ext uri="{FF2B5EF4-FFF2-40B4-BE49-F238E27FC236}">
+                <a16:creationId xmlns:a16="http://schemas.microsoft.com/office/drawing/2014/main" id="{35E436C3-FAA2-2E28-DA32-9EC4C38BAED3}"/>
               </a:ext>
             </a:extLst>
           </p:cNvPr>
@@ -8156,50 +11693,12 @@
           </a:p>
         </p:txBody>
       </p:sp>
-    </p:spTree>
-    <p:extLst>
-      <p:ext uri="{BB962C8B-B14F-4D97-AF65-F5344CB8AC3E}">
-        <p14:creationId xmlns:p14="http://schemas.microsoft.com/office/powerpoint/2010/main" val="2023873112"/>
-      </p:ext>
-    </p:extLst>
-  </p:cSld>
-  <p:clrMapOvr>
-    <a:masterClrMapping/>
-  </p:clrMapOvr>
-</p:sld>
-</file>
-
-<file path=ppt/slides/slide8.xml><?xml version="1.0" encoding="utf-8"?>
-<p:sld xmlns:a="http://schemas.openxmlformats.org/drawingml/2006/main" xmlns:r="http://schemas.openxmlformats.org/officeDocument/2006/relationships" xmlns:p="http://schemas.openxmlformats.org/presentationml/2006/main">
-  <p:cSld>
-    <p:bg>
-      <p:bgPr>
-        <a:solidFill>
-          <a:schemeClr val="bg1"/>
-        </a:solidFill>
-        <a:effectLst/>
-      </p:bgPr>
-    </p:bg>
-    <p:spTree>
-      <p:nvGrpSpPr>
-        <p:cNvPr id="1" name=""/>
-        <p:cNvGrpSpPr/>
-        <p:nvPr/>
-      </p:nvGrpSpPr>
-      <p:grpSpPr>
-        <a:xfrm>
-          <a:off x="0" y="0"/>
-          <a:ext cx="0" cy="0"/>
-          <a:chOff x="0" y="0"/>
-          <a:chExt cx="0" cy="0"/>
-        </a:xfrm>
-      </p:grpSpPr>
-      <p:sp>
-        <p:nvSpPr>
-          <p:cNvPr id="4" name="Fluxograma: Processo 3">
-            <a:extLst>
-              <a:ext uri="{FF2B5EF4-FFF2-40B4-BE49-F238E27FC236}">
-                <a16:creationId xmlns:a16="http://schemas.microsoft.com/office/drawing/2014/main" id="{9B97D85B-644B-0901-F985-07A1011F0885}"/>
+      <p:sp>
+        <p:nvSpPr>
+          <p:cNvPr id="7" name="Fluxograma: Processo 6">
+            <a:extLst>
+              <a:ext uri="{FF2B5EF4-FFF2-40B4-BE49-F238E27FC236}">
+                <a16:creationId xmlns:a16="http://schemas.microsoft.com/office/drawing/2014/main" id="{174CE2B2-F2D8-85FC-7FB3-2E0C280824E4}"/>
               </a:ext>
             </a:extLst>
           </p:cNvPr>
@@ -8258,10 +11757,125 @@
       </p:sp>
       <p:sp>
         <p:nvSpPr>
-          <p:cNvPr id="5" name="Fluxograma: Preparação 4">
-            <a:extLst>
-              <a:ext uri="{FF2B5EF4-FFF2-40B4-BE49-F238E27FC236}">
-                <a16:creationId xmlns:a16="http://schemas.microsoft.com/office/drawing/2014/main" id="{4C41A37E-4702-CD30-B5D3-941449D5AC3D}"/>
+          <p:cNvPr id="8" name="Título 1">
+            <a:extLst>
+              <a:ext uri="{FF2B5EF4-FFF2-40B4-BE49-F238E27FC236}">
+                <a16:creationId xmlns:a16="http://schemas.microsoft.com/office/drawing/2014/main" id="{5FE31B78-9593-F4C0-E786-FE222714B374}"/>
+              </a:ext>
+            </a:extLst>
+          </p:cNvPr>
+          <p:cNvSpPr txBox="1">
+            <a:spLocks/>
+          </p:cNvSpPr>
+          <p:nvPr/>
+        </p:nvSpPr>
+        <p:spPr>
+          <a:xfrm>
+            <a:off x="0" y="852554"/>
+            <a:ext cx="6626942" cy="568643"/>
+          </a:xfrm>
+          <a:prstGeom prst="rect">
+            <a:avLst/>
+          </a:prstGeom>
+        </p:spPr>
+        <p:txBody>
+          <a:bodyPr>
+            <a:normAutofit/>
+          </a:bodyPr>
+          <a:lstStyle>
+            <a:lvl1pPr algn="l" defTabSz="914400" rtl="0" eaLnBrk="1" latinLnBrk="0" hangingPunct="1">
+              <a:lnSpc>
+                <a:spcPct val="90000"/>
+              </a:lnSpc>
+              <a:spcBef>
+                <a:spcPct val="0"/>
+              </a:spcBef>
+              <a:buNone/>
+              <a:defRPr sz="4400" kern="1200">
+                <a:solidFill>
+                  <a:schemeClr val="tx1"/>
+                </a:solidFill>
+                <a:latin typeface="+mj-lt"/>
+                <a:ea typeface="+mj-ea"/>
+                <a:cs typeface="+mj-cs"/>
+              </a:defRPr>
+            </a:lvl1pPr>
+          </a:lstStyle>
+          <a:p>
+            <a:r>
+              <a:rPr lang="pt-BR" sz="2600" dirty="0">
+                <a:latin typeface="Bahnschrift" panose="020B0502040204020203" pitchFamily="34" charset="0"/>
+              </a:rPr>
+              <a:t>Demonstração da implementação (código)</a:t>
+            </a:r>
+          </a:p>
+        </p:txBody>
+      </p:sp>
+    </p:spTree>
+    <p:extLst>
+      <p:ext uri="{BB962C8B-B14F-4D97-AF65-F5344CB8AC3E}">
+        <p14:creationId xmlns:p14="http://schemas.microsoft.com/office/powerpoint/2010/main" val="479269926"/>
+      </p:ext>
+    </p:extLst>
+  </p:cSld>
+  <p:clrMapOvr>
+    <a:masterClrMapping/>
+  </p:clrMapOvr>
+</p:sld>
+</file>
+
+<file path=ppt/slides/slide9.xml><?xml version="1.0" encoding="utf-8"?>
+<p:sld xmlns:a="http://schemas.openxmlformats.org/drawingml/2006/main" xmlns:r="http://schemas.openxmlformats.org/officeDocument/2006/relationships" xmlns:p="http://schemas.openxmlformats.org/presentationml/2006/main">
+  <p:cSld>
+    <p:spTree>
+      <p:nvGrpSpPr>
+        <p:cNvPr id="1" name=""/>
+        <p:cNvGrpSpPr/>
+        <p:nvPr/>
+      </p:nvGrpSpPr>
+      <p:grpSpPr>
+        <a:xfrm>
+          <a:off x="0" y="0"/>
+          <a:ext cx="0" cy="0"/>
+          <a:chOff x="0" y="0"/>
+          <a:chExt cx="0" cy="0"/>
+        </a:xfrm>
+      </p:grpSpPr>
+      <p:sp>
+        <p:nvSpPr>
+          <p:cNvPr id="2" name="Espaço Reservado para Número de Slide 1">
+            <a:extLst>
+              <a:ext uri="{FF2B5EF4-FFF2-40B4-BE49-F238E27FC236}">
+                <a16:creationId xmlns:a16="http://schemas.microsoft.com/office/drawing/2014/main" id="{CE295768-11FE-ABD7-63F4-DEFA9D665636}"/>
+              </a:ext>
+            </a:extLst>
+          </p:cNvPr>
+          <p:cNvSpPr>
+            <a:spLocks noGrp="1"/>
+          </p:cNvSpPr>
+          <p:nvPr>
+            <p:ph type="sldNum" sz="quarter" idx="12"/>
+          </p:nvPr>
+        </p:nvSpPr>
+        <p:spPr/>
+        <p:txBody>
+          <a:bodyPr/>
+          <a:lstStyle/>
+          <a:p>
+            <a:fld id="{2243CA19-97DB-4D2D-811E-0B8A28CCB4AF}" type="slidenum">
+              <a:rPr lang="pt-BR" smtClean="0"/>
+              <a:t>9</a:t>
+            </a:fld>
+            <a:endParaRPr lang="pt-BR"/>
+          </a:p>
+        </p:txBody>
+      </p:sp>
+      <p:sp>
+        <p:nvSpPr>
+          <p:cNvPr id="3" name="Fluxograma: Preparação 2">
+            <a:extLst>
+              <a:ext uri="{FF2B5EF4-FFF2-40B4-BE49-F238E27FC236}">
+                <a16:creationId xmlns:a16="http://schemas.microsoft.com/office/drawing/2014/main" id="{3F23914B-0B7C-80D4-63BD-5FD136E9E75E}"/>
               </a:ext>
             </a:extLst>
           </p:cNvPr>
@@ -8320,10 +11934,10 @@
       </p:sp>
       <p:sp>
         <p:nvSpPr>
-          <p:cNvPr id="6" name="Fluxograma: Preparação 5">
-            <a:extLst>
-              <a:ext uri="{FF2B5EF4-FFF2-40B4-BE49-F238E27FC236}">
-                <a16:creationId xmlns:a16="http://schemas.microsoft.com/office/drawing/2014/main" id="{B9F12546-18B5-8694-8659-EB0CD2FAAD47}"/>
+          <p:cNvPr id="4" name="Fluxograma: Preparação 3">
+            <a:extLst>
+              <a:ext uri="{FF2B5EF4-FFF2-40B4-BE49-F238E27FC236}">
+                <a16:creationId xmlns:a16="http://schemas.microsoft.com/office/drawing/2014/main" id="{A8AF3540-7075-89FB-31BD-085EEB26CDCD}"/>
               </a:ext>
             </a:extLst>
           </p:cNvPr>
@@ -8382,47 +11996,10 @@
       </p:sp>
       <p:sp>
         <p:nvSpPr>
-          <p:cNvPr id="7" name="CaixaDeTexto 6">
-            <a:extLst>
-              <a:ext uri="{FF2B5EF4-FFF2-40B4-BE49-F238E27FC236}">
-                <a16:creationId xmlns:a16="http://schemas.microsoft.com/office/drawing/2014/main" id="{7C5CBA60-B836-802B-518D-FE6C912D5F13}"/>
-              </a:ext>
-            </a:extLst>
-          </p:cNvPr>
-          <p:cNvSpPr txBox="1"/>
-          <p:nvPr/>
-        </p:nvSpPr>
-        <p:spPr>
-          <a:xfrm>
-            <a:off x="210846" y="718689"/>
-            <a:ext cx="5195167" cy="707886"/>
-          </a:xfrm>
-          <a:prstGeom prst="rect">
-            <a:avLst/>
-          </a:prstGeom>
-          <a:noFill/>
-        </p:spPr>
-        <p:txBody>
-          <a:bodyPr wrap="square" rtlCol="0">
-            <a:spAutoFit/>
-          </a:bodyPr>
-          <a:lstStyle/>
-          <a:p>
-            <a:r>
-              <a:rPr lang="pt-BR" sz="4000" dirty="0">
-                <a:latin typeface="Book Antiqua" panose="02040602050305030304" pitchFamily="18" charset="0"/>
-              </a:rPr>
-              <a:t>Desabafo:</a:t>
-            </a:r>
-          </a:p>
-        </p:txBody>
-      </p:sp>
-      <p:sp>
-        <p:nvSpPr>
-          <p:cNvPr id="2" name="Título 1">
-            <a:extLst>
-              <a:ext uri="{FF2B5EF4-FFF2-40B4-BE49-F238E27FC236}">
-                <a16:creationId xmlns:a16="http://schemas.microsoft.com/office/drawing/2014/main" id="{7C799708-998A-3C56-C9EE-C1E0AC2C955A}"/>
+          <p:cNvPr id="5" name="Título 1">
+            <a:extLst>
+              <a:ext uri="{FF2B5EF4-FFF2-40B4-BE49-F238E27FC236}">
+                <a16:creationId xmlns:a16="http://schemas.microsoft.com/office/drawing/2014/main" id="{76600184-BF93-6FF1-0031-E54C2BC931E1}"/>
               </a:ext>
             </a:extLst>
           </p:cNvPr>
@@ -8480,10 +12057,10 @@
       </p:sp>
       <p:sp>
         <p:nvSpPr>
-          <p:cNvPr id="8" name="Retângulo 7">
-            <a:extLst>
-              <a:ext uri="{FF2B5EF4-FFF2-40B4-BE49-F238E27FC236}">
-                <a16:creationId xmlns:a16="http://schemas.microsoft.com/office/drawing/2014/main" id="{5C64D8DC-04EF-8679-7042-6DC15B9680FD}"/>
+          <p:cNvPr id="6" name="Retângulo 5">
+            <a:extLst>
+              <a:ext uri="{FF2B5EF4-FFF2-40B4-BE49-F238E27FC236}">
+                <a16:creationId xmlns:a16="http://schemas.microsoft.com/office/drawing/2014/main" id="{1591DE2F-1DAB-4B74-2061-BC99FF896009}"/>
               </a:ext>
             </a:extLst>
           </p:cNvPr>
@@ -8533,10 +12110,128 @@
           </a:p>
         </p:txBody>
       </p:sp>
+      <p:sp>
+        <p:nvSpPr>
+          <p:cNvPr id="7" name="Fluxograma: Processo 6">
+            <a:extLst>
+              <a:ext uri="{FF2B5EF4-FFF2-40B4-BE49-F238E27FC236}">
+                <a16:creationId xmlns:a16="http://schemas.microsoft.com/office/drawing/2014/main" id="{04856EE2-9FDE-44DC-65AA-6621CE40C793}"/>
+              </a:ext>
+            </a:extLst>
+          </p:cNvPr>
+          <p:cNvSpPr/>
+          <p:nvPr/>
+        </p:nvSpPr>
+        <p:spPr>
+          <a:xfrm>
+            <a:off x="0" y="558622"/>
+            <a:ext cx="6626942" cy="1028020"/>
+          </a:xfrm>
+          <a:prstGeom prst="flowChartProcess">
+            <a:avLst/>
+          </a:prstGeom>
+          <a:solidFill>
+            <a:schemeClr val="tx2">
+              <a:lumMod val="25000"/>
+              <a:lumOff val="75000"/>
+            </a:schemeClr>
+          </a:solidFill>
+          <a:ln>
+            <a:noFill/>
+          </a:ln>
+          <a:effectLst>
+            <a:outerShdw blurRad="50800" dist="38100" algn="l" rotWithShape="0">
+              <a:prstClr val="black">
+                <a:alpha val="40000"/>
+              </a:prstClr>
+            </a:outerShdw>
+          </a:effectLst>
+        </p:spPr>
+        <p:style>
+          <a:lnRef idx="2">
+            <a:schemeClr val="accent1">
+              <a:shade val="15000"/>
+            </a:schemeClr>
+          </a:lnRef>
+          <a:fillRef idx="1">
+            <a:schemeClr val="accent1"/>
+          </a:fillRef>
+          <a:effectRef idx="0">
+            <a:schemeClr val="accent1"/>
+          </a:effectRef>
+          <a:fontRef idx="minor">
+            <a:schemeClr val="lt1"/>
+          </a:fontRef>
+        </p:style>
+        <p:txBody>
+          <a:bodyPr rtlCol="0" anchor="ctr"/>
+          <a:lstStyle/>
+          <a:p>
+            <a:pPr algn="ctr"/>
+            <a:endParaRPr lang="pt-BR" dirty="0"/>
+          </a:p>
+        </p:txBody>
+      </p:sp>
+      <p:sp>
+        <p:nvSpPr>
+          <p:cNvPr id="8" name="Título 1">
+            <a:extLst>
+              <a:ext uri="{FF2B5EF4-FFF2-40B4-BE49-F238E27FC236}">
+                <a16:creationId xmlns:a16="http://schemas.microsoft.com/office/drawing/2014/main" id="{111273D1-D0B3-9B89-FBAF-B388E357FD65}"/>
+              </a:ext>
+            </a:extLst>
+          </p:cNvPr>
+          <p:cNvSpPr txBox="1">
+            <a:spLocks/>
+          </p:cNvSpPr>
+          <p:nvPr/>
+        </p:nvSpPr>
+        <p:spPr>
+          <a:xfrm>
+            <a:off x="0" y="852554"/>
+            <a:ext cx="6626942" cy="568643"/>
+          </a:xfrm>
+          <a:prstGeom prst="rect">
+            <a:avLst/>
+          </a:prstGeom>
+        </p:spPr>
+        <p:txBody>
+          <a:bodyPr>
+            <a:normAutofit fontScale="92500"/>
+          </a:bodyPr>
+          <a:lstStyle>
+            <a:lvl1pPr algn="l" defTabSz="914400" rtl="0" eaLnBrk="1" latinLnBrk="0" hangingPunct="1">
+              <a:lnSpc>
+                <a:spcPct val="90000"/>
+              </a:lnSpc>
+              <a:spcBef>
+                <a:spcPct val="0"/>
+              </a:spcBef>
+              <a:buNone/>
+              <a:defRPr sz="4400" kern="1200">
+                <a:solidFill>
+                  <a:schemeClr val="tx1"/>
+                </a:solidFill>
+                <a:latin typeface="+mj-lt"/>
+                <a:ea typeface="+mj-ea"/>
+                <a:cs typeface="+mj-cs"/>
+              </a:defRPr>
+            </a:lvl1pPr>
+          </a:lstStyle>
+          <a:p>
+            <a:r>
+              <a:rPr lang="pt-BR" sz="2600" dirty="0">
+                <a:latin typeface="Bahnschrift" panose="020B0502040204020203" pitchFamily="34" charset="0"/>
+              </a:rPr>
+              <a:t>Análise de Complexidade, Comparação e Uso</a:t>
+            </a:r>
+          </a:p>
+        </p:txBody>
+      </p:sp>
     </p:spTree>
     <p:extLst>
       <p:ext uri="{BB962C8B-B14F-4D97-AF65-F5344CB8AC3E}">
-        <p14:creationId xmlns:p14="http://schemas.microsoft.com/office/powerpoint/2010/main" val="4209202592"/>
+        <p14:creationId xmlns:p14="http://schemas.microsoft.com/office/powerpoint/2010/main" val="2798764503"/>
       </p:ext>
     </p:extLst>
   </p:cSld>
@@ -8859,4 +12554,319 @@
     </a:ext>
   </a:extLst>
 </a:theme>
+</file>
+
+<file path=ppt/theme/theme2.xml><?xml version="1.0" encoding="utf-8"?>
+<a:theme xmlns:a="http://schemas.openxmlformats.org/drawingml/2006/main" name="Tema do Office">
+  <a:themeElements>
+    <a:clrScheme name="Office">
+      <a:dk1>
+        <a:sysClr val="windowText" lastClr="000000"/>
+      </a:dk1>
+      <a:lt1>
+        <a:sysClr val="window" lastClr="FFFFFF"/>
+      </a:lt1>
+      <a:dk2>
+        <a:srgbClr val="0E2841"/>
+      </a:dk2>
+      <a:lt2>
+        <a:srgbClr val="E8E8E8"/>
+      </a:lt2>
+      <a:accent1>
+        <a:srgbClr val="156082"/>
+      </a:accent1>
+      <a:accent2>
+        <a:srgbClr val="E97132"/>
+      </a:accent2>
+      <a:accent3>
+        <a:srgbClr val="196B24"/>
+      </a:accent3>
+      <a:accent4>
+        <a:srgbClr val="0F9ED5"/>
+      </a:accent4>
+      <a:accent5>
+        <a:srgbClr val="A02B93"/>
+      </a:accent5>
+      <a:accent6>
+        <a:srgbClr val="4EA72E"/>
+      </a:accent6>
+      <a:hlink>
+        <a:srgbClr val="467886"/>
+      </a:hlink>
+      <a:folHlink>
+        <a:srgbClr val="96607D"/>
+      </a:folHlink>
+    </a:clrScheme>
+    <a:fontScheme name="Office">
+      <a:majorFont>
+        <a:latin typeface="Aptos Display" panose="02110004020202020204"/>
+        <a:ea typeface=""/>
+        <a:cs typeface=""/>
+        <a:font script="Jpan" typeface="游ゴシック Light"/>
+        <a:font script="Hang" typeface="맑은 고딕"/>
+        <a:font script="Hans" typeface="等线 Light"/>
+        <a:font script="Hant" typeface="新細明體"/>
+        <a:font script="Arab" typeface="Times New Roman"/>
+        <a:font script="Hebr" typeface="Times New Roman"/>
+        <a:font script="Thai" typeface="Angsana New"/>
+        <a:font script="Ethi" typeface="Nyala"/>
+        <a:font script="Beng" typeface="Vrinda"/>
+        <a:font script="Gujr" typeface="Shruti"/>
+        <a:font script="Khmr" typeface="MoolBoran"/>
+        <a:font script="Knda" typeface="Tunga"/>
+        <a:font script="Guru" typeface="Raavi"/>
+        <a:font script="Cans" typeface="Euphemia"/>
+        <a:font script="Cher" typeface="Plantagenet Cherokee"/>
+        <a:font script="Yiii" typeface="Microsoft Yi Baiti"/>
+        <a:font script="Tibt" typeface="Microsoft Himalaya"/>
+        <a:font script="Thaa" typeface="MV Boli"/>
+        <a:font script="Deva" typeface="Mangal"/>
+        <a:font script="Telu" typeface="Gautami"/>
+        <a:font script="Taml" typeface="Latha"/>
+        <a:font script="Syrc" typeface="Estrangelo Edessa"/>
+        <a:font script="Orya" typeface="Kalinga"/>
+        <a:font script="Mlym" typeface="Kartika"/>
+        <a:font script="Laoo" typeface="DokChampa"/>
+        <a:font script="Sinh" typeface="Iskoola Pota"/>
+        <a:font script="Mong" typeface="Mongolian Baiti"/>
+        <a:font script="Viet" typeface="Times New Roman"/>
+        <a:font script="Uigh" typeface="Microsoft Uighur"/>
+        <a:font script="Geor" typeface="Sylfaen"/>
+        <a:font script="Armn" typeface="Arial"/>
+        <a:font script="Bugi" typeface="Leelawadee UI"/>
+        <a:font script="Bopo" typeface="Microsoft JhengHei"/>
+        <a:font script="Java" typeface="Javanese Text"/>
+        <a:font script="Lisu" typeface="Segoe UI"/>
+        <a:font script="Mymr" typeface="Myanmar Text"/>
+        <a:font script="Nkoo" typeface="Ebrima"/>
+        <a:font script="Olck" typeface="Nirmala UI"/>
+        <a:font script="Osma" typeface="Ebrima"/>
+        <a:font script="Phag" typeface="Phagspa"/>
+        <a:font script="Syrn" typeface="Estrangelo Edessa"/>
+        <a:font script="Syrj" typeface="Estrangelo Edessa"/>
+        <a:font script="Syre" typeface="Estrangelo Edessa"/>
+        <a:font script="Sora" typeface="Nirmala UI"/>
+        <a:font script="Tale" typeface="Microsoft Tai Le"/>
+        <a:font script="Talu" typeface="Microsoft New Tai Lue"/>
+        <a:font script="Tfng" typeface="Ebrima"/>
+      </a:majorFont>
+      <a:minorFont>
+        <a:latin typeface="Aptos" panose="02110004020202020204"/>
+        <a:ea typeface=""/>
+        <a:cs typeface=""/>
+        <a:font script="Jpan" typeface="游ゴシック"/>
+        <a:font script="Hang" typeface="맑은 고딕"/>
+        <a:font script="Hans" typeface="等线"/>
+        <a:font script="Hant" typeface="新細明體"/>
+        <a:font script="Arab" typeface="Arial"/>
+        <a:font script="Hebr" typeface="Arial"/>
+        <a:font script="Thai" typeface="Cordia New"/>
+        <a:font script="Ethi" typeface="Nyala"/>
+        <a:font script="Beng" typeface="Vrinda"/>
+        <a:font script="Gujr" typeface="Shruti"/>
+        <a:font script="Khmr" typeface="DaunPenh"/>
+        <a:font script="Knda" typeface="Tunga"/>
+        <a:font script="Guru" typeface="Raavi"/>
+        <a:font script="Cans" typeface="Euphemia"/>
+        <a:font script="Cher" typeface="Plantagenet Cherokee"/>
+        <a:font script="Yiii" typeface="Microsoft Yi Baiti"/>
+        <a:font script="Tibt" typeface="Microsoft Himalaya"/>
+        <a:font script="Thaa" typeface="MV Boli"/>
+        <a:font script="Deva" typeface="Mangal"/>
+        <a:font script="Telu" typeface="Gautami"/>
+        <a:font script="Taml" typeface="Latha"/>
+        <a:font script="Syrc" typeface="Estrangelo Edessa"/>
+        <a:font script="Orya" typeface="Kalinga"/>
+        <a:font script="Mlym" typeface="Kartika"/>
+        <a:font script="Laoo" typeface="DokChampa"/>
+        <a:font script="Sinh" typeface="Iskoola Pota"/>
+        <a:font script="Mong" typeface="Mongolian Baiti"/>
+        <a:font script="Viet" typeface="Arial"/>
+        <a:font script="Uigh" typeface="Microsoft Uighur"/>
+        <a:font script="Geor" typeface="Sylfaen"/>
+        <a:font script="Armn" typeface="Arial"/>
+        <a:font script="Bugi" typeface="Leelawadee UI"/>
+        <a:font script="Bopo" typeface="Microsoft JhengHei"/>
+        <a:font script="Java" typeface="Javanese Text"/>
+        <a:font script="Lisu" typeface="Segoe UI"/>
+        <a:font script="Mymr" typeface="Myanmar Text"/>
+        <a:font script="Nkoo" typeface="Ebrima"/>
+        <a:font script="Olck" typeface="Nirmala UI"/>
+        <a:font script="Osma" typeface="Ebrima"/>
+        <a:font script="Phag" typeface="Phagspa"/>
+        <a:font script="Syrn" typeface="Estrangelo Edessa"/>
+        <a:font script="Syrj" typeface="Estrangelo Edessa"/>
+        <a:font script="Syre" typeface="Estrangelo Edessa"/>
+        <a:font script="Sora" typeface="Nirmala UI"/>
+        <a:font script="Tale" typeface="Microsoft Tai Le"/>
+        <a:font script="Talu" typeface="Microsoft New Tai Lue"/>
+        <a:font script="Tfng" typeface="Ebrima"/>
+      </a:minorFont>
+    </a:fontScheme>
+    <a:fmtScheme name="Office">
+      <a:fillStyleLst>
+        <a:solidFill>
+          <a:schemeClr val="phClr"/>
+        </a:solidFill>
+        <a:gradFill rotWithShape="1">
+          <a:gsLst>
+            <a:gs pos="0">
+              <a:schemeClr val="phClr">
+                <a:lumMod val="110000"/>
+                <a:satMod val="105000"/>
+                <a:tint val="67000"/>
+              </a:schemeClr>
+            </a:gs>
+            <a:gs pos="50000">
+              <a:schemeClr val="phClr">
+                <a:lumMod val="105000"/>
+                <a:satMod val="103000"/>
+                <a:tint val="73000"/>
+              </a:schemeClr>
+            </a:gs>
+            <a:gs pos="100000">
+              <a:schemeClr val="phClr">
+                <a:lumMod val="105000"/>
+                <a:satMod val="109000"/>
+                <a:tint val="81000"/>
+              </a:schemeClr>
+            </a:gs>
+          </a:gsLst>
+          <a:lin ang="5400000" scaled="0"/>
+        </a:gradFill>
+        <a:gradFill rotWithShape="1">
+          <a:gsLst>
+            <a:gs pos="0">
+              <a:schemeClr val="phClr">
+                <a:satMod val="103000"/>
+                <a:lumMod val="102000"/>
+                <a:tint val="94000"/>
+              </a:schemeClr>
+            </a:gs>
+            <a:gs pos="50000">
+              <a:schemeClr val="phClr">
+                <a:satMod val="110000"/>
+                <a:lumMod val="100000"/>
+                <a:shade val="100000"/>
+              </a:schemeClr>
+            </a:gs>
+            <a:gs pos="100000">
+              <a:schemeClr val="phClr">
+                <a:lumMod val="99000"/>
+                <a:satMod val="120000"/>
+                <a:shade val="78000"/>
+              </a:schemeClr>
+            </a:gs>
+          </a:gsLst>
+          <a:lin ang="5400000" scaled="0"/>
+        </a:gradFill>
+      </a:fillStyleLst>
+      <a:lnStyleLst>
+        <a:ln w="12700" cap="flat" cmpd="sng" algn="ctr">
+          <a:solidFill>
+            <a:schemeClr val="phClr"/>
+          </a:solidFill>
+          <a:prstDash val="solid"/>
+          <a:miter lim="800000"/>
+        </a:ln>
+        <a:ln w="19050" cap="flat" cmpd="sng" algn="ctr">
+          <a:solidFill>
+            <a:schemeClr val="phClr"/>
+          </a:solidFill>
+          <a:prstDash val="solid"/>
+          <a:miter lim="800000"/>
+        </a:ln>
+        <a:ln w="25400" cap="flat" cmpd="sng" algn="ctr">
+          <a:solidFill>
+            <a:schemeClr val="phClr"/>
+          </a:solidFill>
+          <a:prstDash val="solid"/>
+          <a:miter lim="800000"/>
+        </a:ln>
+      </a:lnStyleLst>
+      <a:effectStyleLst>
+        <a:effectStyle>
+          <a:effectLst/>
+        </a:effectStyle>
+        <a:effectStyle>
+          <a:effectLst/>
+        </a:effectStyle>
+        <a:effectStyle>
+          <a:effectLst>
+            <a:outerShdw blurRad="57150" dist="19050" dir="5400000" algn="ctr" rotWithShape="0">
+              <a:srgbClr val="000000">
+                <a:alpha val="63000"/>
+              </a:srgbClr>
+            </a:outerShdw>
+          </a:effectLst>
+        </a:effectStyle>
+      </a:effectStyleLst>
+      <a:bgFillStyleLst>
+        <a:solidFill>
+          <a:schemeClr val="phClr"/>
+        </a:solidFill>
+        <a:solidFill>
+          <a:schemeClr val="phClr">
+            <a:tint val="95000"/>
+            <a:satMod val="170000"/>
+          </a:schemeClr>
+        </a:solidFill>
+        <a:gradFill rotWithShape="1">
+          <a:gsLst>
+            <a:gs pos="0">
+              <a:schemeClr val="phClr">
+                <a:tint val="93000"/>
+                <a:satMod val="150000"/>
+                <a:shade val="98000"/>
+                <a:lumMod val="102000"/>
+              </a:schemeClr>
+            </a:gs>
+            <a:gs pos="50000">
+              <a:schemeClr val="phClr">
+                <a:tint val="98000"/>
+                <a:satMod val="130000"/>
+                <a:shade val="90000"/>
+                <a:lumMod val="103000"/>
+              </a:schemeClr>
+            </a:gs>
+            <a:gs pos="100000">
+              <a:schemeClr val="phClr">
+                <a:shade val="63000"/>
+                <a:satMod val="120000"/>
+              </a:schemeClr>
+            </a:gs>
+          </a:gsLst>
+          <a:lin ang="5400000" scaled="0"/>
+        </a:gradFill>
+      </a:bgFillStyleLst>
+    </a:fmtScheme>
+  </a:themeElements>
+  <a:objectDefaults>
+    <a:lnDef>
+      <a:spPr/>
+      <a:bodyPr/>
+      <a:lstStyle/>
+      <a:style>
+        <a:lnRef idx="2">
+          <a:schemeClr val="accent1"/>
+        </a:lnRef>
+        <a:fillRef idx="0">
+          <a:schemeClr val="accent1"/>
+        </a:fillRef>
+        <a:effectRef idx="1">
+          <a:schemeClr val="accent1"/>
+        </a:effectRef>
+        <a:fontRef idx="minor">
+          <a:schemeClr val="tx1"/>
+        </a:fontRef>
+      </a:style>
+    </a:lnDef>
+  </a:objectDefaults>
+  <a:extraClrSchemeLst/>
+  <a:extLst>
+    <a:ext uri="{05A4C25C-085E-4340-85A3-A5531E510DB2}">
+      <thm15:themeFamily xmlns:thm15="http://schemas.microsoft.com/office/thememl/2012/main" name="Office Theme" id="{2E142A2C-CD16-42D6-873A-C26D2A0506FA}" vid="{1BDDFF52-6CD6-40A5-AB3C-68EB2F1E4D0A}"/>
+    </a:ext>
+  </a:extLst>
+</a:theme>
 </file>